--- a/ipsa/slides/linear_programming.pptx
+++ b/ipsa/slides/linear_programming.pptx
@@ -136,16 +136,47 @@
 </p:presentation>
 </file>
 
-<file path=ppt/revisionInfo.xml><?xml version="1.0" encoding="utf-8"?>
-<p1510:revInfo xmlns:a="http://schemas.openxmlformats.org/drawingml/2006/main" xmlns:r="http://schemas.openxmlformats.org/officeDocument/2006/relationships" xmlns:p1510="http://schemas.microsoft.com/office/powerpoint/2015/10/main">
-  <p1510:revLst>
-    <p1510:client id="{0DB94234-3218-4FCB-8C1F-DFC91B9BC4D4}" v="15" dt="2022-04-07T16:55:43.365"/>
-  </p1510:revLst>
-</p1510:revInfo>
-</file>
-
 <file path=ppt/changesInfos/changesInfo1.xml><?xml version="1.0" encoding="utf-8"?>
 <pc:chgInfo xmlns:a="http://schemas.openxmlformats.org/drawingml/2006/main" xmlns:r="http://schemas.openxmlformats.org/officeDocument/2006/relationships" xmlns:ac="http://schemas.microsoft.com/office/drawing/2013/main/command" xmlns:pc="http://schemas.microsoft.com/office/powerpoint/2013/main/command">
+  <pc:docChgLst>
+    <pc:chgData name="Gerth Stølting Brodal" userId="04ef4784-6591-4f86-a140-f5c3b108582a" providerId="ADAL" clId="{C39A38A5-3370-482A-A0A5-CF635498757E}"/>
+    <pc:docChg chg="undo custSel modSld">
+      <pc:chgData name="Gerth Stølting Brodal" userId="04ef4784-6591-4f86-a140-f5c3b108582a" providerId="ADAL" clId="{C39A38A5-3370-482A-A0A5-CF635498757E}" dt="2023-03-11T00:05:36.236" v="47" actId="313"/>
+      <pc:docMkLst>
+        <pc:docMk/>
+      </pc:docMkLst>
+      <pc:sldChg chg="modSp mod">
+        <pc:chgData name="Gerth Stølting Brodal" userId="04ef4784-6591-4f86-a140-f5c3b108582a" providerId="ADAL" clId="{C39A38A5-3370-482A-A0A5-CF635498757E}" dt="2023-03-11T00:05:36.236" v="47" actId="313"/>
+        <pc:sldMkLst>
+          <pc:docMk/>
+          <pc:sldMk cId="84816449" sldId="788"/>
+        </pc:sldMkLst>
+        <pc:graphicFrameChg chg="modGraphic">
+          <ac:chgData name="Gerth Stølting Brodal" userId="04ef4784-6591-4f86-a140-f5c3b108582a" providerId="ADAL" clId="{C39A38A5-3370-482A-A0A5-CF635498757E}" dt="2023-03-11T00:05:36.236" v="47" actId="313"/>
+          <ac:graphicFrameMkLst>
+            <pc:docMk/>
+            <pc:sldMk cId="84816449" sldId="788"/>
+            <ac:graphicFrameMk id="14" creationId="{00000000-0000-0000-0000-000000000000}"/>
+          </ac:graphicFrameMkLst>
+        </pc:graphicFrameChg>
+      </pc:sldChg>
+      <pc:sldChg chg="modSp mod">
+        <pc:chgData name="Gerth Stølting Brodal" userId="04ef4784-6591-4f86-a140-f5c3b108582a" providerId="ADAL" clId="{C39A38A5-3370-482A-A0A5-CF635498757E}" dt="2023-03-11T00:02:19.494" v="41" actId="313"/>
+        <pc:sldMkLst>
+          <pc:docMk/>
+          <pc:sldMk cId="2230500912" sldId="790"/>
+        </pc:sldMkLst>
+        <pc:graphicFrameChg chg="modGraphic">
+          <ac:chgData name="Gerth Stølting Brodal" userId="04ef4784-6591-4f86-a140-f5c3b108582a" providerId="ADAL" clId="{C39A38A5-3370-482A-A0A5-CF635498757E}" dt="2023-03-11T00:02:19.494" v="41" actId="313"/>
+          <ac:graphicFrameMkLst>
+            <pc:docMk/>
+            <pc:sldMk cId="2230500912" sldId="790"/>
+            <ac:graphicFrameMk id="14" creationId="{00000000-0000-0000-0000-000000000000}"/>
+          </ac:graphicFrameMkLst>
+        </pc:graphicFrameChg>
+      </pc:sldChg>
+    </pc:docChg>
+  </pc:docChgLst>
   <pc:docChgLst>
     <pc:chgData name="Gerth Stølting Brodal" userId="04ef4784-6591-4f86-a140-f5c3b108582a" providerId="ADAL" clId="{0DB94234-3218-4FCB-8C1F-DFC91B9BC4D4}"/>
     <pc:docChg chg="undo custSel modSld">
@@ -286,7 +317,7 @@
           <a:p>
             <a:fld id="{FB1A172F-81D4-4DC4-9113-1DBD56EC3646}" type="datetimeFigureOut">
               <a:rPr lang="en-US" smtClean="0"/>
-              <a:t>4/7/2022</a:t>
+              <a:t>3/11/2023</a:t>
             </a:fld>
             <a:endParaRPr lang="en-US"/>
           </a:p>
@@ -1075,7 +1106,7 @@
           <a:p>
             <a:fld id="{0560A9CD-0304-4E0B-9E82-E7E0115DE05B}" type="datetimeFigureOut">
               <a:rPr lang="en-US" smtClean="0"/>
-              <a:t>4/7/2022</a:t>
+              <a:t>3/11/2023</a:t>
             </a:fld>
             <a:endParaRPr lang="en-US"/>
           </a:p>
@@ -1243,7 +1274,7 @@
           <a:p>
             <a:fld id="{0560A9CD-0304-4E0B-9E82-E7E0115DE05B}" type="datetimeFigureOut">
               <a:rPr lang="en-US" smtClean="0"/>
-              <a:t>4/7/2022</a:t>
+              <a:t>3/11/2023</a:t>
             </a:fld>
             <a:endParaRPr lang="en-US"/>
           </a:p>
@@ -1421,7 +1452,7 @@
           <a:p>
             <a:fld id="{0560A9CD-0304-4E0B-9E82-E7E0115DE05B}" type="datetimeFigureOut">
               <a:rPr lang="en-US" smtClean="0"/>
-              <a:t>4/7/2022</a:t>
+              <a:t>3/11/2023</a:t>
             </a:fld>
             <a:endParaRPr lang="en-US"/>
           </a:p>
@@ -1604,7 +1635,7 @@
           <a:p>
             <a:fld id="{0560A9CD-0304-4E0B-9E82-E7E0115DE05B}" type="datetimeFigureOut">
               <a:rPr lang="en-US" smtClean="0"/>
-              <a:t>4/7/2022</a:t>
+              <a:t>3/11/2023</a:t>
             </a:fld>
             <a:endParaRPr lang="en-US"/>
           </a:p>
@@ -1849,7 +1880,7 @@
           <a:p>
             <a:fld id="{0560A9CD-0304-4E0B-9E82-E7E0115DE05B}" type="datetimeFigureOut">
               <a:rPr lang="en-US" smtClean="0"/>
-              <a:t>4/7/2022</a:t>
+              <a:t>3/11/2023</a:t>
             </a:fld>
             <a:endParaRPr lang="en-US"/>
           </a:p>
@@ -2078,7 +2109,7 @@
           <a:p>
             <a:fld id="{0560A9CD-0304-4E0B-9E82-E7E0115DE05B}" type="datetimeFigureOut">
               <a:rPr lang="en-US" smtClean="0"/>
-              <a:t>4/7/2022</a:t>
+              <a:t>3/11/2023</a:t>
             </a:fld>
             <a:endParaRPr lang="en-US"/>
           </a:p>
@@ -2442,7 +2473,7 @@
           <a:p>
             <a:fld id="{0560A9CD-0304-4E0B-9E82-E7E0115DE05B}" type="datetimeFigureOut">
               <a:rPr lang="en-US" smtClean="0"/>
-              <a:t>4/7/2022</a:t>
+              <a:t>3/11/2023</a:t>
             </a:fld>
             <a:endParaRPr lang="en-US"/>
           </a:p>
@@ -2559,7 +2590,7 @@
           <a:p>
             <a:fld id="{0560A9CD-0304-4E0B-9E82-E7E0115DE05B}" type="datetimeFigureOut">
               <a:rPr lang="en-US" smtClean="0"/>
-              <a:t>4/7/2022</a:t>
+              <a:t>3/11/2023</a:t>
             </a:fld>
             <a:endParaRPr lang="en-US"/>
           </a:p>
@@ -2654,7 +2685,7 @@
           <a:p>
             <a:fld id="{0560A9CD-0304-4E0B-9E82-E7E0115DE05B}" type="datetimeFigureOut">
               <a:rPr lang="en-US" smtClean="0"/>
-              <a:t>4/7/2022</a:t>
+              <a:t>3/11/2023</a:t>
             </a:fld>
             <a:endParaRPr lang="en-US"/>
           </a:p>
@@ -2929,7 +2960,7 @@
           <a:p>
             <a:fld id="{0560A9CD-0304-4E0B-9E82-E7E0115DE05B}" type="datetimeFigureOut">
               <a:rPr lang="en-US" smtClean="0"/>
-              <a:t>4/7/2022</a:t>
+              <a:t>3/11/2023</a:t>
             </a:fld>
             <a:endParaRPr lang="en-US"/>
           </a:p>
@@ -3181,7 +3212,7 @@
           <a:p>
             <a:fld id="{0560A9CD-0304-4E0B-9E82-E7E0115DE05B}" type="datetimeFigureOut">
               <a:rPr lang="en-US" smtClean="0"/>
-              <a:t>4/7/2022</a:t>
+              <a:t>3/11/2023</a:t>
             </a:fld>
             <a:endParaRPr lang="en-US"/>
           </a:p>
@@ -3392,7 +3423,7 @@
           <a:p>
             <a:fld id="{0560A9CD-0304-4E0B-9E82-E7E0115DE05B}" type="datetimeFigureOut">
               <a:rPr lang="en-US" smtClean="0"/>
-              <a:t>4/7/2022</a:t>
+              <a:t>3/11/2023</a:t>
             </a:fld>
             <a:endParaRPr lang="en-US"/>
           </a:p>
@@ -7444,7 +7475,7 @@
           <p:nvPr>
             <p:extLst>
               <p:ext uri="{D42A27DB-BD31-4B8C-83A1-F6EECF244321}">
-                <p14:modId xmlns:p14="http://schemas.microsoft.com/office/powerpoint/2010/main" val="114931135"/>
+                <p14:modId xmlns:p14="http://schemas.microsoft.com/office/powerpoint/2010/main" val="3953981391"/>
               </p:ext>
             </p:extLst>
           </p:nvPr>
@@ -7648,16 +7679,6 @@
                         <a:t>(x, </a:t>
                       </a:r>
                       <a:r>
-                        <a:rPr lang="en-US" sz="1600" b="1" dirty="0" err="1">
-                          <a:solidFill>
-                            <a:srgbClr val="C00000"/>
-                          </a:solidFill>
-                          <a:latin typeface="Courier New" panose="02070309020205020404" pitchFamily="49" charset="0"/>
-                          <a:cs typeface="Courier New" panose="02070309020205020404" pitchFamily="49" charset="0"/>
-                        </a:rPr>
-                        <a:t>prob</a:t>
-                      </a:r>
-                      <a:r>
                         <a:rPr lang="en-US" sz="1600" b="1" dirty="0">
                           <a:solidFill>
                             <a:srgbClr val="C00000"/>
@@ -7665,14 +7686,28 @@
                           <a:latin typeface="Courier New" panose="02070309020205020404" pitchFamily="49" charset="0"/>
                           <a:cs typeface="Courier New" panose="02070309020205020404" pitchFamily="49" charset="0"/>
                         </a:rPr>
-                        <a:t>[node]</a:t>
+                        <a:t>prob[node]</a:t>
                       </a:r>
                       <a:r>
                         <a:rPr lang="en-US" sz="1600" b="1" dirty="0">
                           <a:latin typeface="Courier New" panose="02070309020205020404" pitchFamily="49" charset="0"/>
                           <a:cs typeface="Courier New" panose="02070309020205020404" pitchFamily="49" charset="0"/>
                         </a:rPr>
-                        <a:t>, label="node %s" % node)</a:t>
+                        <a:t>, label=</a:t>
+                      </a:r>
+                      <a:r>
+                        <a:rPr lang="en-US" sz="1600" b="1" dirty="0" err="1">
+                          <a:latin typeface="Courier New" panose="02070309020205020404" pitchFamily="49" charset="0"/>
+                          <a:cs typeface="Courier New" panose="02070309020205020404" pitchFamily="49" charset="0"/>
+                        </a:rPr>
+                        <a:t>f'node</a:t>
+                      </a:r>
+                      <a:r>
+                        <a:rPr lang="en-US" sz="1600" b="1" dirty="0">
+                          <a:latin typeface="Courier New" panose="02070309020205020404" pitchFamily="49" charset="0"/>
+                          <a:cs typeface="Courier New" panose="02070309020205020404" pitchFamily="49" charset="0"/>
+                        </a:rPr>
+                        <a:t> {node}')</a:t>
                       </a:r>
                     </a:p>
                     <a:p>
@@ -7738,7 +7773,7 @@
                           <a:latin typeface="Courier New" panose="02070309020205020404" pitchFamily="49" charset="0"/>
                           <a:cs typeface="Courier New" panose="02070309020205020404" pitchFamily="49" charset="0"/>
                         </a:rPr>
-                        <a:t>("Random Surfer Probabilities")</a:t>
+                        <a:t>('Random Surfer Probabilities')</a:t>
                       </a:r>
                     </a:p>
                     <a:p>
@@ -7771,7 +7806,7 @@
                           <a:latin typeface="Courier New" panose="02070309020205020404" pitchFamily="49" charset="0"/>
                           <a:cs typeface="Courier New" panose="02070309020205020404" pitchFamily="49" charset="0"/>
                         </a:rPr>
-                        <a:t>("Iterations")</a:t>
+                        <a:t>('Iterations')</a:t>
                       </a:r>
                     </a:p>
                     <a:p>
@@ -7804,7 +7839,7 @@
                           <a:latin typeface="Courier New" panose="02070309020205020404" pitchFamily="49" charset="0"/>
                           <a:cs typeface="Courier New" panose="02070309020205020404" pitchFamily="49" charset="0"/>
                         </a:rPr>
-                        <a:t>("Probability")</a:t>
+                        <a:t>('Probability')</a:t>
                       </a:r>
                     </a:p>
                     <a:p>
@@ -23739,7 +23774,7 @@
           <p:nvPr>
             <p:extLst>
               <p:ext uri="{D42A27DB-BD31-4B8C-83A1-F6EECF244321}">
-                <p14:modId xmlns:p14="http://schemas.microsoft.com/office/powerpoint/2010/main" val="3522952318"/>
+                <p14:modId xmlns:p14="http://schemas.microsoft.com/office/powerpoint/2010/main" val="3371067990"/>
               </p:ext>
             </p:extLst>
           </p:nvPr>
@@ -23965,7 +24000,7 @@
                           <a:latin typeface="Courier New" panose="02070309020205020404" pitchFamily="49" charset="0"/>
                           <a:cs typeface="Courier New" panose="02070309020205020404" pitchFamily="49" charset="0"/>
                         </a:rPr>
-                        <a:t>("Random Walk")</a:t>
+                        <a:t>('Random Walk')</a:t>
                       </a:r>
                     </a:p>
                     <a:p>
@@ -23998,7 +24033,7 @@
                           <a:latin typeface="Courier New" panose="02070309020205020404" pitchFamily="49" charset="0"/>
                           <a:cs typeface="Courier New" panose="02070309020205020404" pitchFamily="49" charset="0"/>
                         </a:rPr>
-                        <a:t>("node")</a:t>
+                        <a:t>('node')</a:t>
                       </a:r>
                     </a:p>
                     <a:p>
@@ -24031,8 +24066,19 @@
                           <a:latin typeface="Courier New" panose="02070309020205020404" pitchFamily="49" charset="0"/>
                           <a:cs typeface="Courier New" panose="02070309020205020404" pitchFamily="49" charset="0"/>
                         </a:rPr>
-                        <a:t>("number of visits")</a:t>
-                      </a:r>
+                        <a:t>('number </a:t>
+                      </a:r>
+                      <a:r>
+                        <a:rPr lang="en-US" sz="1600" b="1">
+                          <a:latin typeface="Courier New" panose="02070309020205020404" pitchFamily="49" charset="0"/>
+                          <a:cs typeface="Courier New" panose="02070309020205020404" pitchFamily="49" charset="0"/>
+                        </a:rPr>
+                        <a:t>of visits')</a:t>
+                      </a:r>
+                      <a:endParaRPr lang="en-US" sz="1600" b="1" dirty="0">
+                        <a:latin typeface="Courier New" panose="02070309020205020404" pitchFamily="49" charset="0"/>
+                        <a:cs typeface="Courier New" panose="02070309020205020404" pitchFamily="49" charset="0"/>
+                      </a:endParaRPr>
                     </a:p>
                     <a:p>
                       <a:pPr marL="0" marR="0" lvl="0" indent="0" algn="l" defTabSz="914400" rtl="0" eaLnBrk="1" fontAlgn="auto" latinLnBrk="0" hangingPunct="1">

--- a/ipsa/slides/linear_programming.pptx
+++ b/ipsa/slides/linear_programming.pptx
@@ -136,6 +136,14 @@
 </p:presentation>
 </file>
 
+<file path=ppt/revisionInfo.xml><?xml version="1.0" encoding="utf-8"?>
+<p1510:revInfo xmlns:a="http://schemas.openxmlformats.org/drawingml/2006/main" xmlns:r="http://schemas.openxmlformats.org/officeDocument/2006/relationships" xmlns:p1510="http://schemas.microsoft.com/office/powerpoint/2015/10/main">
+  <p1510:revLst>
+    <p1510:client id="{FCA54829-69E0-4900-9165-83DAEE965D83}" v="9" dt="2023-04-16T11:48:36.511"/>
+  </p1510:revLst>
+</p1510:revInfo>
+</file>
+
 <file path=ppt/changesInfos/changesInfo1.xml><?xml version="1.0" encoding="utf-8"?>
 <pc:chgInfo xmlns:a="http://schemas.openxmlformats.org/drawingml/2006/main" xmlns:r="http://schemas.openxmlformats.org/officeDocument/2006/relationships" xmlns:ac="http://schemas.microsoft.com/office/drawing/2013/main/command" xmlns:pc="http://schemas.microsoft.com/office/powerpoint/2013/main/command">
   <pc:docChgLst>
@@ -232,6 +240,524 @@
       </pc:sldChg>
     </pc:docChg>
   </pc:docChgLst>
+  <pc:docChgLst>
+    <pc:chgData name="Gerth Stølting Brodal" userId="04ef4784-6591-4f86-a140-f5c3b108582a" providerId="ADAL" clId="{FCA54829-69E0-4900-9165-83DAEE965D83}"/>
+    <pc:docChg chg="undo custSel modSld modShowInfo">
+      <pc:chgData name="Gerth Stølting Brodal" userId="04ef4784-6591-4f86-a140-f5c3b108582a" providerId="ADAL" clId="{FCA54829-69E0-4900-9165-83DAEE965D83}" dt="2023-04-16T11:48:39.280" v="201" actId="1076"/>
+      <pc:docMkLst>
+        <pc:docMk/>
+      </pc:docMkLst>
+      <pc:sldChg chg="modSp mod">
+        <pc:chgData name="Gerth Stølting Brodal" userId="04ef4784-6591-4f86-a140-f5c3b108582a" providerId="ADAL" clId="{FCA54829-69E0-4900-9165-83DAEE965D83}" dt="2023-04-16T11:46:18.083" v="199" actId="20577"/>
+        <pc:sldMkLst>
+          <pc:docMk/>
+          <pc:sldMk cId="1272159487" sldId="774"/>
+        </pc:sldMkLst>
+        <pc:spChg chg="mod">
+          <ac:chgData name="Gerth Stølting Brodal" userId="04ef4784-6591-4f86-a140-f5c3b108582a" providerId="ADAL" clId="{FCA54829-69E0-4900-9165-83DAEE965D83}" dt="2023-04-16T11:46:18.083" v="199" actId="20577"/>
+          <ac:spMkLst>
+            <pc:docMk/>
+            <pc:sldMk cId="1272159487" sldId="774"/>
+            <ac:spMk id="3" creationId="{00000000-0000-0000-0000-000000000000}"/>
+          </ac:spMkLst>
+        </pc:spChg>
+      </pc:sldChg>
+      <pc:sldChg chg="addSp modSp mod">
+        <pc:chgData name="Gerth Stølting Brodal" userId="04ef4784-6591-4f86-a140-f5c3b108582a" providerId="ADAL" clId="{FCA54829-69E0-4900-9165-83DAEE965D83}" dt="2023-04-16T11:48:39.280" v="201" actId="1076"/>
+        <pc:sldMkLst>
+          <pc:docMk/>
+          <pc:sldMk cId="4011126068" sldId="775"/>
+        </pc:sldMkLst>
+        <pc:picChg chg="add mod">
+          <ac:chgData name="Gerth Stølting Brodal" userId="04ef4784-6591-4f86-a140-f5c3b108582a" providerId="ADAL" clId="{FCA54829-69E0-4900-9165-83DAEE965D83}" dt="2023-04-16T11:48:39.280" v="201" actId="1076"/>
+          <ac:picMkLst>
+            <pc:docMk/>
+            <pc:sldMk cId="4011126068" sldId="775"/>
+            <ac:picMk id="3" creationId="{05D769A4-3D29-D5AA-40CD-D03ADD3B32E4}"/>
+          </ac:picMkLst>
+        </pc:picChg>
+      </pc:sldChg>
+      <pc:sldChg chg="mod modShow">
+        <pc:chgData name="Gerth Stølting Brodal" userId="04ef4784-6591-4f86-a140-f5c3b108582a" providerId="ADAL" clId="{FCA54829-69E0-4900-9165-83DAEE965D83}" dt="2023-04-16T10:43:43.951" v="4" actId="729"/>
+        <pc:sldMkLst>
+          <pc:docMk/>
+          <pc:sldMk cId="2437861281" sldId="778"/>
+        </pc:sldMkLst>
+      </pc:sldChg>
+      <pc:sldChg chg="modSp mod">
+        <pc:chgData name="Gerth Stølting Brodal" userId="04ef4784-6591-4f86-a140-f5c3b108582a" providerId="ADAL" clId="{FCA54829-69E0-4900-9165-83DAEE965D83}" dt="2023-04-16T11:24:44.093" v="118" actId="1035"/>
+        <pc:sldMkLst>
+          <pc:docMk/>
+          <pc:sldMk cId="4134781063" sldId="780"/>
+        </pc:sldMkLst>
+        <pc:spChg chg="mod">
+          <ac:chgData name="Gerth Stølting Brodal" userId="04ef4784-6591-4f86-a140-f5c3b108582a" providerId="ADAL" clId="{FCA54829-69E0-4900-9165-83DAEE965D83}" dt="2023-04-16T11:24:39.591" v="115" actId="1035"/>
+          <ac:spMkLst>
+            <pc:docMk/>
+            <pc:sldMk cId="4134781063" sldId="780"/>
+            <ac:spMk id="8" creationId="{00000000-0000-0000-0000-000000000000}"/>
+          </ac:spMkLst>
+        </pc:spChg>
+        <pc:spChg chg="mod">
+          <ac:chgData name="Gerth Stølting Brodal" userId="04ef4784-6591-4f86-a140-f5c3b108582a" providerId="ADAL" clId="{FCA54829-69E0-4900-9165-83DAEE965D83}" dt="2023-04-16T11:21:35.141" v="85" actId="208"/>
+          <ac:spMkLst>
+            <pc:docMk/>
+            <pc:sldMk cId="4134781063" sldId="780"/>
+            <ac:spMk id="9" creationId="{00000000-0000-0000-0000-000000000000}"/>
+          </ac:spMkLst>
+        </pc:spChg>
+        <pc:spChg chg="mod">
+          <ac:chgData name="Gerth Stølting Brodal" userId="04ef4784-6591-4f86-a140-f5c3b108582a" providerId="ADAL" clId="{FCA54829-69E0-4900-9165-83DAEE965D83}" dt="2023-04-16T11:24:44.093" v="118" actId="1035"/>
+          <ac:spMkLst>
+            <pc:docMk/>
+            <pc:sldMk cId="4134781063" sldId="780"/>
+            <ac:spMk id="10" creationId="{00000000-0000-0000-0000-000000000000}"/>
+          </ac:spMkLst>
+        </pc:spChg>
+        <pc:spChg chg="mod">
+          <ac:chgData name="Gerth Stølting Brodal" userId="04ef4784-6591-4f86-a140-f5c3b108582a" providerId="ADAL" clId="{FCA54829-69E0-4900-9165-83DAEE965D83}" dt="2023-04-16T11:21:35.141" v="85" actId="208"/>
+          <ac:spMkLst>
+            <pc:docMk/>
+            <pc:sldMk cId="4134781063" sldId="780"/>
+            <ac:spMk id="11" creationId="{00000000-0000-0000-0000-000000000000}"/>
+          </ac:spMkLst>
+        </pc:spChg>
+        <pc:spChg chg="mod">
+          <ac:chgData name="Gerth Stølting Brodal" userId="04ef4784-6591-4f86-a140-f5c3b108582a" providerId="ADAL" clId="{FCA54829-69E0-4900-9165-83DAEE965D83}" dt="2023-04-16T11:21:35.141" v="85" actId="208"/>
+          <ac:spMkLst>
+            <pc:docMk/>
+            <pc:sldMk cId="4134781063" sldId="780"/>
+            <ac:spMk id="12" creationId="{00000000-0000-0000-0000-000000000000}"/>
+          </ac:spMkLst>
+        </pc:spChg>
+        <pc:spChg chg="mod">
+          <ac:chgData name="Gerth Stølting Brodal" userId="04ef4784-6591-4f86-a140-f5c3b108582a" providerId="ADAL" clId="{FCA54829-69E0-4900-9165-83DAEE965D83}" dt="2023-04-16T11:21:35.141" v="85" actId="208"/>
+          <ac:spMkLst>
+            <pc:docMk/>
+            <pc:sldMk cId="4134781063" sldId="780"/>
+            <ac:spMk id="13" creationId="{00000000-0000-0000-0000-000000000000}"/>
+          </ac:spMkLst>
+        </pc:spChg>
+        <pc:graphicFrameChg chg="mod">
+          <ac:chgData name="Gerth Stølting Brodal" userId="04ef4784-6591-4f86-a140-f5c3b108582a" providerId="ADAL" clId="{FCA54829-69E0-4900-9165-83DAEE965D83}" dt="2023-04-16T10:48:04.825" v="7"/>
+          <ac:graphicFrameMkLst>
+            <pc:docMk/>
+            <pc:sldMk cId="4134781063" sldId="780"/>
+            <ac:graphicFrameMk id="6" creationId="{00000000-0000-0000-0000-000000000000}"/>
+          </ac:graphicFrameMkLst>
+        </pc:graphicFrameChg>
+        <pc:picChg chg="mod">
+          <ac:chgData name="Gerth Stølting Brodal" userId="04ef4784-6591-4f86-a140-f5c3b108582a" providerId="ADAL" clId="{FCA54829-69E0-4900-9165-83DAEE965D83}" dt="2023-04-16T11:21:44.249" v="87" actId="1582"/>
+          <ac:picMkLst>
+            <pc:docMk/>
+            <pc:sldMk cId="4134781063" sldId="780"/>
+            <ac:picMk id="7" creationId="{00000000-0000-0000-0000-000000000000}"/>
+          </ac:picMkLst>
+        </pc:picChg>
+      </pc:sldChg>
+      <pc:sldChg chg="modSp mod">
+        <pc:chgData name="Gerth Stølting Brodal" userId="04ef4784-6591-4f86-a140-f5c3b108582a" providerId="ADAL" clId="{FCA54829-69E0-4900-9165-83DAEE965D83}" dt="2023-04-16T11:34:14.568" v="197" actId="20577"/>
+        <pc:sldMkLst>
+          <pc:docMk/>
+          <pc:sldMk cId="3629567511" sldId="782"/>
+        </pc:sldMkLst>
+        <pc:spChg chg="mod">
+          <ac:chgData name="Gerth Stølting Brodal" userId="04ef4784-6591-4f86-a140-f5c3b108582a" providerId="ADAL" clId="{FCA54829-69E0-4900-9165-83DAEE965D83}" dt="2023-04-16T11:33:51.079" v="196" actId="20577"/>
+          <ac:spMkLst>
+            <pc:docMk/>
+            <pc:sldMk cId="3629567511" sldId="782"/>
+            <ac:spMk id="3" creationId="{00000000-0000-0000-0000-000000000000}"/>
+          </ac:spMkLst>
+        </pc:spChg>
+        <pc:spChg chg="mod">
+          <ac:chgData name="Gerth Stølting Brodal" userId="04ef4784-6591-4f86-a140-f5c3b108582a" providerId="ADAL" clId="{FCA54829-69E0-4900-9165-83DAEE965D83}" dt="2023-04-16T11:32:57.532" v="188" actId="58"/>
+          <ac:spMkLst>
+            <pc:docMk/>
+            <pc:sldMk cId="3629567511" sldId="782"/>
+            <ac:spMk id="7" creationId="{00000000-0000-0000-0000-000000000000}"/>
+          </ac:spMkLst>
+        </pc:spChg>
+        <pc:graphicFrameChg chg="modGraphic">
+          <ac:chgData name="Gerth Stølting Brodal" userId="04ef4784-6591-4f86-a140-f5c3b108582a" providerId="ADAL" clId="{FCA54829-69E0-4900-9165-83DAEE965D83}" dt="2023-04-16T11:34:14.568" v="197" actId="20577"/>
+          <ac:graphicFrameMkLst>
+            <pc:docMk/>
+            <pc:sldMk cId="3629567511" sldId="782"/>
+            <ac:graphicFrameMk id="4" creationId="{00000000-0000-0000-0000-000000000000}"/>
+          </ac:graphicFrameMkLst>
+        </pc:graphicFrameChg>
+      </pc:sldChg>
+      <pc:sldChg chg="addSp delSp modSp mod modNotesTx">
+        <pc:chgData name="Gerth Stølting Brodal" userId="04ef4784-6591-4f86-a140-f5c3b108582a" providerId="ADAL" clId="{FCA54829-69E0-4900-9165-83DAEE965D83}" dt="2023-04-16T11:26:57.468" v="178" actId="1035"/>
+        <pc:sldMkLst>
+          <pc:docMk/>
+          <pc:sldMk cId="1178474818" sldId="783"/>
+        </pc:sldMkLst>
+        <pc:spChg chg="mod">
+          <ac:chgData name="Gerth Stølting Brodal" userId="04ef4784-6591-4f86-a140-f5c3b108582a" providerId="ADAL" clId="{FCA54829-69E0-4900-9165-83DAEE965D83}" dt="2023-04-16T11:26:52.287" v="172" actId="1035"/>
+          <ac:spMkLst>
+            <pc:docMk/>
+            <pc:sldMk cId="1178474818" sldId="783"/>
+            <ac:spMk id="16" creationId="{5EAAFEFF-4F9C-88B0-B055-B4D7B34F1E5A}"/>
+          </ac:spMkLst>
+        </pc:spChg>
+        <pc:spChg chg="mod">
+          <ac:chgData name="Gerth Stølting Brodal" userId="04ef4784-6591-4f86-a140-f5c3b108582a" providerId="ADAL" clId="{FCA54829-69E0-4900-9165-83DAEE965D83}" dt="2023-04-16T11:22:30.122" v="94"/>
+          <ac:spMkLst>
+            <pc:docMk/>
+            <pc:sldMk cId="1178474818" sldId="783"/>
+            <ac:spMk id="17" creationId="{426709AE-5ED2-0F69-1028-E4616FA26765}"/>
+          </ac:spMkLst>
+        </pc:spChg>
+        <pc:spChg chg="mod">
+          <ac:chgData name="Gerth Stølting Brodal" userId="04ef4784-6591-4f86-a140-f5c3b108582a" providerId="ADAL" clId="{FCA54829-69E0-4900-9165-83DAEE965D83}" dt="2023-04-16T11:26:57.468" v="178" actId="1035"/>
+          <ac:spMkLst>
+            <pc:docMk/>
+            <pc:sldMk cId="1178474818" sldId="783"/>
+            <ac:spMk id="18" creationId="{C3F1AA50-6A08-B972-8579-5487D87AF4B6}"/>
+          </ac:spMkLst>
+        </pc:spChg>
+        <pc:spChg chg="mod">
+          <ac:chgData name="Gerth Stølting Brodal" userId="04ef4784-6591-4f86-a140-f5c3b108582a" providerId="ADAL" clId="{FCA54829-69E0-4900-9165-83DAEE965D83}" dt="2023-04-16T11:22:30.122" v="94"/>
+          <ac:spMkLst>
+            <pc:docMk/>
+            <pc:sldMk cId="1178474818" sldId="783"/>
+            <ac:spMk id="19" creationId="{1291DC0C-E042-C215-1832-AFE4ABB68CC4}"/>
+          </ac:spMkLst>
+        </pc:spChg>
+        <pc:spChg chg="mod">
+          <ac:chgData name="Gerth Stølting Brodal" userId="04ef4784-6591-4f86-a140-f5c3b108582a" providerId="ADAL" clId="{FCA54829-69E0-4900-9165-83DAEE965D83}" dt="2023-04-16T11:22:30.122" v="94"/>
+          <ac:spMkLst>
+            <pc:docMk/>
+            <pc:sldMk cId="1178474818" sldId="783"/>
+            <ac:spMk id="20" creationId="{2AF0E2DB-445C-7E2E-24B8-EAC65B724984}"/>
+          </ac:spMkLst>
+        </pc:spChg>
+        <pc:spChg chg="mod">
+          <ac:chgData name="Gerth Stølting Brodal" userId="04ef4784-6591-4f86-a140-f5c3b108582a" providerId="ADAL" clId="{FCA54829-69E0-4900-9165-83DAEE965D83}" dt="2023-04-16T11:22:30.122" v="94"/>
+          <ac:spMkLst>
+            <pc:docMk/>
+            <pc:sldMk cId="1178474818" sldId="783"/>
+            <ac:spMk id="21" creationId="{240303BC-7F27-7652-9D83-2D97F6103B92}"/>
+          </ac:spMkLst>
+        </pc:spChg>
+        <pc:grpChg chg="del mod">
+          <ac:chgData name="Gerth Stølting Brodal" userId="04ef4784-6591-4f86-a140-f5c3b108582a" providerId="ADAL" clId="{FCA54829-69E0-4900-9165-83DAEE965D83}" dt="2023-04-16T11:22:32.704" v="95" actId="478"/>
+          <ac:grpSpMkLst>
+            <pc:docMk/>
+            <pc:sldMk cId="1178474818" sldId="783"/>
+            <ac:grpSpMk id="5" creationId="{00000000-0000-0000-0000-000000000000}"/>
+          </ac:grpSpMkLst>
+        </pc:grpChg>
+        <pc:grpChg chg="add mod">
+          <ac:chgData name="Gerth Stølting Brodal" userId="04ef4784-6591-4f86-a140-f5c3b108582a" providerId="ADAL" clId="{FCA54829-69E0-4900-9165-83DAEE965D83}" dt="2023-04-16T11:22:36.757" v="96" actId="1076"/>
+          <ac:grpSpMkLst>
+            <pc:docMk/>
+            <pc:sldMk cId="1178474818" sldId="783"/>
+            <ac:grpSpMk id="14" creationId="{87D42C42-9F41-E26E-C95C-C487D1D37C70}"/>
+          </ac:grpSpMkLst>
+        </pc:grpChg>
+        <pc:picChg chg="mod">
+          <ac:chgData name="Gerth Stølting Brodal" userId="04ef4784-6591-4f86-a140-f5c3b108582a" providerId="ADAL" clId="{FCA54829-69E0-4900-9165-83DAEE965D83}" dt="2023-04-16T11:22:30.122" v="94"/>
+          <ac:picMkLst>
+            <pc:docMk/>
+            <pc:sldMk cId="1178474818" sldId="783"/>
+            <ac:picMk id="15" creationId="{0727C293-C901-E52A-9A47-2FAE4C75F4EE}"/>
+          </ac:picMkLst>
+        </pc:picChg>
+      </pc:sldChg>
+      <pc:sldChg chg="modSp mod">
+        <pc:chgData name="Gerth Stølting Brodal" userId="04ef4784-6591-4f86-a140-f5c3b108582a" providerId="ADAL" clId="{FCA54829-69E0-4900-9165-83DAEE965D83}" dt="2023-04-16T11:25:37.414" v="144" actId="1035"/>
+        <pc:sldMkLst>
+          <pc:docMk/>
+          <pc:sldMk cId="3711897289" sldId="787"/>
+        </pc:sldMkLst>
+        <pc:spChg chg="mod">
+          <ac:chgData name="Gerth Stølting Brodal" userId="04ef4784-6591-4f86-a140-f5c3b108582a" providerId="ADAL" clId="{FCA54829-69E0-4900-9165-83DAEE965D83}" dt="2023-04-16T11:25:37.414" v="144" actId="1035"/>
+          <ac:spMkLst>
+            <pc:docMk/>
+            <pc:sldMk cId="3711897289" sldId="787"/>
+            <ac:spMk id="8" creationId="{00000000-0000-0000-0000-000000000000}"/>
+          </ac:spMkLst>
+        </pc:spChg>
+        <pc:spChg chg="mod">
+          <ac:chgData name="Gerth Stølting Brodal" userId="04ef4784-6591-4f86-a140-f5c3b108582a" providerId="ADAL" clId="{FCA54829-69E0-4900-9165-83DAEE965D83}" dt="2023-04-16T11:21:20.814" v="79" actId="208"/>
+          <ac:spMkLst>
+            <pc:docMk/>
+            <pc:sldMk cId="3711897289" sldId="787"/>
+            <ac:spMk id="9" creationId="{00000000-0000-0000-0000-000000000000}"/>
+          </ac:spMkLst>
+        </pc:spChg>
+        <pc:spChg chg="mod">
+          <ac:chgData name="Gerth Stølting Brodal" userId="04ef4784-6591-4f86-a140-f5c3b108582a" providerId="ADAL" clId="{FCA54829-69E0-4900-9165-83DAEE965D83}" dt="2023-04-16T11:23:52.503" v="111" actId="1035"/>
+          <ac:spMkLst>
+            <pc:docMk/>
+            <pc:sldMk cId="3711897289" sldId="787"/>
+            <ac:spMk id="10" creationId="{00000000-0000-0000-0000-000000000000}"/>
+          </ac:spMkLst>
+        </pc:spChg>
+        <pc:spChg chg="mod">
+          <ac:chgData name="Gerth Stølting Brodal" userId="04ef4784-6591-4f86-a140-f5c3b108582a" providerId="ADAL" clId="{FCA54829-69E0-4900-9165-83DAEE965D83}" dt="2023-04-16T11:24:09.662" v="112" actId="1035"/>
+          <ac:spMkLst>
+            <pc:docMk/>
+            <pc:sldMk cId="3711897289" sldId="787"/>
+            <ac:spMk id="11" creationId="{00000000-0000-0000-0000-000000000000}"/>
+          </ac:spMkLst>
+        </pc:spChg>
+        <pc:spChg chg="mod">
+          <ac:chgData name="Gerth Stølting Brodal" userId="04ef4784-6591-4f86-a140-f5c3b108582a" providerId="ADAL" clId="{FCA54829-69E0-4900-9165-83DAEE965D83}" dt="2023-04-16T11:21:20.814" v="79" actId="208"/>
+          <ac:spMkLst>
+            <pc:docMk/>
+            <pc:sldMk cId="3711897289" sldId="787"/>
+            <ac:spMk id="12" creationId="{00000000-0000-0000-0000-000000000000}"/>
+          </ac:spMkLst>
+        </pc:spChg>
+        <pc:spChg chg="mod">
+          <ac:chgData name="Gerth Stølting Brodal" userId="04ef4784-6591-4f86-a140-f5c3b108582a" providerId="ADAL" clId="{FCA54829-69E0-4900-9165-83DAEE965D83}" dt="2023-04-16T11:21:20.814" v="79" actId="208"/>
+          <ac:spMkLst>
+            <pc:docMk/>
+            <pc:sldMk cId="3711897289" sldId="787"/>
+            <ac:spMk id="13" creationId="{00000000-0000-0000-0000-000000000000}"/>
+          </ac:spMkLst>
+        </pc:spChg>
+        <pc:graphicFrameChg chg="modGraphic">
+          <ac:chgData name="Gerth Stølting Brodal" userId="04ef4784-6591-4f86-a140-f5c3b108582a" providerId="ADAL" clId="{FCA54829-69E0-4900-9165-83DAEE965D83}" dt="2023-04-16T10:53:07.995" v="54" actId="6549"/>
+          <ac:graphicFrameMkLst>
+            <pc:docMk/>
+            <pc:sldMk cId="3711897289" sldId="787"/>
+            <ac:graphicFrameMk id="14" creationId="{00000000-0000-0000-0000-000000000000}"/>
+          </ac:graphicFrameMkLst>
+        </pc:graphicFrameChg>
+        <pc:picChg chg="mod">
+          <ac:chgData name="Gerth Stølting Brodal" userId="04ef4784-6591-4f86-a140-f5c3b108582a" providerId="ADAL" clId="{FCA54829-69E0-4900-9165-83DAEE965D83}" dt="2023-04-16T11:22:02.680" v="89" actId="1582"/>
+          <ac:picMkLst>
+            <pc:docMk/>
+            <pc:sldMk cId="3711897289" sldId="787"/>
+            <ac:picMk id="7" creationId="{00000000-0000-0000-0000-000000000000}"/>
+          </ac:picMkLst>
+        </pc:picChg>
+      </pc:sldChg>
+      <pc:sldChg chg="modSp mod">
+        <pc:chgData name="Gerth Stølting Brodal" userId="04ef4784-6591-4f86-a140-f5c3b108582a" providerId="ADAL" clId="{FCA54829-69E0-4900-9165-83DAEE965D83}" dt="2023-04-16T11:25:25.269" v="142" actId="1036"/>
+        <pc:sldMkLst>
+          <pc:docMk/>
+          <pc:sldMk cId="84816449" sldId="788"/>
+        </pc:sldMkLst>
+        <pc:spChg chg="mod">
+          <ac:chgData name="Gerth Stølting Brodal" userId="04ef4784-6591-4f86-a140-f5c3b108582a" providerId="ADAL" clId="{FCA54829-69E0-4900-9165-83DAEE965D83}" dt="2023-04-16T11:25:03.041" v="125" actId="1035"/>
+          <ac:spMkLst>
+            <pc:docMk/>
+            <pc:sldMk cId="84816449" sldId="788"/>
+            <ac:spMk id="10" creationId="{00000000-0000-0000-0000-000000000000}"/>
+          </ac:spMkLst>
+        </pc:spChg>
+        <pc:spChg chg="mod">
+          <ac:chgData name="Gerth Stølting Brodal" userId="04ef4784-6591-4f86-a140-f5c3b108582a" providerId="ADAL" clId="{FCA54829-69E0-4900-9165-83DAEE965D83}" dt="2023-04-16T11:25:25.269" v="142" actId="1036"/>
+          <ac:spMkLst>
+            <pc:docMk/>
+            <pc:sldMk cId="84816449" sldId="788"/>
+            <ac:spMk id="11" creationId="{00000000-0000-0000-0000-000000000000}"/>
+          </ac:spMkLst>
+        </pc:spChg>
+        <pc:spChg chg="mod">
+          <ac:chgData name="Gerth Stølting Brodal" userId="04ef4784-6591-4f86-a140-f5c3b108582a" providerId="ADAL" clId="{FCA54829-69E0-4900-9165-83DAEE965D83}" dt="2023-04-16T11:25:06.560" v="132" actId="1035"/>
+          <ac:spMkLst>
+            <pc:docMk/>
+            <pc:sldMk cId="84816449" sldId="788"/>
+            <ac:spMk id="12" creationId="{00000000-0000-0000-0000-000000000000}"/>
+          </ac:spMkLst>
+        </pc:spChg>
+        <pc:spChg chg="mod">
+          <ac:chgData name="Gerth Stølting Brodal" userId="04ef4784-6591-4f86-a140-f5c3b108582a" providerId="ADAL" clId="{FCA54829-69E0-4900-9165-83DAEE965D83}" dt="2023-04-16T11:25:15.144" v="138" actId="1038"/>
+          <ac:spMkLst>
+            <pc:docMk/>
+            <pc:sldMk cId="84816449" sldId="788"/>
+            <ac:spMk id="13" creationId="{00000000-0000-0000-0000-000000000000}"/>
+          </ac:spMkLst>
+        </pc:spChg>
+        <pc:picChg chg="mod">
+          <ac:chgData name="Gerth Stølting Brodal" userId="04ef4784-6591-4f86-a140-f5c3b108582a" providerId="ADAL" clId="{FCA54829-69E0-4900-9165-83DAEE965D83}" dt="2023-04-16T11:25:12.225" v="133" actId="1076"/>
+          <ac:picMkLst>
+            <pc:docMk/>
+            <pc:sldMk cId="84816449" sldId="788"/>
+            <ac:picMk id="9" creationId="{00000000-0000-0000-0000-000000000000}"/>
+          </ac:picMkLst>
+        </pc:picChg>
+      </pc:sldChg>
+      <pc:sldChg chg="addSp delSp modSp mod">
+        <pc:chgData name="Gerth Stølting Brodal" userId="04ef4784-6591-4f86-a140-f5c3b108582a" providerId="ADAL" clId="{FCA54829-69E0-4900-9165-83DAEE965D83}" dt="2023-04-16T11:27:37.358" v="182" actId="1076"/>
+        <pc:sldMkLst>
+          <pc:docMk/>
+          <pc:sldMk cId="2230500912" sldId="790"/>
+        </pc:sldMkLst>
+        <pc:spChg chg="mod">
+          <ac:chgData name="Gerth Stølting Brodal" userId="04ef4784-6591-4f86-a140-f5c3b108582a" providerId="ADAL" clId="{FCA54829-69E0-4900-9165-83DAEE965D83}" dt="2023-04-16T11:27:26.368" v="180"/>
+          <ac:spMkLst>
+            <pc:docMk/>
+            <pc:sldMk cId="2230500912" sldId="790"/>
+            <ac:spMk id="7" creationId="{4054B121-FE17-B4F3-9BB2-59AB811B7FE5}"/>
+          </ac:spMkLst>
+        </pc:spChg>
+        <pc:spChg chg="mod">
+          <ac:chgData name="Gerth Stølting Brodal" userId="04ef4784-6591-4f86-a140-f5c3b108582a" providerId="ADAL" clId="{FCA54829-69E0-4900-9165-83DAEE965D83}" dt="2023-04-16T11:27:26.368" v="180"/>
+          <ac:spMkLst>
+            <pc:docMk/>
+            <pc:sldMk cId="2230500912" sldId="790"/>
+            <ac:spMk id="8" creationId="{89BEE1D6-D1FB-CADA-7244-ABBB13396B35}"/>
+          </ac:spMkLst>
+        </pc:spChg>
+        <pc:spChg chg="mod">
+          <ac:chgData name="Gerth Stølting Brodal" userId="04ef4784-6591-4f86-a140-f5c3b108582a" providerId="ADAL" clId="{FCA54829-69E0-4900-9165-83DAEE965D83}" dt="2023-04-16T11:27:26.368" v="180"/>
+          <ac:spMkLst>
+            <pc:docMk/>
+            <pc:sldMk cId="2230500912" sldId="790"/>
+            <ac:spMk id="9" creationId="{4F06DBE9-9B66-6D70-58DB-58B08472D26B}"/>
+          </ac:spMkLst>
+        </pc:spChg>
+        <pc:spChg chg="mod">
+          <ac:chgData name="Gerth Stølting Brodal" userId="04ef4784-6591-4f86-a140-f5c3b108582a" providerId="ADAL" clId="{FCA54829-69E0-4900-9165-83DAEE965D83}" dt="2023-04-16T11:27:26.368" v="180"/>
+          <ac:spMkLst>
+            <pc:docMk/>
+            <pc:sldMk cId="2230500912" sldId="790"/>
+            <ac:spMk id="10" creationId="{3D440628-2F70-C7D2-FD8D-2C59A9701E37}"/>
+          </ac:spMkLst>
+        </pc:spChg>
+        <pc:spChg chg="mod">
+          <ac:chgData name="Gerth Stølting Brodal" userId="04ef4784-6591-4f86-a140-f5c3b108582a" providerId="ADAL" clId="{FCA54829-69E0-4900-9165-83DAEE965D83}" dt="2023-04-16T11:27:26.368" v="180"/>
+          <ac:spMkLst>
+            <pc:docMk/>
+            <pc:sldMk cId="2230500912" sldId="790"/>
+            <ac:spMk id="11" creationId="{64065DF7-2EF0-D0B5-1E06-47124744711A}"/>
+          </ac:spMkLst>
+        </pc:spChg>
+        <pc:spChg chg="mod">
+          <ac:chgData name="Gerth Stølting Brodal" userId="04ef4784-6591-4f86-a140-f5c3b108582a" providerId="ADAL" clId="{FCA54829-69E0-4900-9165-83DAEE965D83}" dt="2023-04-16T11:27:26.368" v="180"/>
+          <ac:spMkLst>
+            <pc:docMk/>
+            <pc:sldMk cId="2230500912" sldId="790"/>
+            <ac:spMk id="12" creationId="{09C7FFDC-E655-4832-178B-226F472F1DC9}"/>
+          </ac:spMkLst>
+        </pc:spChg>
+        <pc:grpChg chg="add mod">
+          <ac:chgData name="Gerth Stølting Brodal" userId="04ef4784-6591-4f86-a140-f5c3b108582a" providerId="ADAL" clId="{FCA54829-69E0-4900-9165-83DAEE965D83}" dt="2023-04-16T11:27:37.358" v="182" actId="1076"/>
+          <ac:grpSpMkLst>
+            <pc:docMk/>
+            <pc:sldMk cId="2230500912" sldId="790"/>
+            <ac:grpSpMk id="3" creationId="{216E890D-4B46-E3A8-3B50-0B7A023EF54F}"/>
+          </ac:grpSpMkLst>
+        </pc:grpChg>
+        <pc:picChg chg="mod">
+          <ac:chgData name="Gerth Stølting Brodal" userId="04ef4784-6591-4f86-a140-f5c3b108582a" providerId="ADAL" clId="{FCA54829-69E0-4900-9165-83DAEE965D83}" dt="2023-04-16T11:27:31.294" v="181" actId="2085"/>
+          <ac:picMkLst>
+            <pc:docMk/>
+            <pc:sldMk cId="2230500912" sldId="790"/>
+            <ac:picMk id="4" creationId="{2F65F058-B34F-30BD-7C07-66D74F638E27}"/>
+          </ac:picMkLst>
+        </pc:picChg>
+        <pc:picChg chg="del">
+          <ac:chgData name="Gerth Stølting Brodal" userId="04ef4784-6591-4f86-a140-f5c3b108582a" providerId="ADAL" clId="{FCA54829-69E0-4900-9165-83DAEE965D83}" dt="2023-04-16T11:27:21.054" v="179" actId="478"/>
+          <ac:picMkLst>
+            <pc:docMk/>
+            <pc:sldMk cId="2230500912" sldId="790"/>
+            <ac:picMk id="6" creationId="{00000000-0000-0000-0000-000000000000}"/>
+          </ac:picMkLst>
+        </pc:picChg>
+      </pc:sldChg>
+      <pc:sldChg chg="addSp delSp modSp mod">
+        <pc:chgData name="Gerth Stølting Brodal" userId="04ef4784-6591-4f86-a140-f5c3b108582a" providerId="ADAL" clId="{FCA54829-69E0-4900-9165-83DAEE965D83}" dt="2023-04-16T11:26:26.211" v="165" actId="1038"/>
+        <pc:sldMkLst>
+          <pc:docMk/>
+          <pc:sldMk cId="1989879142" sldId="792"/>
+        </pc:sldMkLst>
+        <pc:spChg chg="mod">
+          <ac:chgData name="Gerth Stølting Brodal" userId="04ef4784-6591-4f86-a140-f5c3b108582a" providerId="ADAL" clId="{FCA54829-69E0-4900-9165-83DAEE965D83}" dt="2023-04-16T11:26:17.964" v="155" actId="1035"/>
+          <ac:spMkLst>
+            <pc:docMk/>
+            <pc:sldMk cId="1989879142" sldId="792"/>
+            <ac:spMk id="14" creationId="{A5E910A7-655B-7BA3-33EB-717DAA3ED4F1}"/>
+          </ac:spMkLst>
+        </pc:spChg>
+        <pc:spChg chg="mod">
+          <ac:chgData name="Gerth Stølting Brodal" userId="04ef4784-6591-4f86-a140-f5c3b108582a" providerId="ADAL" clId="{FCA54829-69E0-4900-9165-83DAEE965D83}" dt="2023-04-16T11:22:17.957" v="90"/>
+          <ac:spMkLst>
+            <pc:docMk/>
+            <pc:sldMk cId="1989879142" sldId="792"/>
+            <ac:spMk id="15" creationId="{88C4F0B9-6C44-D81C-B2F7-DC74B7005549}"/>
+          </ac:spMkLst>
+        </pc:spChg>
+        <pc:spChg chg="mod">
+          <ac:chgData name="Gerth Stølting Brodal" userId="04ef4784-6591-4f86-a140-f5c3b108582a" providerId="ADAL" clId="{FCA54829-69E0-4900-9165-83DAEE965D83}" dt="2023-04-16T11:26:23.630" v="160" actId="1035"/>
+          <ac:spMkLst>
+            <pc:docMk/>
+            <pc:sldMk cId="1989879142" sldId="792"/>
+            <ac:spMk id="16" creationId="{AF4CE2ED-D98C-BF4A-919E-D7C8A1D0B484}"/>
+          </ac:spMkLst>
+        </pc:spChg>
+        <pc:spChg chg="mod">
+          <ac:chgData name="Gerth Stølting Brodal" userId="04ef4784-6591-4f86-a140-f5c3b108582a" providerId="ADAL" clId="{FCA54829-69E0-4900-9165-83DAEE965D83}" dt="2023-04-16T11:26:26.211" v="165" actId="1038"/>
+          <ac:spMkLst>
+            <pc:docMk/>
+            <pc:sldMk cId="1989879142" sldId="792"/>
+            <ac:spMk id="17" creationId="{67AA8A20-D900-7E34-8517-745072F495B9}"/>
+          </ac:spMkLst>
+        </pc:spChg>
+        <pc:spChg chg="mod">
+          <ac:chgData name="Gerth Stølting Brodal" userId="04ef4784-6591-4f86-a140-f5c3b108582a" providerId="ADAL" clId="{FCA54829-69E0-4900-9165-83DAEE965D83}" dt="2023-04-16T11:22:17.957" v="90"/>
+          <ac:spMkLst>
+            <pc:docMk/>
+            <pc:sldMk cId="1989879142" sldId="792"/>
+            <ac:spMk id="18" creationId="{2BD67874-C0FE-4495-BEC4-401DBE7DDE6F}"/>
+          </ac:spMkLst>
+        </pc:spChg>
+        <pc:spChg chg="mod">
+          <ac:chgData name="Gerth Stølting Brodal" userId="04ef4784-6591-4f86-a140-f5c3b108582a" providerId="ADAL" clId="{FCA54829-69E0-4900-9165-83DAEE965D83}" dt="2023-04-16T11:22:17.957" v="90"/>
+          <ac:spMkLst>
+            <pc:docMk/>
+            <pc:sldMk cId="1989879142" sldId="792"/>
+            <ac:spMk id="19" creationId="{9C78F2AE-E081-AFE0-1F0F-A10E6538B3B7}"/>
+          </ac:spMkLst>
+        </pc:spChg>
+        <pc:grpChg chg="add mod">
+          <ac:chgData name="Gerth Stølting Brodal" userId="04ef4784-6591-4f86-a140-f5c3b108582a" providerId="ADAL" clId="{FCA54829-69E0-4900-9165-83DAEE965D83}" dt="2023-04-16T11:23:07.075" v="100" actId="14100"/>
+          <ac:grpSpMkLst>
+            <pc:docMk/>
+            <pc:sldMk cId="1989879142" sldId="792"/>
+            <ac:grpSpMk id="2" creationId="{73BDD816-BFB6-D183-812C-2770D5B6C160}"/>
+          </ac:grpSpMkLst>
+        </pc:grpChg>
+        <pc:grpChg chg="del">
+          <ac:chgData name="Gerth Stølting Brodal" userId="04ef4784-6591-4f86-a140-f5c3b108582a" providerId="ADAL" clId="{FCA54829-69E0-4900-9165-83DAEE965D83}" dt="2023-04-16T11:22:22.888" v="92" actId="478"/>
+          <ac:grpSpMkLst>
+            <pc:docMk/>
+            <pc:sldMk cId="1989879142" sldId="792"/>
+            <ac:grpSpMk id="4" creationId="{00000000-0000-0000-0000-000000000000}"/>
+          </ac:grpSpMkLst>
+        </pc:grpChg>
+        <pc:picChg chg="mod">
+          <ac:chgData name="Gerth Stølting Brodal" userId="04ef4784-6591-4f86-a140-f5c3b108582a" providerId="ADAL" clId="{FCA54829-69E0-4900-9165-83DAEE965D83}" dt="2023-04-16T11:26:08.795" v="148" actId="14100"/>
+          <ac:picMkLst>
+            <pc:docMk/>
+            <pc:sldMk cId="1989879142" sldId="792"/>
+            <ac:picMk id="13" creationId="{1896583B-FBA5-149C-5CB8-61202017A627}"/>
+          </ac:picMkLst>
+        </pc:picChg>
+      </pc:sldChg>
+      <pc:sldChg chg="modSp mod">
+        <pc:chgData name="Gerth Stølting Brodal" userId="04ef4784-6591-4f86-a140-f5c3b108582a" providerId="ADAL" clId="{FCA54829-69E0-4900-9165-83DAEE965D83}" dt="2023-04-16T11:40:25.237" v="198" actId="20577"/>
+        <pc:sldMkLst>
+          <pc:docMk/>
+          <pc:sldMk cId="3092077248" sldId="796"/>
+        </pc:sldMkLst>
+        <pc:graphicFrameChg chg="modGraphic">
+          <ac:chgData name="Gerth Stølting Brodal" userId="04ef4784-6591-4f86-a140-f5c3b108582a" providerId="ADAL" clId="{FCA54829-69E0-4900-9165-83DAEE965D83}" dt="2023-04-16T11:40:25.237" v="198" actId="20577"/>
+          <ac:graphicFrameMkLst>
+            <pc:docMk/>
+            <pc:sldMk cId="3092077248" sldId="796"/>
+            <ac:graphicFrameMk id="8" creationId="{00000000-0000-0000-0000-000000000000}"/>
+          </ac:graphicFrameMkLst>
+        </pc:graphicFrameChg>
+      </pc:sldChg>
+    </pc:docChg>
+  </pc:docChgLst>
 </pc:chgInfo>
 </file>
 
@@ -317,7 +843,7 @@
           <a:p>
             <a:fld id="{FB1A172F-81D4-4DC4-9113-1DBD56EC3646}" type="datetimeFigureOut">
               <a:rPr lang="en-US" smtClean="0"/>
-              <a:t>3/11/2023</a:t>
+              <a:t>4/16/2023</a:t>
             </a:fld>
             <a:endParaRPr lang="en-US"/>
           </a:p>
@@ -628,7 +1154,7 @@
           <a:bodyPr/>
           <a:lstStyle/>
           <a:p>
-            <a:endParaRPr lang="en-US" dirty="0"/>
+            <a:endParaRPr lang="da-DK" dirty="0"/>
           </a:p>
         </p:txBody>
       </p:sp>
@@ -639,7 +1165,7 @@
             <a:spLocks noGrp="1"/>
           </p:cNvSpPr>
           <p:nvPr>
-            <p:ph type="sldNum" sz="quarter" idx="10"/>
+            <p:ph type="sldNum" sz="quarter" idx="5"/>
           </p:nvPr>
         </p:nvSpPr>
         <p:spPr/>
@@ -649,7 +1175,7 @@
           <a:p>
             <a:fld id="{CD563DD8-32AB-41BE-B1C6-8EAC45222ACE}" type="slidenum">
               <a:rPr lang="en-US" smtClean="0"/>
-              <a:t>4</a:t>
+              <a:t>1</a:t>
             </a:fld>
             <a:endParaRPr lang="en-US"/>
           </a:p>
@@ -658,7 +1184,7 @@
     </p:spTree>
     <p:extLst>
       <p:ext uri="{BB962C8B-B14F-4D97-AF65-F5344CB8AC3E}">
-        <p14:creationId xmlns:p14="http://schemas.microsoft.com/office/powerpoint/2010/main" val="1590793187"/>
+        <p14:creationId xmlns:p14="http://schemas.microsoft.com/office/powerpoint/2010/main" val="3531434716"/>
       </p:ext>
     </p:extLst>
   </p:cSld>
@@ -712,6 +1238,90 @@
           <a:bodyPr/>
           <a:lstStyle/>
           <a:p>
+            <a:endParaRPr lang="en-US" dirty="0"/>
+          </a:p>
+        </p:txBody>
+      </p:sp>
+      <p:sp>
+        <p:nvSpPr>
+          <p:cNvPr id="4" name="Slide Number Placeholder 3"/>
+          <p:cNvSpPr>
+            <a:spLocks noGrp="1"/>
+          </p:cNvSpPr>
+          <p:nvPr>
+            <p:ph type="sldNum" sz="quarter" idx="10"/>
+          </p:nvPr>
+        </p:nvSpPr>
+        <p:spPr/>
+        <p:txBody>
+          <a:bodyPr/>
+          <a:lstStyle/>
+          <a:p>
+            <a:fld id="{CD563DD8-32AB-41BE-B1C6-8EAC45222ACE}" type="slidenum">
+              <a:rPr lang="en-US" smtClean="0"/>
+              <a:t>4</a:t>
+            </a:fld>
+            <a:endParaRPr lang="en-US"/>
+          </a:p>
+        </p:txBody>
+      </p:sp>
+    </p:spTree>
+    <p:extLst>
+      <p:ext uri="{BB962C8B-B14F-4D97-AF65-F5344CB8AC3E}">
+        <p14:creationId xmlns:p14="http://schemas.microsoft.com/office/powerpoint/2010/main" val="1590793187"/>
+      </p:ext>
+    </p:extLst>
+  </p:cSld>
+  <p:clrMapOvr>
+    <a:masterClrMapping/>
+  </p:clrMapOvr>
+</p:notes>
+</file>
+
+<file path=ppt/notesSlides/notesSlide3.xml><?xml version="1.0" encoding="utf-8"?>
+<p:notes xmlns:a="http://schemas.openxmlformats.org/drawingml/2006/main" xmlns:r="http://schemas.openxmlformats.org/officeDocument/2006/relationships" xmlns:p="http://schemas.openxmlformats.org/presentationml/2006/main">
+  <p:cSld>
+    <p:spTree>
+      <p:nvGrpSpPr>
+        <p:cNvPr id="1" name=""/>
+        <p:cNvGrpSpPr/>
+        <p:nvPr/>
+      </p:nvGrpSpPr>
+      <p:grpSpPr>
+        <a:xfrm>
+          <a:off x="0" y="0"/>
+          <a:ext cx="0" cy="0"/>
+          <a:chOff x="0" y="0"/>
+          <a:chExt cx="0" cy="0"/>
+        </a:xfrm>
+      </p:grpSpPr>
+      <p:sp>
+        <p:nvSpPr>
+          <p:cNvPr id="2" name="Slide Image Placeholder 1"/>
+          <p:cNvSpPr>
+            <a:spLocks noGrp="1" noRot="1" noChangeAspect="1"/>
+          </p:cNvSpPr>
+          <p:nvPr>
+            <p:ph type="sldImg"/>
+          </p:nvPr>
+        </p:nvSpPr>
+        <p:spPr/>
+      </p:sp>
+      <p:sp>
+        <p:nvSpPr>
+          <p:cNvPr id="3" name="Notes Placeholder 2"/>
+          <p:cNvSpPr>
+            <a:spLocks noGrp="1"/>
+          </p:cNvSpPr>
+          <p:nvPr>
+            <p:ph type="body" idx="1"/>
+          </p:nvPr>
+        </p:nvSpPr>
+        <p:spPr/>
+        <p:txBody>
+          <a:bodyPr/>
+          <a:lstStyle/>
+          <a:p>
             <a:r>
               <a:rPr lang="en-US" dirty="0"/>
               <a:t>Python:</a:t>
@@ -785,7 +1395,7 @@
 </p:notes>
 </file>
 
-<file path=ppt/notesSlides/notesSlide3.xml><?xml version="1.0" encoding="utf-8"?>
+<file path=ppt/notesSlides/notesSlide4.xml><?xml version="1.0" encoding="utf-8"?>
 <p:notes xmlns:a="http://schemas.openxmlformats.org/drawingml/2006/main" xmlns:r="http://schemas.openxmlformats.org/officeDocument/2006/relationships" xmlns:p="http://schemas.openxmlformats.org/presentationml/2006/main">
   <p:cSld>
     <p:spTree>
@@ -869,7 +1479,155 @@
 </p:notes>
 </file>
 
-<file path=ppt/notesSlides/notesSlide4.xml><?xml version="1.0" encoding="utf-8"?>
+<file path=ppt/notesSlides/notesSlide5.xml><?xml version="1.0" encoding="utf-8"?>
+<p:notes xmlns:a="http://schemas.openxmlformats.org/drawingml/2006/main" xmlns:r="http://schemas.openxmlformats.org/officeDocument/2006/relationships" xmlns:p="http://schemas.openxmlformats.org/presentationml/2006/main">
+  <p:cSld>
+    <p:spTree>
+      <p:nvGrpSpPr>
+        <p:cNvPr id="1" name=""/>
+        <p:cNvGrpSpPr/>
+        <p:nvPr/>
+      </p:nvGrpSpPr>
+      <p:grpSpPr>
+        <a:xfrm>
+          <a:off x="0" y="0"/>
+          <a:ext cx="0" cy="0"/>
+          <a:chOff x="0" y="0"/>
+          <a:chExt cx="0" cy="0"/>
+        </a:xfrm>
+      </p:grpSpPr>
+      <p:sp>
+        <p:nvSpPr>
+          <p:cNvPr id="2" name="Slide Image Placeholder 1"/>
+          <p:cNvSpPr>
+            <a:spLocks noGrp="1" noRot="1" noChangeAspect="1"/>
+          </p:cNvSpPr>
+          <p:nvPr>
+            <p:ph type="sldImg"/>
+          </p:nvPr>
+        </p:nvSpPr>
+        <p:spPr/>
+      </p:sp>
+      <p:sp>
+        <p:nvSpPr>
+          <p:cNvPr id="3" name="Notes Placeholder 2"/>
+          <p:cNvSpPr>
+            <a:spLocks noGrp="1"/>
+          </p:cNvSpPr>
+          <p:nvPr>
+            <p:ph type="body" idx="1"/>
+          </p:nvPr>
+        </p:nvSpPr>
+        <p:spPr/>
+        <p:txBody>
+          <a:bodyPr/>
+          <a:lstStyle/>
+          <a:p>
+            <a:r>
+              <a:rPr lang="da-DK" dirty="0"/>
+              <a:t>A = </a:t>
+            </a:r>
+            <a:r>
+              <a:rPr lang="da-DK" dirty="0" err="1"/>
+              <a:t>np.arange</a:t>
+            </a:r>
+            <a:r>
+              <a:rPr lang="da-DK" dirty="0"/>
+              <a:t>(4).</a:t>
+            </a:r>
+            <a:r>
+              <a:rPr lang="da-DK" dirty="0" err="1"/>
+              <a:t>reshape</a:t>
+            </a:r>
+            <a:r>
+              <a:rPr lang="da-DK" dirty="0"/>
+              <a:t>(2, 2)</a:t>
+            </a:r>
+          </a:p>
+          <a:p>
+            <a:r>
+              <a:rPr lang="da-DK" dirty="0" err="1"/>
+              <a:t>np.</a:t>
+            </a:r>
+            <a:r>
+              <a:rPr lang="da-DK" b="1" dirty="0" err="1"/>
+              <a:t>append</a:t>
+            </a:r>
+            <a:r>
+              <a:rPr lang="da-DK" dirty="0"/>
+              <a:t>(A, A)</a:t>
+            </a:r>
+          </a:p>
+          <a:p>
+            <a:r>
+              <a:rPr lang="da-DK" dirty="0" err="1"/>
+              <a:t>np.</a:t>
+            </a:r>
+            <a:r>
+              <a:rPr lang="da-DK" b="1" dirty="0" err="1"/>
+              <a:t>append</a:t>
+            </a:r>
+            <a:r>
+              <a:rPr lang="da-DK" dirty="0"/>
+              <a:t>(A, A, axis=0)</a:t>
+            </a:r>
+          </a:p>
+          <a:p>
+            <a:r>
+              <a:rPr lang="da-DK" dirty="0" err="1"/>
+              <a:t>np.</a:t>
+            </a:r>
+            <a:r>
+              <a:rPr lang="da-DK" b="1" dirty="0" err="1"/>
+              <a:t>append</a:t>
+            </a:r>
+            <a:r>
+              <a:rPr lang="da-DK" dirty="0"/>
+              <a:t>(A, A, axis=1)</a:t>
+            </a:r>
+          </a:p>
+          <a:p>
+            <a:endParaRPr lang="da-DK" dirty="0"/>
+          </a:p>
+        </p:txBody>
+      </p:sp>
+      <p:sp>
+        <p:nvSpPr>
+          <p:cNvPr id="4" name="Slide Number Placeholder 3"/>
+          <p:cNvSpPr>
+            <a:spLocks noGrp="1"/>
+          </p:cNvSpPr>
+          <p:nvPr>
+            <p:ph type="sldNum" sz="quarter" idx="5"/>
+          </p:nvPr>
+        </p:nvSpPr>
+        <p:spPr/>
+        <p:txBody>
+          <a:bodyPr/>
+          <a:lstStyle/>
+          <a:p>
+            <a:fld id="{CD563DD8-32AB-41BE-B1C6-8EAC45222ACE}" type="slidenum">
+              <a:rPr lang="en-US" smtClean="0"/>
+              <a:t>11</a:t>
+            </a:fld>
+            <a:endParaRPr lang="en-US"/>
+          </a:p>
+        </p:txBody>
+      </p:sp>
+    </p:spTree>
+    <p:extLst>
+      <p:ext uri="{BB962C8B-B14F-4D97-AF65-F5344CB8AC3E}">
+        <p14:creationId xmlns:p14="http://schemas.microsoft.com/office/powerpoint/2010/main" val="3885635007"/>
+      </p:ext>
+    </p:extLst>
+  </p:cSld>
+  <p:clrMapOvr>
+    <a:masterClrMapping/>
+  </p:clrMapOvr>
+</p:notes>
+</file>
+
+<file path=ppt/notesSlides/notesSlide6.xml><?xml version="1.0" encoding="utf-8"?>
 <p:notes xmlns:a="http://schemas.openxmlformats.org/drawingml/2006/main" xmlns:r="http://schemas.openxmlformats.org/officeDocument/2006/relationships" xmlns:p="http://schemas.openxmlformats.org/presentationml/2006/main">
   <p:cSld>
     <p:spTree>
@@ -1106,7 +1864,7 @@
           <a:p>
             <a:fld id="{0560A9CD-0304-4E0B-9E82-E7E0115DE05B}" type="datetimeFigureOut">
               <a:rPr lang="en-US" smtClean="0"/>
-              <a:t>3/11/2023</a:t>
+              <a:t>4/16/2023</a:t>
             </a:fld>
             <a:endParaRPr lang="en-US"/>
           </a:p>
@@ -1274,7 +2032,7 @@
           <a:p>
             <a:fld id="{0560A9CD-0304-4E0B-9E82-E7E0115DE05B}" type="datetimeFigureOut">
               <a:rPr lang="en-US" smtClean="0"/>
-              <a:t>3/11/2023</a:t>
+              <a:t>4/16/2023</a:t>
             </a:fld>
             <a:endParaRPr lang="en-US"/>
           </a:p>
@@ -1452,7 +2210,7 @@
           <a:p>
             <a:fld id="{0560A9CD-0304-4E0B-9E82-E7E0115DE05B}" type="datetimeFigureOut">
               <a:rPr lang="en-US" smtClean="0"/>
-              <a:t>3/11/2023</a:t>
+              <a:t>4/16/2023</a:t>
             </a:fld>
             <a:endParaRPr lang="en-US"/>
           </a:p>
@@ -1635,7 +2393,7 @@
           <a:p>
             <a:fld id="{0560A9CD-0304-4E0B-9E82-E7E0115DE05B}" type="datetimeFigureOut">
               <a:rPr lang="en-US" smtClean="0"/>
-              <a:t>3/11/2023</a:t>
+              <a:t>4/16/2023</a:t>
             </a:fld>
             <a:endParaRPr lang="en-US"/>
           </a:p>
@@ -1880,7 +2638,7 @@
           <a:p>
             <a:fld id="{0560A9CD-0304-4E0B-9E82-E7E0115DE05B}" type="datetimeFigureOut">
               <a:rPr lang="en-US" smtClean="0"/>
-              <a:t>3/11/2023</a:t>
+              <a:t>4/16/2023</a:t>
             </a:fld>
             <a:endParaRPr lang="en-US"/>
           </a:p>
@@ -2109,7 +2867,7 @@
           <a:p>
             <a:fld id="{0560A9CD-0304-4E0B-9E82-E7E0115DE05B}" type="datetimeFigureOut">
               <a:rPr lang="en-US" smtClean="0"/>
-              <a:t>3/11/2023</a:t>
+              <a:t>4/16/2023</a:t>
             </a:fld>
             <a:endParaRPr lang="en-US"/>
           </a:p>
@@ -2473,7 +3231,7 @@
           <a:p>
             <a:fld id="{0560A9CD-0304-4E0B-9E82-E7E0115DE05B}" type="datetimeFigureOut">
               <a:rPr lang="en-US" smtClean="0"/>
-              <a:t>3/11/2023</a:t>
+              <a:t>4/16/2023</a:t>
             </a:fld>
             <a:endParaRPr lang="en-US"/>
           </a:p>
@@ -2590,7 +3348,7 @@
           <a:p>
             <a:fld id="{0560A9CD-0304-4E0B-9E82-E7E0115DE05B}" type="datetimeFigureOut">
               <a:rPr lang="en-US" smtClean="0"/>
-              <a:t>3/11/2023</a:t>
+              <a:t>4/16/2023</a:t>
             </a:fld>
             <a:endParaRPr lang="en-US"/>
           </a:p>
@@ -2685,7 +3443,7 @@
           <a:p>
             <a:fld id="{0560A9CD-0304-4E0B-9E82-E7E0115DE05B}" type="datetimeFigureOut">
               <a:rPr lang="en-US" smtClean="0"/>
-              <a:t>3/11/2023</a:t>
+              <a:t>4/16/2023</a:t>
             </a:fld>
             <a:endParaRPr lang="en-US"/>
           </a:p>
@@ -2960,7 +3718,7 @@
           <a:p>
             <a:fld id="{0560A9CD-0304-4E0B-9E82-E7E0115DE05B}" type="datetimeFigureOut">
               <a:rPr lang="en-US" smtClean="0"/>
-              <a:t>3/11/2023</a:t>
+              <a:t>4/16/2023</a:t>
             </a:fld>
             <a:endParaRPr lang="en-US"/>
           </a:p>
@@ -3212,7 +3970,7 @@
           <a:p>
             <a:fld id="{0560A9CD-0304-4E0B-9E82-E7E0115DE05B}" type="datetimeFigureOut">
               <a:rPr lang="en-US" smtClean="0"/>
-              <a:t>3/11/2023</a:t>
+              <a:t>4/16/2023</a:t>
             </a:fld>
             <a:endParaRPr lang="en-US"/>
           </a:p>
@@ -3423,7 +4181,7 @@
           <a:p>
             <a:fld id="{0560A9CD-0304-4E0B-9E82-E7E0115DE05B}" type="datetimeFigureOut">
               <a:rPr lang="en-US" smtClean="0"/>
-              <a:t>3/11/2023</a:t>
+              <a:t>4/16/2023</a:t>
             </a:fld>
             <a:endParaRPr lang="en-US"/>
           </a:p>
@@ -4612,13 +5370,19 @@
       </p:sp>
       <p:grpSp>
         <p:nvGrpSpPr>
-          <p:cNvPr id="4" name="Group 3"/>
+          <p:cNvPr id="2" name="Group 1">
+            <a:extLst>
+              <a:ext uri="{FF2B5EF4-FFF2-40B4-BE49-F238E27FC236}">
+                <a16:creationId xmlns:a16="http://schemas.microsoft.com/office/drawing/2014/main" id="{73BDD816-BFB6-D183-812C-2770D5B6C160}"/>
+              </a:ext>
+            </a:extLst>
+          </p:cNvPr>
           <p:cNvGrpSpPr/>
           <p:nvPr/>
         </p:nvGrpSpPr>
         <p:grpSpPr>
           <a:xfrm>
-            <a:off x="6698850" y="4551655"/>
+            <a:off x="6577721" y="4642129"/>
             <a:ext cx="2792916" cy="1874255"/>
             <a:chOff x="8792860" y="2628237"/>
             <a:chExt cx="2792916" cy="1874255"/>
@@ -4626,7 +5390,13 @@
         </p:grpSpPr>
         <p:pic>
           <p:nvPicPr>
-            <p:cNvPr id="5" name="Picture 4"/>
+            <p:cNvPr id="13" name="Picture 12">
+              <a:extLst>
+                <a:ext uri="{FF2B5EF4-FFF2-40B4-BE49-F238E27FC236}">
+                  <a16:creationId xmlns:a16="http://schemas.microsoft.com/office/drawing/2014/main" id="{1896583B-FBA5-149C-5CB8-61202017A627}"/>
+                </a:ext>
+              </a:extLst>
+            </p:cNvPr>
             <p:cNvPicPr>
               <a:picLocks noChangeAspect="1"/>
             </p:cNvPicPr>
@@ -4655,24 +5425,28 @@
             <a:solidFill>
               <a:schemeClr val="bg1"/>
             </a:solidFill>
-            <a:ln w="19050">
+            <a:ln w="6350">
               <a:solidFill>
-                <a:schemeClr val="bg1">
-                  <a:lumMod val="50000"/>
-                </a:schemeClr>
+                <a:schemeClr val="tx1"/>
               </a:solidFill>
             </a:ln>
           </p:spPr>
         </p:pic>
         <p:sp>
           <p:nvSpPr>
-            <p:cNvPr id="6" name="Rectangle 5"/>
+            <p:cNvPr id="14" name="Rectangle 13">
+              <a:extLst>
+                <a:ext uri="{FF2B5EF4-FFF2-40B4-BE49-F238E27FC236}">
+                  <a16:creationId xmlns:a16="http://schemas.microsoft.com/office/drawing/2014/main" id="{A5E910A7-655B-7BA3-33EB-717DAA3ED4F1}"/>
+                </a:ext>
+              </a:extLst>
+            </p:cNvPr>
             <p:cNvSpPr/>
             <p:nvPr/>
           </p:nvSpPr>
           <p:spPr>
             <a:xfrm>
-              <a:off x="8874887" y="3658129"/>
+              <a:off x="8874887" y="3647013"/>
               <a:ext cx="176514" cy="68396"/>
             </a:xfrm>
             <a:prstGeom prst="rect">
@@ -4681,7 +5455,61 @@
             <a:solidFill>
               <a:schemeClr val="bg1"/>
             </a:solidFill>
-            <a:ln>
+            <a:ln w="6350">
+              <a:solidFill>
+                <a:schemeClr val="bg1"/>
+              </a:solidFill>
+            </a:ln>
+          </p:spPr>
+          <p:style>
+            <a:lnRef idx="2">
+              <a:schemeClr val="accent1">
+                <a:shade val="50000"/>
+              </a:schemeClr>
+            </a:lnRef>
+            <a:fillRef idx="1">
+              <a:schemeClr val="accent1"/>
+            </a:fillRef>
+            <a:effectRef idx="0">
+              <a:schemeClr val="accent1"/>
+            </a:effectRef>
+            <a:fontRef idx="minor">
+              <a:schemeClr val="lt1"/>
+            </a:fontRef>
+          </p:style>
+          <p:txBody>
+            <a:bodyPr rtlCol="0" anchor="ctr"/>
+            <a:lstStyle/>
+            <a:p>
+              <a:pPr algn="ctr"/>
+              <a:endParaRPr lang="en-US" dirty="0"/>
+            </a:p>
+          </p:txBody>
+        </p:sp>
+        <p:sp>
+          <p:nvSpPr>
+            <p:cNvPr id="15" name="Rectangle 14">
+              <a:extLst>
+                <a:ext uri="{FF2B5EF4-FFF2-40B4-BE49-F238E27FC236}">
+                  <a16:creationId xmlns:a16="http://schemas.microsoft.com/office/drawing/2014/main" id="{88C4F0B9-6C44-D81C-B2F7-DC74B7005549}"/>
+                </a:ext>
+              </a:extLst>
+            </p:cNvPr>
+            <p:cNvSpPr/>
+            <p:nvPr/>
+          </p:nvSpPr>
+          <p:spPr>
+            <a:xfrm>
+              <a:off x="9423720" y="3931180"/>
+              <a:ext cx="176514" cy="68396"/>
+            </a:xfrm>
+            <a:prstGeom prst="rect">
+              <a:avLst/>
+            </a:prstGeom>
+            <a:solidFill>
+              <a:schemeClr val="bg1"/>
+            </a:solidFill>
+            <a:ln w="6350">
               <a:solidFill>
                 <a:schemeClr val="bg1"/>
               </a:solidFill>
@@ -4714,13 +5542,19 @@
         </p:sp>
         <p:sp>
           <p:nvSpPr>
-            <p:cNvPr id="8" name="Rectangle 7"/>
+            <p:cNvPr id="16" name="Rectangle 15">
+              <a:extLst>
+                <a:ext uri="{FF2B5EF4-FFF2-40B4-BE49-F238E27FC236}">
+                  <a16:creationId xmlns:a16="http://schemas.microsoft.com/office/drawing/2014/main" id="{AF4CE2ED-D98C-BF4A-919E-D7C8A1D0B484}"/>
+                </a:ext>
+              </a:extLst>
+            </p:cNvPr>
             <p:cNvSpPr/>
             <p:nvPr/>
           </p:nvSpPr>
           <p:spPr>
             <a:xfrm>
-              <a:off x="9423720" y="3931180"/>
+              <a:off x="10536819" y="3216643"/>
               <a:ext cx="176514" cy="68396"/>
             </a:xfrm>
             <a:prstGeom prst="rect">
@@ -4729,7 +5563,7 @@
             <a:solidFill>
               <a:schemeClr val="bg1"/>
             </a:solidFill>
-            <a:ln>
+            <a:ln w="6350">
               <a:solidFill>
                 <a:schemeClr val="bg1"/>
               </a:solidFill>
@@ -4762,13 +5596,19 @@
         </p:sp>
         <p:sp>
           <p:nvSpPr>
-            <p:cNvPr id="9" name="Rectangle 8"/>
+            <p:cNvPr id="17" name="Rectangle 16">
+              <a:extLst>
+                <a:ext uri="{FF2B5EF4-FFF2-40B4-BE49-F238E27FC236}">
+                  <a16:creationId xmlns:a16="http://schemas.microsoft.com/office/drawing/2014/main" id="{67AA8A20-D900-7E34-8517-745072F495B9}"/>
+                </a:ext>
+              </a:extLst>
+            </p:cNvPr>
             <p:cNvSpPr/>
             <p:nvPr/>
           </p:nvSpPr>
           <p:spPr>
             <a:xfrm>
-              <a:off x="10536819" y="3226170"/>
+              <a:off x="11151466" y="3091213"/>
               <a:ext cx="176514" cy="68396"/>
             </a:xfrm>
             <a:prstGeom prst="rect">
@@ -4777,7 +5617,7 @@
             <a:solidFill>
               <a:schemeClr val="bg1"/>
             </a:solidFill>
-            <a:ln>
+            <a:ln w="6350">
               <a:solidFill>
                 <a:schemeClr val="bg1"/>
               </a:solidFill>
@@ -4810,13 +5650,19 @@
         </p:sp>
         <p:sp>
           <p:nvSpPr>
-            <p:cNvPr id="10" name="Rectangle 9"/>
+            <p:cNvPr id="18" name="Rectangle 17">
+              <a:extLst>
+                <a:ext uri="{FF2B5EF4-FFF2-40B4-BE49-F238E27FC236}">
+                  <a16:creationId xmlns:a16="http://schemas.microsoft.com/office/drawing/2014/main" id="{2BD67874-C0FE-4495-BEC4-401DBE7DDE6F}"/>
+                </a:ext>
+              </a:extLst>
+            </p:cNvPr>
             <p:cNvSpPr/>
             <p:nvPr/>
           </p:nvSpPr>
           <p:spPr>
             <a:xfrm>
-              <a:off x="11143526" y="3091213"/>
+              <a:off x="10780853" y="3433712"/>
               <a:ext cx="176514" cy="68396"/>
             </a:xfrm>
             <a:prstGeom prst="rect">
@@ -4825,7 +5671,7 @@
             <a:solidFill>
               <a:schemeClr val="bg1"/>
             </a:solidFill>
-            <a:ln>
+            <a:ln w="6350">
               <a:solidFill>
                 <a:schemeClr val="bg1"/>
               </a:solidFill>
@@ -4858,55 +5704,13 @@
         </p:sp>
         <p:sp>
           <p:nvSpPr>
-            <p:cNvPr id="11" name="Rectangle 10"/>
-            <p:cNvSpPr/>
-            <p:nvPr/>
-          </p:nvSpPr>
-          <p:spPr>
-            <a:xfrm>
-              <a:off x="10780853" y="3433712"/>
-              <a:ext cx="176514" cy="68396"/>
-            </a:xfrm>
-            <a:prstGeom prst="rect">
-              <a:avLst/>
-            </a:prstGeom>
-            <a:solidFill>
-              <a:schemeClr val="bg1"/>
-            </a:solidFill>
-            <a:ln>
-              <a:solidFill>
-                <a:schemeClr val="bg1"/>
-              </a:solidFill>
-            </a:ln>
-          </p:spPr>
-          <p:style>
-            <a:lnRef idx="2">
-              <a:schemeClr val="accent1">
-                <a:shade val="50000"/>
-              </a:schemeClr>
-            </a:lnRef>
-            <a:fillRef idx="1">
-              <a:schemeClr val="accent1"/>
-            </a:fillRef>
-            <a:effectRef idx="0">
-              <a:schemeClr val="accent1"/>
-            </a:effectRef>
-            <a:fontRef idx="minor">
-              <a:schemeClr val="lt1"/>
-            </a:fontRef>
-          </p:style>
-          <p:txBody>
-            <a:bodyPr rtlCol="0" anchor="ctr"/>
-            <a:lstStyle/>
-            <a:p>
-              <a:pPr algn="ctr"/>
-              <a:endParaRPr lang="en-US"/>
-            </a:p>
-          </p:txBody>
-        </p:sp>
-        <p:sp>
-          <p:nvSpPr>
-            <p:cNvPr id="12" name="Rectangle 11"/>
+            <p:cNvPr id="19" name="Rectangle 18">
+              <a:extLst>
+                <a:ext uri="{FF2B5EF4-FFF2-40B4-BE49-F238E27FC236}">
+                  <a16:creationId xmlns:a16="http://schemas.microsoft.com/office/drawing/2014/main" id="{9C78F2AE-E081-AFE0-1F0F-A10E6538B3B7}"/>
+                </a:ext>
+              </a:extLst>
+            </p:cNvPr>
             <p:cNvSpPr/>
             <p:nvPr/>
           </p:nvSpPr>
@@ -4921,7 +5725,7 @@
             <a:solidFill>
               <a:schemeClr val="bg1"/>
             </a:solidFill>
-            <a:ln>
+            <a:ln w="6350">
               <a:solidFill>
                 <a:schemeClr val="bg1"/>
               </a:solidFill>
@@ -6114,7 +6918,7 @@
                 <a:ext cx="5544273" cy="5051923"/>
               </a:xfrm>
               <a:blipFill>
-                <a:blip r:embed="rId2"/>
+                <a:blip r:embed="rId3"/>
                 <a:stretch>
                   <a:fillRect l="-1099" t="-1329"/>
                 </a:stretch>
@@ -7043,349 +7847,6 @@
           </a:graphicData>
         </a:graphic>
       </p:graphicFrame>
-      <p:grpSp>
-        <p:nvGrpSpPr>
-          <p:cNvPr id="5" name="Group 4"/>
-          <p:cNvGrpSpPr/>
-          <p:nvPr/>
-        </p:nvGrpSpPr>
-        <p:grpSpPr>
-          <a:xfrm>
-            <a:off x="8847357" y="4983745"/>
-            <a:ext cx="2792916" cy="1874255"/>
-            <a:chOff x="8792860" y="2628237"/>
-            <a:chExt cx="2792916" cy="1874255"/>
-          </a:xfrm>
-        </p:grpSpPr>
-        <p:pic>
-          <p:nvPicPr>
-            <p:cNvPr id="6" name="Picture 5"/>
-            <p:cNvPicPr>
-              <a:picLocks noChangeAspect="1"/>
-            </p:cNvPicPr>
-            <p:nvPr/>
-          </p:nvPicPr>
-          <p:blipFill>
-            <a:blip r:embed="rId3" cstate="print">
-              <a:extLst>
-                <a:ext uri="{28A0092B-C50C-407E-A947-70E740481C1C}">
-                  <a14:useLocalDpi xmlns:a14="http://schemas.microsoft.com/office/drawing/2010/main" val="0"/>
-                </a:ext>
-              </a:extLst>
-            </a:blip>
-            <a:stretch>
-              <a:fillRect/>
-            </a:stretch>
-          </p:blipFill>
-          <p:spPr>
-            <a:xfrm>
-              <a:off x="8792860" y="2628237"/>
-              <a:ext cx="2792916" cy="1874255"/>
-            </a:xfrm>
-            <a:prstGeom prst="rect">
-              <a:avLst/>
-            </a:prstGeom>
-            <a:solidFill>
-              <a:schemeClr val="bg1"/>
-            </a:solidFill>
-            <a:ln w="19050">
-              <a:solidFill>
-                <a:schemeClr val="bg1">
-                  <a:lumMod val="50000"/>
-                </a:schemeClr>
-              </a:solidFill>
-            </a:ln>
-          </p:spPr>
-        </p:pic>
-        <p:sp>
-          <p:nvSpPr>
-            <p:cNvPr id="7" name="Rectangle 6"/>
-            <p:cNvSpPr/>
-            <p:nvPr/>
-          </p:nvSpPr>
-          <p:spPr>
-            <a:xfrm>
-              <a:off x="8874887" y="3658129"/>
-              <a:ext cx="176514" cy="68396"/>
-            </a:xfrm>
-            <a:prstGeom prst="rect">
-              <a:avLst/>
-            </a:prstGeom>
-            <a:solidFill>
-              <a:schemeClr val="bg1"/>
-            </a:solidFill>
-            <a:ln>
-              <a:solidFill>
-                <a:schemeClr val="bg1"/>
-              </a:solidFill>
-            </a:ln>
-          </p:spPr>
-          <p:style>
-            <a:lnRef idx="2">
-              <a:schemeClr val="accent1">
-                <a:shade val="50000"/>
-              </a:schemeClr>
-            </a:lnRef>
-            <a:fillRef idx="1">
-              <a:schemeClr val="accent1"/>
-            </a:fillRef>
-            <a:effectRef idx="0">
-              <a:schemeClr val="accent1"/>
-            </a:effectRef>
-            <a:fontRef idx="minor">
-              <a:schemeClr val="lt1"/>
-            </a:fontRef>
-          </p:style>
-          <p:txBody>
-            <a:bodyPr rtlCol="0" anchor="ctr"/>
-            <a:lstStyle/>
-            <a:p>
-              <a:pPr algn="ctr"/>
-              <a:endParaRPr lang="en-US"/>
-            </a:p>
-          </p:txBody>
-        </p:sp>
-        <p:sp>
-          <p:nvSpPr>
-            <p:cNvPr id="8" name="Rectangle 7"/>
-            <p:cNvSpPr/>
-            <p:nvPr/>
-          </p:nvSpPr>
-          <p:spPr>
-            <a:xfrm>
-              <a:off x="9423720" y="3931180"/>
-              <a:ext cx="176514" cy="68396"/>
-            </a:xfrm>
-            <a:prstGeom prst="rect">
-              <a:avLst/>
-            </a:prstGeom>
-            <a:solidFill>
-              <a:schemeClr val="bg1"/>
-            </a:solidFill>
-            <a:ln>
-              <a:solidFill>
-                <a:schemeClr val="bg1"/>
-              </a:solidFill>
-            </a:ln>
-          </p:spPr>
-          <p:style>
-            <a:lnRef idx="2">
-              <a:schemeClr val="accent1">
-                <a:shade val="50000"/>
-              </a:schemeClr>
-            </a:lnRef>
-            <a:fillRef idx="1">
-              <a:schemeClr val="accent1"/>
-            </a:fillRef>
-            <a:effectRef idx="0">
-              <a:schemeClr val="accent1"/>
-            </a:effectRef>
-            <a:fontRef idx="minor">
-              <a:schemeClr val="lt1"/>
-            </a:fontRef>
-          </p:style>
-          <p:txBody>
-            <a:bodyPr rtlCol="0" anchor="ctr"/>
-            <a:lstStyle/>
-            <a:p>
-              <a:pPr algn="ctr"/>
-              <a:endParaRPr lang="en-US"/>
-            </a:p>
-          </p:txBody>
-        </p:sp>
-        <p:sp>
-          <p:nvSpPr>
-            <p:cNvPr id="9" name="Rectangle 8"/>
-            <p:cNvSpPr/>
-            <p:nvPr/>
-          </p:nvSpPr>
-          <p:spPr>
-            <a:xfrm>
-              <a:off x="10536819" y="3226170"/>
-              <a:ext cx="176514" cy="68396"/>
-            </a:xfrm>
-            <a:prstGeom prst="rect">
-              <a:avLst/>
-            </a:prstGeom>
-            <a:solidFill>
-              <a:schemeClr val="bg1"/>
-            </a:solidFill>
-            <a:ln>
-              <a:solidFill>
-                <a:schemeClr val="bg1"/>
-              </a:solidFill>
-            </a:ln>
-          </p:spPr>
-          <p:style>
-            <a:lnRef idx="2">
-              <a:schemeClr val="accent1">
-                <a:shade val="50000"/>
-              </a:schemeClr>
-            </a:lnRef>
-            <a:fillRef idx="1">
-              <a:schemeClr val="accent1"/>
-            </a:fillRef>
-            <a:effectRef idx="0">
-              <a:schemeClr val="accent1"/>
-            </a:effectRef>
-            <a:fontRef idx="minor">
-              <a:schemeClr val="lt1"/>
-            </a:fontRef>
-          </p:style>
-          <p:txBody>
-            <a:bodyPr rtlCol="0" anchor="ctr"/>
-            <a:lstStyle/>
-            <a:p>
-              <a:pPr algn="ctr"/>
-              <a:endParaRPr lang="en-US"/>
-            </a:p>
-          </p:txBody>
-        </p:sp>
-        <p:sp>
-          <p:nvSpPr>
-            <p:cNvPr id="10" name="Rectangle 9"/>
-            <p:cNvSpPr/>
-            <p:nvPr/>
-          </p:nvSpPr>
-          <p:spPr>
-            <a:xfrm>
-              <a:off x="11143526" y="3091213"/>
-              <a:ext cx="176514" cy="68396"/>
-            </a:xfrm>
-            <a:prstGeom prst="rect">
-              <a:avLst/>
-            </a:prstGeom>
-            <a:solidFill>
-              <a:schemeClr val="bg1"/>
-            </a:solidFill>
-            <a:ln>
-              <a:solidFill>
-                <a:schemeClr val="bg1"/>
-              </a:solidFill>
-            </a:ln>
-          </p:spPr>
-          <p:style>
-            <a:lnRef idx="2">
-              <a:schemeClr val="accent1">
-                <a:shade val="50000"/>
-              </a:schemeClr>
-            </a:lnRef>
-            <a:fillRef idx="1">
-              <a:schemeClr val="accent1"/>
-            </a:fillRef>
-            <a:effectRef idx="0">
-              <a:schemeClr val="accent1"/>
-            </a:effectRef>
-            <a:fontRef idx="minor">
-              <a:schemeClr val="lt1"/>
-            </a:fontRef>
-          </p:style>
-          <p:txBody>
-            <a:bodyPr rtlCol="0" anchor="ctr"/>
-            <a:lstStyle/>
-            <a:p>
-              <a:pPr algn="ctr"/>
-              <a:endParaRPr lang="en-US"/>
-            </a:p>
-          </p:txBody>
-        </p:sp>
-        <p:sp>
-          <p:nvSpPr>
-            <p:cNvPr id="11" name="Rectangle 10"/>
-            <p:cNvSpPr/>
-            <p:nvPr/>
-          </p:nvSpPr>
-          <p:spPr>
-            <a:xfrm>
-              <a:off x="10780853" y="3433712"/>
-              <a:ext cx="176514" cy="68396"/>
-            </a:xfrm>
-            <a:prstGeom prst="rect">
-              <a:avLst/>
-            </a:prstGeom>
-            <a:solidFill>
-              <a:schemeClr val="bg1"/>
-            </a:solidFill>
-            <a:ln>
-              <a:solidFill>
-                <a:schemeClr val="bg1"/>
-              </a:solidFill>
-            </a:ln>
-          </p:spPr>
-          <p:style>
-            <a:lnRef idx="2">
-              <a:schemeClr val="accent1">
-                <a:shade val="50000"/>
-              </a:schemeClr>
-            </a:lnRef>
-            <a:fillRef idx="1">
-              <a:schemeClr val="accent1"/>
-            </a:fillRef>
-            <a:effectRef idx="0">
-              <a:schemeClr val="accent1"/>
-            </a:effectRef>
-            <a:fontRef idx="minor">
-              <a:schemeClr val="lt1"/>
-            </a:fontRef>
-          </p:style>
-          <p:txBody>
-            <a:bodyPr rtlCol="0" anchor="ctr"/>
-            <a:lstStyle/>
-            <a:p>
-              <a:pPr algn="ctr"/>
-              <a:endParaRPr lang="en-US"/>
-            </a:p>
-          </p:txBody>
-        </p:sp>
-        <p:sp>
-          <p:nvSpPr>
-            <p:cNvPr id="12" name="Rectangle 11"/>
-            <p:cNvSpPr/>
-            <p:nvPr/>
-          </p:nvSpPr>
-          <p:spPr>
-            <a:xfrm>
-              <a:off x="11207668" y="3836391"/>
-              <a:ext cx="176514" cy="68396"/>
-            </a:xfrm>
-            <a:prstGeom prst="rect">
-              <a:avLst/>
-            </a:prstGeom>
-            <a:solidFill>
-              <a:schemeClr val="bg1"/>
-            </a:solidFill>
-            <a:ln>
-              <a:solidFill>
-                <a:schemeClr val="bg1"/>
-              </a:solidFill>
-            </a:ln>
-          </p:spPr>
-          <p:style>
-            <a:lnRef idx="2">
-              <a:schemeClr val="accent1">
-                <a:shade val="50000"/>
-              </a:schemeClr>
-            </a:lnRef>
-            <a:fillRef idx="1">
-              <a:schemeClr val="accent1"/>
-            </a:fillRef>
-            <a:effectRef idx="0">
-              <a:schemeClr val="accent1"/>
-            </a:effectRef>
-            <a:fontRef idx="minor">
-              <a:schemeClr val="lt1"/>
-            </a:fontRef>
-          </p:style>
-          <p:txBody>
-            <a:bodyPr rtlCol="0" anchor="ctr"/>
-            <a:lstStyle/>
-            <a:p>
-              <a:pPr algn="ctr"/>
-              <a:endParaRPr lang="en-US"/>
-            </a:p>
-          </p:txBody>
-        </p:sp>
-      </p:grpSp>
       <p:sp>
         <p:nvSpPr>
           <p:cNvPr id="13" name="Right Brace 12"/>
@@ -7436,6 +7897,395 @@
           </a:p>
         </p:txBody>
       </p:sp>
+      <p:grpSp>
+        <p:nvGrpSpPr>
+          <p:cNvPr id="14" name="Group 13">
+            <a:extLst>
+              <a:ext uri="{FF2B5EF4-FFF2-40B4-BE49-F238E27FC236}">
+                <a16:creationId xmlns:a16="http://schemas.microsoft.com/office/drawing/2014/main" id="{87D42C42-9F41-E26E-C95C-C487D1D37C70}"/>
+              </a:ext>
+            </a:extLst>
+          </p:cNvPr>
+          <p:cNvGrpSpPr/>
+          <p:nvPr/>
+        </p:nvGrpSpPr>
+        <p:grpSpPr>
+          <a:xfrm>
+            <a:off x="8995899" y="4896440"/>
+            <a:ext cx="2792916" cy="1874255"/>
+            <a:chOff x="8792860" y="2628237"/>
+            <a:chExt cx="2792916" cy="1874255"/>
+          </a:xfrm>
+        </p:grpSpPr>
+        <p:pic>
+          <p:nvPicPr>
+            <p:cNvPr id="15" name="Picture 14">
+              <a:extLst>
+                <a:ext uri="{FF2B5EF4-FFF2-40B4-BE49-F238E27FC236}">
+                  <a16:creationId xmlns:a16="http://schemas.microsoft.com/office/drawing/2014/main" id="{0727C293-C901-E52A-9A47-2FAE4C75F4EE}"/>
+                </a:ext>
+              </a:extLst>
+            </p:cNvPr>
+            <p:cNvPicPr>
+              <a:picLocks noChangeAspect="1"/>
+            </p:cNvPicPr>
+            <p:nvPr/>
+          </p:nvPicPr>
+          <p:blipFill>
+            <a:blip r:embed="rId4" cstate="print">
+              <a:extLst>
+                <a:ext uri="{28A0092B-C50C-407E-A947-70E740481C1C}">
+                  <a14:useLocalDpi xmlns:a14="http://schemas.microsoft.com/office/drawing/2010/main" val="0"/>
+                </a:ext>
+              </a:extLst>
+            </a:blip>
+            <a:stretch>
+              <a:fillRect/>
+            </a:stretch>
+          </p:blipFill>
+          <p:spPr>
+            <a:xfrm>
+              <a:off x="8792860" y="2628237"/>
+              <a:ext cx="2792916" cy="1874255"/>
+            </a:xfrm>
+            <a:prstGeom prst="rect">
+              <a:avLst/>
+            </a:prstGeom>
+            <a:solidFill>
+              <a:schemeClr val="bg1"/>
+            </a:solidFill>
+            <a:ln w="6350">
+              <a:solidFill>
+                <a:schemeClr val="tx1"/>
+              </a:solidFill>
+            </a:ln>
+          </p:spPr>
+        </p:pic>
+        <p:sp>
+          <p:nvSpPr>
+            <p:cNvPr id="16" name="Rectangle 15">
+              <a:extLst>
+                <a:ext uri="{FF2B5EF4-FFF2-40B4-BE49-F238E27FC236}">
+                  <a16:creationId xmlns:a16="http://schemas.microsoft.com/office/drawing/2014/main" id="{5EAAFEFF-4F9C-88B0-B055-B4D7B34F1E5A}"/>
+                </a:ext>
+              </a:extLst>
+            </p:cNvPr>
+            <p:cNvSpPr/>
+            <p:nvPr/>
+          </p:nvSpPr>
+          <p:spPr>
+            <a:xfrm>
+              <a:off x="8874887" y="3645426"/>
+              <a:ext cx="176514" cy="68396"/>
+            </a:xfrm>
+            <a:prstGeom prst="rect">
+              <a:avLst/>
+            </a:prstGeom>
+            <a:solidFill>
+              <a:schemeClr val="bg1"/>
+            </a:solidFill>
+            <a:ln w="6350">
+              <a:solidFill>
+                <a:schemeClr val="bg1"/>
+              </a:solidFill>
+            </a:ln>
+          </p:spPr>
+          <p:style>
+            <a:lnRef idx="2">
+              <a:schemeClr val="accent1">
+                <a:shade val="50000"/>
+              </a:schemeClr>
+            </a:lnRef>
+            <a:fillRef idx="1">
+              <a:schemeClr val="accent1"/>
+            </a:fillRef>
+            <a:effectRef idx="0">
+              <a:schemeClr val="accent1"/>
+            </a:effectRef>
+            <a:fontRef idx="minor">
+              <a:schemeClr val="lt1"/>
+            </a:fontRef>
+          </p:style>
+          <p:txBody>
+            <a:bodyPr rtlCol="0" anchor="ctr"/>
+            <a:lstStyle/>
+            <a:p>
+              <a:pPr algn="ctr"/>
+              <a:endParaRPr lang="en-US"/>
+            </a:p>
+          </p:txBody>
+        </p:sp>
+        <p:sp>
+          <p:nvSpPr>
+            <p:cNvPr id="17" name="Rectangle 16">
+              <a:extLst>
+                <a:ext uri="{FF2B5EF4-FFF2-40B4-BE49-F238E27FC236}">
+                  <a16:creationId xmlns:a16="http://schemas.microsoft.com/office/drawing/2014/main" id="{426709AE-5ED2-0F69-1028-E4616FA26765}"/>
+                </a:ext>
+              </a:extLst>
+            </p:cNvPr>
+            <p:cNvSpPr/>
+            <p:nvPr/>
+          </p:nvSpPr>
+          <p:spPr>
+            <a:xfrm>
+              <a:off x="9423720" y="3931180"/>
+              <a:ext cx="176514" cy="68396"/>
+            </a:xfrm>
+            <a:prstGeom prst="rect">
+              <a:avLst/>
+            </a:prstGeom>
+            <a:solidFill>
+              <a:schemeClr val="bg1"/>
+            </a:solidFill>
+            <a:ln w="6350">
+              <a:solidFill>
+                <a:schemeClr val="bg1"/>
+              </a:solidFill>
+            </a:ln>
+          </p:spPr>
+          <p:style>
+            <a:lnRef idx="2">
+              <a:schemeClr val="accent1">
+                <a:shade val="50000"/>
+              </a:schemeClr>
+            </a:lnRef>
+            <a:fillRef idx="1">
+              <a:schemeClr val="accent1"/>
+            </a:fillRef>
+            <a:effectRef idx="0">
+              <a:schemeClr val="accent1"/>
+            </a:effectRef>
+            <a:fontRef idx="minor">
+              <a:schemeClr val="lt1"/>
+            </a:fontRef>
+          </p:style>
+          <p:txBody>
+            <a:bodyPr rtlCol="0" anchor="ctr"/>
+            <a:lstStyle/>
+            <a:p>
+              <a:pPr algn="ctr"/>
+              <a:endParaRPr lang="en-US"/>
+            </a:p>
+          </p:txBody>
+        </p:sp>
+        <p:sp>
+          <p:nvSpPr>
+            <p:cNvPr id="18" name="Rectangle 17">
+              <a:extLst>
+                <a:ext uri="{FF2B5EF4-FFF2-40B4-BE49-F238E27FC236}">
+                  <a16:creationId xmlns:a16="http://schemas.microsoft.com/office/drawing/2014/main" id="{C3F1AA50-6A08-B972-8579-5487D87AF4B6}"/>
+                </a:ext>
+              </a:extLst>
+            </p:cNvPr>
+            <p:cNvSpPr/>
+            <p:nvPr/>
+          </p:nvSpPr>
+          <p:spPr>
+            <a:xfrm>
+              <a:off x="10536819" y="3215055"/>
+              <a:ext cx="176514" cy="68396"/>
+            </a:xfrm>
+            <a:prstGeom prst="rect">
+              <a:avLst/>
+            </a:prstGeom>
+            <a:solidFill>
+              <a:schemeClr val="bg1"/>
+            </a:solidFill>
+            <a:ln w="6350">
+              <a:solidFill>
+                <a:schemeClr val="bg1"/>
+              </a:solidFill>
+            </a:ln>
+          </p:spPr>
+          <p:style>
+            <a:lnRef idx="2">
+              <a:schemeClr val="accent1">
+                <a:shade val="50000"/>
+              </a:schemeClr>
+            </a:lnRef>
+            <a:fillRef idx="1">
+              <a:schemeClr val="accent1"/>
+            </a:fillRef>
+            <a:effectRef idx="0">
+              <a:schemeClr val="accent1"/>
+            </a:effectRef>
+            <a:fontRef idx="minor">
+              <a:schemeClr val="lt1"/>
+            </a:fontRef>
+          </p:style>
+          <p:txBody>
+            <a:bodyPr rtlCol="0" anchor="ctr"/>
+            <a:lstStyle/>
+            <a:p>
+              <a:pPr algn="ctr"/>
+              <a:endParaRPr lang="en-US"/>
+            </a:p>
+          </p:txBody>
+        </p:sp>
+        <p:sp>
+          <p:nvSpPr>
+            <p:cNvPr id="19" name="Rectangle 18">
+              <a:extLst>
+                <a:ext uri="{FF2B5EF4-FFF2-40B4-BE49-F238E27FC236}">
+                  <a16:creationId xmlns:a16="http://schemas.microsoft.com/office/drawing/2014/main" id="{1291DC0C-E042-C215-1832-AFE4ABB68CC4}"/>
+                </a:ext>
+              </a:extLst>
+            </p:cNvPr>
+            <p:cNvSpPr/>
+            <p:nvPr/>
+          </p:nvSpPr>
+          <p:spPr>
+            <a:xfrm>
+              <a:off x="11143526" y="3091213"/>
+              <a:ext cx="176514" cy="68396"/>
+            </a:xfrm>
+            <a:prstGeom prst="rect">
+              <a:avLst/>
+            </a:prstGeom>
+            <a:solidFill>
+              <a:schemeClr val="bg1"/>
+            </a:solidFill>
+            <a:ln w="6350">
+              <a:solidFill>
+                <a:schemeClr val="bg1"/>
+              </a:solidFill>
+            </a:ln>
+          </p:spPr>
+          <p:style>
+            <a:lnRef idx="2">
+              <a:schemeClr val="accent1">
+                <a:shade val="50000"/>
+              </a:schemeClr>
+            </a:lnRef>
+            <a:fillRef idx="1">
+              <a:schemeClr val="accent1"/>
+            </a:fillRef>
+            <a:effectRef idx="0">
+              <a:schemeClr val="accent1"/>
+            </a:effectRef>
+            <a:fontRef idx="minor">
+              <a:schemeClr val="lt1"/>
+            </a:fontRef>
+          </p:style>
+          <p:txBody>
+            <a:bodyPr rtlCol="0" anchor="ctr"/>
+            <a:lstStyle/>
+            <a:p>
+              <a:pPr algn="ctr"/>
+              <a:endParaRPr lang="en-US"/>
+            </a:p>
+          </p:txBody>
+        </p:sp>
+        <p:sp>
+          <p:nvSpPr>
+            <p:cNvPr id="20" name="Rectangle 19">
+              <a:extLst>
+                <a:ext uri="{FF2B5EF4-FFF2-40B4-BE49-F238E27FC236}">
+                  <a16:creationId xmlns:a16="http://schemas.microsoft.com/office/drawing/2014/main" id="{2AF0E2DB-445C-7E2E-24B8-EAC65B724984}"/>
+                </a:ext>
+              </a:extLst>
+            </p:cNvPr>
+            <p:cNvSpPr/>
+            <p:nvPr/>
+          </p:nvSpPr>
+          <p:spPr>
+            <a:xfrm>
+              <a:off x="10780853" y="3433712"/>
+              <a:ext cx="176514" cy="68396"/>
+            </a:xfrm>
+            <a:prstGeom prst="rect">
+              <a:avLst/>
+            </a:prstGeom>
+            <a:solidFill>
+              <a:schemeClr val="bg1"/>
+            </a:solidFill>
+            <a:ln w="6350">
+              <a:solidFill>
+                <a:schemeClr val="bg1"/>
+              </a:solidFill>
+            </a:ln>
+          </p:spPr>
+          <p:style>
+            <a:lnRef idx="2">
+              <a:schemeClr val="accent1">
+                <a:shade val="50000"/>
+              </a:schemeClr>
+            </a:lnRef>
+            <a:fillRef idx="1">
+              <a:schemeClr val="accent1"/>
+            </a:fillRef>
+            <a:effectRef idx="0">
+              <a:schemeClr val="accent1"/>
+            </a:effectRef>
+            <a:fontRef idx="minor">
+              <a:schemeClr val="lt1"/>
+            </a:fontRef>
+          </p:style>
+          <p:txBody>
+            <a:bodyPr rtlCol="0" anchor="ctr"/>
+            <a:lstStyle/>
+            <a:p>
+              <a:pPr algn="ctr"/>
+              <a:endParaRPr lang="en-US"/>
+            </a:p>
+          </p:txBody>
+        </p:sp>
+        <p:sp>
+          <p:nvSpPr>
+            <p:cNvPr id="21" name="Rectangle 20">
+              <a:extLst>
+                <a:ext uri="{FF2B5EF4-FFF2-40B4-BE49-F238E27FC236}">
+                  <a16:creationId xmlns:a16="http://schemas.microsoft.com/office/drawing/2014/main" id="{240303BC-7F27-7652-9D83-2D97F6103B92}"/>
+                </a:ext>
+              </a:extLst>
+            </p:cNvPr>
+            <p:cNvSpPr/>
+            <p:nvPr/>
+          </p:nvSpPr>
+          <p:spPr>
+            <a:xfrm>
+              <a:off x="11207668" y="3836391"/>
+              <a:ext cx="176514" cy="68396"/>
+            </a:xfrm>
+            <a:prstGeom prst="rect">
+              <a:avLst/>
+            </a:prstGeom>
+            <a:solidFill>
+              <a:schemeClr val="bg1"/>
+            </a:solidFill>
+            <a:ln w="6350">
+              <a:solidFill>
+                <a:schemeClr val="bg1"/>
+              </a:solidFill>
+            </a:ln>
+          </p:spPr>
+          <p:style>
+            <a:lnRef idx="2">
+              <a:schemeClr val="accent1">
+                <a:shade val="50000"/>
+              </a:schemeClr>
+            </a:lnRef>
+            <a:fillRef idx="1">
+              <a:schemeClr val="accent1"/>
+            </a:fillRef>
+            <a:effectRef idx="0">
+              <a:schemeClr val="accent1"/>
+            </a:effectRef>
+            <a:fontRef idx="minor">
+              <a:schemeClr val="lt1"/>
+            </a:fontRef>
+          </p:style>
+          <p:txBody>
+            <a:bodyPr rtlCol="0" anchor="ctr"/>
+            <a:lstStyle/>
+            <a:p>
+              <a:pPr algn="ctr"/>
+              <a:endParaRPr lang="en-US"/>
+            </a:p>
+          </p:txBody>
+        </p:sp>
+      </p:grpSp>
     </p:spTree>
     <p:extLst>
       <p:ext uri="{BB962C8B-B14F-4D97-AF65-F5344CB8AC3E}">
@@ -8080,36 +8930,393 @@
           </a:prstGeom>
         </p:spPr>
       </p:pic>
-      <p:pic>
-        <p:nvPicPr>
-          <p:cNvPr id="6" name="Picture 5"/>
-          <p:cNvPicPr>
-            <a:picLocks noChangeAspect="1"/>
-          </p:cNvPicPr>
-          <p:nvPr/>
-        </p:nvPicPr>
-        <p:blipFill>
-          <a:blip r:embed="rId3" cstate="print">
+      <p:grpSp>
+        <p:nvGrpSpPr>
+          <p:cNvPr id="3" name="Group 2">
             <a:extLst>
-              <a:ext uri="{28A0092B-C50C-407E-A947-70E740481C1C}">
-                <a14:useLocalDpi xmlns:a14="http://schemas.microsoft.com/office/drawing/2010/main" val="0"/>
+              <a:ext uri="{FF2B5EF4-FFF2-40B4-BE49-F238E27FC236}">
+                <a16:creationId xmlns:a16="http://schemas.microsoft.com/office/drawing/2014/main" id="{216E890D-4B46-E3A8-3B50-0B7A023EF54F}"/>
               </a:ext>
             </a:extLst>
-          </a:blip>
-          <a:stretch>
-            <a:fillRect/>
-          </a:stretch>
-        </p:blipFill>
-        <p:spPr>
+          </p:cNvPr>
+          <p:cNvGrpSpPr/>
+          <p:nvPr/>
+        </p:nvGrpSpPr>
+        <p:grpSpPr>
           <a:xfrm>
-            <a:off x="9430682" y="5002695"/>
-            <a:ext cx="2633262" cy="1767115"/>
+            <a:off x="9092400" y="4833039"/>
+            <a:ext cx="2792916" cy="1874255"/>
+            <a:chOff x="8792860" y="2628237"/>
+            <a:chExt cx="2792916" cy="1874255"/>
           </a:xfrm>
-          <a:prstGeom prst="rect">
-            <a:avLst/>
-          </a:prstGeom>
-        </p:spPr>
-      </p:pic>
+        </p:grpSpPr>
+        <p:pic>
+          <p:nvPicPr>
+            <p:cNvPr id="4" name="Picture 3">
+              <a:extLst>
+                <a:ext uri="{FF2B5EF4-FFF2-40B4-BE49-F238E27FC236}">
+                  <a16:creationId xmlns:a16="http://schemas.microsoft.com/office/drawing/2014/main" id="{2F65F058-B34F-30BD-7C07-66D74F638E27}"/>
+                </a:ext>
+              </a:extLst>
+            </p:cNvPr>
+            <p:cNvPicPr>
+              <a:picLocks noChangeAspect="1"/>
+            </p:cNvPicPr>
+            <p:nvPr/>
+          </p:nvPicPr>
+          <p:blipFill>
+            <a:blip r:embed="rId3" cstate="print">
+              <a:extLst>
+                <a:ext uri="{28A0092B-C50C-407E-A947-70E740481C1C}">
+                  <a14:useLocalDpi xmlns:a14="http://schemas.microsoft.com/office/drawing/2010/main" val="0"/>
+                </a:ext>
+              </a:extLst>
+            </a:blip>
+            <a:stretch>
+              <a:fillRect/>
+            </a:stretch>
+          </p:blipFill>
+          <p:spPr>
+            <a:xfrm>
+              <a:off x="8792860" y="2628237"/>
+              <a:ext cx="2792916" cy="1874255"/>
+            </a:xfrm>
+            <a:prstGeom prst="rect">
+              <a:avLst/>
+            </a:prstGeom>
+            <a:solidFill>
+              <a:schemeClr val="bg1"/>
+            </a:solidFill>
+            <a:ln w="6350">
+              <a:noFill/>
+            </a:ln>
+          </p:spPr>
+        </p:pic>
+        <p:sp>
+          <p:nvSpPr>
+            <p:cNvPr id="7" name="Rectangle 6">
+              <a:extLst>
+                <a:ext uri="{FF2B5EF4-FFF2-40B4-BE49-F238E27FC236}">
+                  <a16:creationId xmlns:a16="http://schemas.microsoft.com/office/drawing/2014/main" id="{4054B121-FE17-B4F3-9BB2-59AB811B7FE5}"/>
+                </a:ext>
+              </a:extLst>
+            </p:cNvPr>
+            <p:cNvSpPr/>
+            <p:nvPr/>
+          </p:nvSpPr>
+          <p:spPr>
+            <a:xfrm>
+              <a:off x="8874887" y="3645426"/>
+              <a:ext cx="176514" cy="68396"/>
+            </a:xfrm>
+            <a:prstGeom prst="rect">
+              <a:avLst/>
+            </a:prstGeom>
+            <a:solidFill>
+              <a:schemeClr val="bg1"/>
+            </a:solidFill>
+            <a:ln w="6350">
+              <a:solidFill>
+                <a:schemeClr val="bg1"/>
+              </a:solidFill>
+            </a:ln>
+          </p:spPr>
+          <p:style>
+            <a:lnRef idx="2">
+              <a:schemeClr val="accent1">
+                <a:shade val="50000"/>
+              </a:schemeClr>
+            </a:lnRef>
+            <a:fillRef idx="1">
+              <a:schemeClr val="accent1"/>
+            </a:fillRef>
+            <a:effectRef idx="0">
+              <a:schemeClr val="accent1"/>
+            </a:effectRef>
+            <a:fontRef idx="minor">
+              <a:schemeClr val="lt1"/>
+            </a:fontRef>
+          </p:style>
+          <p:txBody>
+            <a:bodyPr rtlCol="0" anchor="ctr"/>
+            <a:lstStyle/>
+            <a:p>
+              <a:pPr algn="ctr"/>
+              <a:endParaRPr lang="en-US"/>
+            </a:p>
+          </p:txBody>
+        </p:sp>
+        <p:sp>
+          <p:nvSpPr>
+            <p:cNvPr id="8" name="Rectangle 7">
+              <a:extLst>
+                <a:ext uri="{FF2B5EF4-FFF2-40B4-BE49-F238E27FC236}">
+                  <a16:creationId xmlns:a16="http://schemas.microsoft.com/office/drawing/2014/main" id="{89BEE1D6-D1FB-CADA-7244-ABBB13396B35}"/>
+                </a:ext>
+              </a:extLst>
+            </p:cNvPr>
+            <p:cNvSpPr/>
+            <p:nvPr/>
+          </p:nvSpPr>
+          <p:spPr>
+            <a:xfrm>
+              <a:off x="9423720" y="3931180"/>
+              <a:ext cx="176514" cy="68396"/>
+            </a:xfrm>
+            <a:prstGeom prst="rect">
+              <a:avLst/>
+            </a:prstGeom>
+            <a:solidFill>
+              <a:schemeClr val="bg1"/>
+            </a:solidFill>
+            <a:ln w="6350">
+              <a:solidFill>
+                <a:schemeClr val="bg1"/>
+              </a:solidFill>
+            </a:ln>
+          </p:spPr>
+          <p:style>
+            <a:lnRef idx="2">
+              <a:schemeClr val="accent1">
+                <a:shade val="50000"/>
+              </a:schemeClr>
+            </a:lnRef>
+            <a:fillRef idx="1">
+              <a:schemeClr val="accent1"/>
+            </a:fillRef>
+            <a:effectRef idx="0">
+              <a:schemeClr val="accent1"/>
+            </a:effectRef>
+            <a:fontRef idx="minor">
+              <a:schemeClr val="lt1"/>
+            </a:fontRef>
+          </p:style>
+          <p:txBody>
+            <a:bodyPr rtlCol="0" anchor="ctr"/>
+            <a:lstStyle/>
+            <a:p>
+              <a:pPr algn="ctr"/>
+              <a:endParaRPr lang="en-US"/>
+            </a:p>
+          </p:txBody>
+        </p:sp>
+        <p:sp>
+          <p:nvSpPr>
+            <p:cNvPr id="9" name="Rectangle 8">
+              <a:extLst>
+                <a:ext uri="{FF2B5EF4-FFF2-40B4-BE49-F238E27FC236}">
+                  <a16:creationId xmlns:a16="http://schemas.microsoft.com/office/drawing/2014/main" id="{4F06DBE9-9B66-6D70-58DB-58B08472D26B}"/>
+                </a:ext>
+              </a:extLst>
+            </p:cNvPr>
+            <p:cNvSpPr/>
+            <p:nvPr/>
+          </p:nvSpPr>
+          <p:spPr>
+            <a:xfrm>
+              <a:off x="10536819" y="3215055"/>
+              <a:ext cx="176514" cy="68396"/>
+            </a:xfrm>
+            <a:prstGeom prst="rect">
+              <a:avLst/>
+            </a:prstGeom>
+            <a:solidFill>
+              <a:schemeClr val="bg1"/>
+            </a:solidFill>
+            <a:ln w="6350">
+              <a:solidFill>
+                <a:schemeClr val="bg1"/>
+              </a:solidFill>
+            </a:ln>
+          </p:spPr>
+          <p:style>
+            <a:lnRef idx="2">
+              <a:schemeClr val="accent1">
+                <a:shade val="50000"/>
+              </a:schemeClr>
+            </a:lnRef>
+            <a:fillRef idx="1">
+              <a:schemeClr val="accent1"/>
+            </a:fillRef>
+            <a:effectRef idx="0">
+              <a:schemeClr val="accent1"/>
+            </a:effectRef>
+            <a:fontRef idx="minor">
+              <a:schemeClr val="lt1"/>
+            </a:fontRef>
+          </p:style>
+          <p:txBody>
+            <a:bodyPr rtlCol="0" anchor="ctr"/>
+            <a:lstStyle/>
+            <a:p>
+              <a:pPr algn="ctr"/>
+              <a:endParaRPr lang="en-US"/>
+            </a:p>
+          </p:txBody>
+        </p:sp>
+        <p:sp>
+          <p:nvSpPr>
+            <p:cNvPr id="10" name="Rectangle 9">
+              <a:extLst>
+                <a:ext uri="{FF2B5EF4-FFF2-40B4-BE49-F238E27FC236}">
+                  <a16:creationId xmlns:a16="http://schemas.microsoft.com/office/drawing/2014/main" id="{3D440628-2F70-C7D2-FD8D-2C59A9701E37}"/>
+                </a:ext>
+              </a:extLst>
+            </p:cNvPr>
+            <p:cNvSpPr/>
+            <p:nvPr/>
+          </p:nvSpPr>
+          <p:spPr>
+            <a:xfrm>
+              <a:off x="11143526" y="3091213"/>
+              <a:ext cx="176514" cy="68396"/>
+            </a:xfrm>
+            <a:prstGeom prst="rect">
+              <a:avLst/>
+            </a:prstGeom>
+            <a:solidFill>
+              <a:schemeClr val="bg1"/>
+            </a:solidFill>
+            <a:ln w="6350">
+              <a:solidFill>
+                <a:schemeClr val="bg1"/>
+              </a:solidFill>
+            </a:ln>
+          </p:spPr>
+          <p:style>
+            <a:lnRef idx="2">
+              <a:schemeClr val="accent1">
+                <a:shade val="50000"/>
+              </a:schemeClr>
+            </a:lnRef>
+            <a:fillRef idx="1">
+              <a:schemeClr val="accent1"/>
+            </a:fillRef>
+            <a:effectRef idx="0">
+              <a:schemeClr val="accent1"/>
+            </a:effectRef>
+            <a:fontRef idx="minor">
+              <a:schemeClr val="lt1"/>
+            </a:fontRef>
+          </p:style>
+          <p:txBody>
+            <a:bodyPr rtlCol="0" anchor="ctr"/>
+            <a:lstStyle/>
+            <a:p>
+              <a:pPr algn="ctr"/>
+              <a:endParaRPr lang="en-US"/>
+            </a:p>
+          </p:txBody>
+        </p:sp>
+        <p:sp>
+          <p:nvSpPr>
+            <p:cNvPr id="11" name="Rectangle 10">
+              <a:extLst>
+                <a:ext uri="{FF2B5EF4-FFF2-40B4-BE49-F238E27FC236}">
+                  <a16:creationId xmlns:a16="http://schemas.microsoft.com/office/drawing/2014/main" id="{64065DF7-2EF0-D0B5-1E06-47124744711A}"/>
+                </a:ext>
+              </a:extLst>
+            </p:cNvPr>
+            <p:cNvSpPr/>
+            <p:nvPr/>
+          </p:nvSpPr>
+          <p:spPr>
+            <a:xfrm>
+              <a:off x="10780853" y="3433712"/>
+              <a:ext cx="176514" cy="68396"/>
+            </a:xfrm>
+            <a:prstGeom prst="rect">
+              <a:avLst/>
+            </a:prstGeom>
+            <a:solidFill>
+              <a:schemeClr val="bg1"/>
+            </a:solidFill>
+            <a:ln w="6350">
+              <a:solidFill>
+                <a:schemeClr val="bg1"/>
+              </a:solidFill>
+            </a:ln>
+          </p:spPr>
+          <p:style>
+            <a:lnRef idx="2">
+              <a:schemeClr val="accent1">
+                <a:shade val="50000"/>
+              </a:schemeClr>
+            </a:lnRef>
+            <a:fillRef idx="1">
+              <a:schemeClr val="accent1"/>
+            </a:fillRef>
+            <a:effectRef idx="0">
+              <a:schemeClr val="accent1"/>
+            </a:effectRef>
+            <a:fontRef idx="minor">
+              <a:schemeClr val="lt1"/>
+            </a:fontRef>
+          </p:style>
+          <p:txBody>
+            <a:bodyPr rtlCol="0" anchor="ctr"/>
+            <a:lstStyle/>
+            <a:p>
+              <a:pPr algn="ctr"/>
+              <a:endParaRPr lang="en-US"/>
+            </a:p>
+          </p:txBody>
+        </p:sp>
+        <p:sp>
+          <p:nvSpPr>
+            <p:cNvPr id="12" name="Rectangle 11">
+              <a:extLst>
+                <a:ext uri="{FF2B5EF4-FFF2-40B4-BE49-F238E27FC236}">
+                  <a16:creationId xmlns:a16="http://schemas.microsoft.com/office/drawing/2014/main" id="{09C7FFDC-E655-4832-178B-226F472F1DC9}"/>
+                </a:ext>
+              </a:extLst>
+            </p:cNvPr>
+            <p:cNvSpPr/>
+            <p:nvPr/>
+          </p:nvSpPr>
+          <p:spPr>
+            <a:xfrm>
+              <a:off x="11207668" y="3836391"/>
+              <a:ext cx="176514" cy="68396"/>
+            </a:xfrm>
+            <a:prstGeom prst="rect">
+              <a:avLst/>
+            </a:prstGeom>
+            <a:solidFill>
+              <a:schemeClr val="bg1"/>
+            </a:solidFill>
+            <a:ln w="6350">
+              <a:solidFill>
+                <a:schemeClr val="bg1"/>
+              </a:solidFill>
+            </a:ln>
+          </p:spPr>
+          <p:style>
+            <a:lnRef idx="2">
+              <a:schemeClr val="accent1">
+                <a:shade val="50000"/>
+              </a:schemeClr>
+            </a:lnRef>
+            <a:fillRef idx="1">
+              <a:schemeClr val="accent1"/>
+            </a:fillRef>
+            <a:effectRef idx="0">
+              <a:schemeClr val="accent1"/>
+            </a:effectRef>
+            <a:fontRef idx="minor">
+              <a:schemeClr val="lt1"/>
+            </a:fontRef>
+          </p:style>
+          <p:txBody>
+            <a:bodyPr rtlCol="0" anchor="ctr"/>
+            <a:lstStyle/>
+            <a:p>
+              <a:pPr algn="ctr"/>
+              <a:endParaRPr lang="en-US"/>
+            </a:p>
+          </p:txBody>
+        </p:sp>
+      </p:grpSp>
     </p:spTree>
     <p:extLst>
       <p:ext uri="{BB962C8B-B14F-4D97-AF65-F5344CB8AC3E}">
@@ -8255,14 +9462,22 @@
             </a:r>
             <a:r>
               <a:rPr lang="en-US" baseline="50000" dirty="0"/>
-              <a:t>logk</a:t>
-            </a:r>
-            <a:r>
-              <a:rPr lang="en-US" dirty="0"/>
+              <a:t>log</a:t>
+            </a:r>
+            <a:r>
+              <a:rPr lang="en-US" sz="2000" baseline="50000" dirty="0"/>
+              <a:t>2 </a:t>
+            </a:r>
+            <a:r>
+              <a:rPr lang="en-US" i="1" baseline="50000" dirty="0" err="1"/>
+              <a:t>k</a:t>
+            </a:r>
+            <a:r>
+              <a:rPr lang="en-US" dirty="0" err="1"/>
               <a:t>⋅</a:t>
             </a:r>
             <a:r>
-              <a:rPr lang="en-US" i="1" dirty="0"/>
+              <a:rPr lang="en-US" i="1" dirty="0" err="1"/>
               <a:t>p</a:t>
             </a:r>
             <a:r>
@@ -8330,7 +9545,7 @@
           <p:nvPr>
             <p:extLst>
               <p:ext uri="{D42A27DB-BD31-4B8C-83A1-F6EECF244321}">
-                <p14:modId xmlns:p14="http://schemas.microsoft.com/office/powerpoint/2010/main" val="4170896393"/>
+                <p14:modId xmlns:p14="http://schemas.microsoft.com/office/powerpoint/2010/main" val="90514244"/>
               </p:ext>
             </p:extLst>
           </p:nvPr>
@@ -8462,7 +9677,7 @@
                           <a:latin typeface="Courier New" panose="02070309020205020404" pitchFamily="49" charset="0"/>
                           <a:cs typeface="Courier New" panose="02070309020205020404" pitchFamily="49" charset="0"/>
                         </a:rPr>
-                        <a:t>from math import log</a:t>
+                        <a:t>from math import log2</a:t>
                       </a:r>
                     </a:p>
                     <a:p>
@@ -8517,21 +9732,7 @@
                           <a:latin typeface="Courier New" panose="02070309020205020404" pitchFamily="49" charset="0"/>
                           <a:cs typeface="Courier New" panose="02070309020205020404" pitchFamily="49" charset="0"/>
                         </a:rPr>
-                        <a:t>for _ in range(1 + </a:t>
-                      </a:r>
-                      <a:r>
-                        <a:rPr lang="en-US" sz="1800" b="1" dirty="0" err="1">
-                          <a:latin typeface="Courier New" panose="02070309020205020404" pitchFamily="49" charset="0"/>
-                          <a:cs typeface="Courier New" panose="02070309020205020404" pitchFamily="49" charset="0"/>
-                        </a:rPr>
-                        <a:t>int</a:t>
-                      </a:r>
-                      <a:r>
-                        <a:rPr lang="en-US" sz="1800" b="1" dirty="0">
-                          <a:latin typeface="Courier New" panose="02070309020205020404" pitchFamily="49" charset="0"/>
-                          <a:cs typeface="Courier New" panose="02070309020205020404" pitchFamily="49" charset="0"/>
-                        </a:rPr>
-                        <a:t>(log(ITERATIONS, 2))):</a:t>
+                        <a:t>for _ in range(1 + int(log2(ITERATIONS))):</a:t>
                       </a:r>
                     </a:p>
                     <a:p>
@@ -9048,7 +10249,15 @@
             <a:pPr algn="ctr"/>
             <a:r>
               <a:rPr lang="da-DK" sz="1400" dirty="0"/>
-              <a:t>log </a:t>
+              <a:t>log</a:t>
+            </a:r>
+            <a:r>
+              <a:rPr lang="da-DK" sz="1400" baseline="-25000" dirty="0"/>
+              <a:t>2</a:t>
+            </a:r>
+            <a:r>
+              <a:rPr lang="da-DK" sz="1400" dirty="0"/>
+              <a:t> </a:t>
             </a:r>
             <a:r>
               <a:rPr lang="da-DK" sz="1400" i="1" dirty="0"/>
@@ -11737,7 +12946,7 @@
           <p:nvPr>
             <p:extLst>
               <p:ext uri="{D42A27DB-BD31-4B8C-83A1-F6EECF244321}">
-                <p14:modId xmlns:p14="http://schemas.microsoft.com/office/powerpoint/2010/main" val="4031628873"/>
+                <p14:modId xmlns:p14="http://schemas.microsoft.com/office/powerpoint/2010/main" val="4180794438"/>
               </p:ext>
             </p:extLst>
           </p:nvPr>
@@ -12107,7 +13316,7 @@
                           <a:latin typeface="Courier New" panose="02070309020205020404" pitchFamily="49" charset="0"/>
                           <a:cs typeface="Courier New" panose="02070309020205020404" pitchFamily="49" charset="0"/>
                         </a:rPr>
-                        <a:t>]) </a:t>
+                        <a:t>])  </a:t>
                       </a:r>
                       <a:r>
                         <a:rPr lang="en-US" sz="1400" b="1" dirty="0">
@@ -17170,7 +18379,7 @@
             </a:r>
             <a:r>
               <a:rPr lang="en-US" dirty="0"/>
-              <a:t> is a vector that to add the flow along the edges (7 and 8) to the sink (F), i.e. a function computing </a:t>
+              <a:t> is a vector to add the flow along the edges (7 and 8) to the sink (F), i.e. a function computing </a:t>
             </a:r>
             <a:r>
               <a:rPr lang="en-US" i="1" dirty="0"/>
@@ -20167,6 +21376,42 @@
           </a:p>
         </p:txBody>
       </p:sp>
+      <p:pic>
+        <p:nvPicPr>
+          <p:cNvPr id="3" name="Picture 2">
+            <a:extLst>
+              <a:ext uri="{FF2B5EF4-FFF2-40B4-BE49-F238E27FC236}">
+                <a16:creationId xmlns:a16="http://schemas.microsoft.com/office/drawing/2014/main" id="{05D769A4-3D29-D5AA-40CD-D03ADD3B32E4}"/>
+              </a:ext>
+            </a:extLst>
+          </p:cNvPr>
+          <p:cNvPicPr>
+            <a:picLocks noChangeAspect="1"/>
+          </p:cNvPicPr>
+          <p:nvPr/>
+        </p:nvPicPr>
+        <p:blipFill>
+          <a:blip r:embed="rId3" cstate="print">
+            <a:extLst>
+              <a:ext uri="{28A0092B-C50C-407E-A947-70E740481C1C}">
+                <a14:useLocalDpi xmlns:a14="http://schemas.microsoft.com/office/drawing/2010/main" val="0"/>
+              </a:ext>
+            </a:extLst>
+          </a:blip>
+          <a:stretch>
+            <a:fillRect/>
+          </a:stretch>
+        </p:blipFill>
+        <p:spPr>
+          <a:xfrm>
+            <a:off x="3287680" y="6289363"/>
+            <a:ext cx="487666" cy="405904"/>
+          </a:xfrm>
+          <a:prstGeom prst="rect">
+            <a:avLst/>
+          </a:prstGeom>
+        </p:spPr>
+      </p:pic>
     </p:spTree>
     <p:extLst>
       <p:ext uri="{BB962C8B-B14F-4D97-AF65-F5344CB8AC3E}">
@@ -21398,7 +22643,7 @@
           <p:nvPr>
             <p:extLst>
               <p:ext uri="{D42A27DB-BD31-4B8C-83A1-F6EECF244321}">
-                <p14:modId xmlns:p14="http://schemas.microsoft.com/office/powerpoint/2010/main" val="3742290709"/>
+                <p14:modId xmlns:p14="http://schemas.microsoft.com/office/powerpoint/2010/main" val="3262895240"/>
               </p:ext>
             </p:extLst>
           </p:nvPr>
@@ -21969,7 +23214,7 @@
                           <a:latin typeface="Courier New" panose="02070309020205020404" pitchFamily="49" charset="0"/>
                           <a:cs typeface="Courier New" panose="02070309020205020404" pitchFamily="49" charset="0"/>
                         </a:rPr>
-                        <a:t># add edges from sinks to all nodes </a:t>
+                        <a:t># add edges from sinks to all nodes (uses broadcasting) </a:t>
                       </a:r>
                     </a:p>
                     <a:p>
@@ -22147,11 +23392,9 @@
             <a:solidFill>
               <a:schemeClr val="bg1"/>
             </a:solidFill>
-            <a:ln w="19050">
+            <a:ln w="6350">
               <a:solidFill>
-                <a:schemeClr val="bg1">
-                  <a:lumMod val="50000"/>
-                </a:schemeClr>
+                <a:schemeClr val="tx1"/>
               </a:solidFill>
             </a:ln>
           </p:spPr>
@@ -22164,7 +23407,1237 @@
           </p:nvSpPr>
           <p:spPr>
             <a:xfrm>
-              <a:off x="8874887" y="3658129"/>
+              <a:off x="8874887" y="3645430"/>
+              <a:ext cx="176514" cy="68396"/>
+            </a:xfrm>
+            <a:prstGeom prst="rect">
+              <a:avLst/>
+            </a:prstGeom>
+            <a:solidFill>
+              <a:schemeClr val="bg1"/>
+            </a:solidFill>
+            <a:ln w="6350">
+              <a:solidFill>
+                <a:schemeClr val="bg1"/>
+              </a:solidFill>
+            </a:ln>
+          </p:spPr>
+          <p:style>
+            <a:lnRef idx="2">
+              <a:schemeClr val="accent1">
+                <a:shade val="50000"/>
+              </a:schemeClr>
+            </a:lnRef>
+            <a:fillRef idx="1">
+              <a:schemeClr val="accent1"/>
+            </a:fillRef>
+            <a:effectRef idx="0">
+              <a:schemeClr val="accent1"/>
+            </a:effectRef>
+            <a:fontRef idx="minor">
+              <a:schemeClr val="lt1"/>
+            </a:fontRef>
+          </p:style>
+          <p:txBody>
+            <a:bodyPr rtlCol="0" anchor="ctr"/>
+            <a:lstStyle/>
+            <a:p>
+              <a:pPr algn="ctr"/>
+              <a:endParaRPr lang="en-US"/>
+            </a:p>
+          </p:txBody>
+        </p:sp>
+        <p:sp>
+          <p:nvSpPr>
+            <p:cNvPr id="9" name="Rectangle 8"/>
+            <p:cNvSpPr/>
+            <p:nvPr/>
+          </p:nvSpPr>
+          <p:spPr>
+            <a:xfrm>
+              <a:off x="9423720" y="3931180"/>
+              <a:ext cx="176514" cy="68396"/>
+            </a:xfrm>
+            <a:prstGeom prst="rect">
+              <a:avLst/>
+            </a:prstGeom>
+            <a:solidFill>
+              <a:schemeClr val="bg1"/>
+            </a:solidFill>
+            <a:ln w="6350">
+              <a:solidFill>
+                <a:schemeClr val="bg1"/>
+              </a:solidFill>
+            </a:ln>
+          </p:spPr>
+          <p:style>
+            <a:lnRef idx="2">
+              <a:schemeClr val="accent1">
+                <a:shade val="50000"/>
+              </a:schemeClr>
+            </a:lnRef>
+            <a:fillRef idx="1">
+              <a:schemeClr val="accent1"/>
+            </a:fillRef>
+            <a:effectRef idx="0">
+              <a:schemeClr val="accent1"/>
+            </a:effectRef>
+            <a:fontRef idx="minor">
+              <a:schemeClr val="lt1"/>
+            </a:fontRef>
+          </p:style>
+          <p:txBody>
+            <a:bodyPr rtlCol="0" anchor="ctr"/>
+            <a:lstStyle/>
+            <a:p>
+              <a:pPr algn="ctr"/>
+              <a:endParaRPr lang="en-US"/>
+            </a:p>
+          </p:txBody>
+        </p:sp>
+        <p:sp>
+          <p:nvSpPr>
+            <p:cNvPr id="10" name="Rectangle 9"/>
+            <p:cNvSpPr/>
+            <p:nvPr/>
+          </p:nvSpPr>
+          <p:spPr>
+            <a:xfrm>
+              <a:off x="10536819" y="3213471"/>
+              <a:ext cx="176514" cy="68396"/>
+            </a:xfrm>
+            <a:prstGeom prst="rect">
+              <a:avLst/>
+            </a:prstGeom>
+            <a:solidFill>
+              <a:schemeClr val="bg1"/>
+            </a:solidFill>
+            <a:ln w="6350">
+              <a:solidFill>
+                <a:schemeClr val="bg1"/>
+              </a:solidFill>
+            </a:ln>
+          </p:spPr>
+          <p:style>
+            <a:lnRef idx="2">
+              <a:schemeClr val="accent1">
+                <a:shade val="50000"/>
+              </a:schemeClr>
+            </a:lnRef>
+            <a:fillRef idx="1">
+              <a:schemeClr val="accent1"/>
+            </a:fillRef>
+            <a:effectRef idx="0">
+              <a:schemeClr val="accent1"/>
+            </a:effectRef>
+            <a:fontRef idx="minor">
+              <a:schemeClr val="lt1"/>
+            </a:fontRef>
+          </p:style>
+          <p:txBody>
+            <a:bodyPr rtlCol="0" anchor="ctr"/>
+            <a:lstStyle/>
+            <a:p>
+              <a:pPr algn="ctr"/>
+              <a:endParaRPr lang="en-US"/>
+            </a:p>
+          </p:txBody>
+        </p:sp>
+        <p:sp>
+          <p:nvSpPr>
+            <p:cNvPr id="11" name="Rectangle 10"/>
+            <p:cNvSpPr/>
+            <p:nvPr/>
+          </p:nvSpPr>
+          <p:spPr>
+            <a:xfrm>
+              <a:off x="11143526" y="3091213"/>
+              <a:ext cx="176514" cy="68396"/>
+            </a:xfrm>
+            <a:prstGeom prst="rect">
+              <a:avLst/>
+            </a:prstGeom>
+            <a:solidFill>
+              <a:schemeClr val="bg1"/>
+            </a:solidFill>
+            <a:ln w="6350">
+              <a:solidFill>
+                <a:schemeClr val="bg1"/>
+              </a:solidFill>
+            </a:ln>
+          </p:spPr>
+          <p:style>
+            <a:lnRef idx="2">
+              <a:schemeClr val="accent1">
+                <a:shade val="50000"/>
+              </a:schemeClr>
+            </a:lnRef>
+            <a:fillRef idx="1">
+              <a:schemeClr val="accent1"/>
+            </a:fillRef>
+            <a:effectRef idx="0">
+              <a:schemeClr val="accent1"/>
+            </a:effectRef>
+            <a:fontRef idx="minor">
+              <a:schemeClr val="lt1"/>
+            </a:fontRef>
+          </p:style>
+          <p:txBody>
+            <a:bodyPr rtlCol="0" anchor="ctr"/>
+            <a:lstStyle/>
+            <a:p>
+              <a:pPr algn="ctr"/>
+              <a:endParaRPr lang="en-US"/>
+            </a:p>
+          </p:txBody>
+        </p:sp>
+        <p:sp>
+          <p:nvSpPr>
+            <p:cNvPr id="12" name="Rectangle 11"/>
+            <p:cNvSpPr/>
+            <p:nvPr/>
+          </p:nvSpPr>
+          <p:spPr>
+            <a:xfrm>
+              <a:off x="10780853" y="3433712"/>
+              <a:ext cx="176514" cy="68396"/>
+            </a:xfrm>
+            <a:prstGeom prst="rect">
+              <a:avLst/>
+            </a:prstGeom>
+            <a:solidFill>
+              <a:schemeClr val="bg1"/>
+            </a:solidFill>
+            <a:ln w="6350">
+              <a:solidFill>
+                <a:schemeClr val="bg1"/>
+              </a:solidFill>
+            </a:ln>
+          </p:spPr>
+          <p:style>
+            <a:lnRef idx="2">
+              <a:schemeClr val="accent1">
+                <a:shade val="50000"/>
+              </a:schemeClr>
+            </a:lnRef>
+            <a:fillRef idx="1">
+              <a:schemeClr val="accent1"/>
+            </a:fillRef>
+            <a:effectRef idx="0">
+              <a:schemeClr val="accent1"/>
+            </a:effectRef>
+            <a:fontRef idx="minor">
+              <a:schemeClr val="lt1"/>
+            </a:fontRef>
+          </p:style>
+          <p:txBody>
+            <a:bodyPr rtlCol="0" anchor="ctr"/>
+            <a:lstStyle/>
+            <a:p>
+              <a:pPr algn="ctr"/>
+              <a:endParaRPr lang="en-US"/>
+            </a:p>
+          </p:txBody>
+        </p:sp>
+        <p:sp>
+          <p:nvSpPr>
+            <p:cNvPr id="13" name="Rectangle 12"/>
+            <p:cNvSpPr/>
+            <p:nvPr/>
+          </p:nvSpPr>
+          <p:spPr>
+            <a:xfrm>
+              <a:off x="11207668" y="3836391"/>
+              <a:ext cx="176514" cy="68396"/>
+            </a:xfrm>
+            <a:prstGeom prst="rect">
+              <a:avLst/>
+            </a:prstGeom>
+            <a:solidFill>
+              <a:schemeClr val="bg1"/>
+            </a:solidFill>
+            <a:ln w="6350">
+              <a:solidFill>
+                <a:schemeClr val="bg1"/>
+              </a:solidFill>
+            </a:ln>
+          </p:spPr>
+          <p:style>
+            <a:lnRef idx="2">
+              <a:schemeClr val="accent1">
+                <a:shade val="50000"/>
+              </a:schemeClr>
+            </a:lnRef>
+            <a:fillRef idx="1">
+              <a:schemeClr val="accent1"/>
+            </a:fillRef>
+            <a:effectRef idx="0">
+              <a:schemeClr val="accent1"/>
+            </a:effectRef>
+            <a:fontRef idx="minor">
+              <a:schemeClr val="lt1"/>
+            </a:fontRef>
+          </p:style>
+          <p:txBody>
+            <a:bodyPr rtlCol="0" anchor="ctr"/>
+            <a:lstStyle/>
+            <a:p>
+              <a:pPr algn="ctr"/>
+              <a:endParaRPr lang="en-US"/>
+            </a:p>
+          </p:txBody>
+        </p:sp>
+      </p:grpSp>
+      <p:sp>
+        <p:nvSpPr>
+          <p:cNvPr id="16" name="Title 1"/>
+          <p:cNvSpPr txBox="1">
+            <a:spLocks/>
+          </p:cNvSpPr>
+          <p:nvPr/>
+        </p:nvSpPr>
+        <p:spPr>
+          <a:xfrm>
+            <a:off x="306684" y="79771"/>
+            <a:ext cx="10515600" cy="1433479"/>
+          </a:xfrm>
+          <a:prstGeom prst="rect">
+            <a:avLst/>
+          </a:prstGeom>
+        </p:spPr>
+        <p:txBody>
+          <a:bodyPr vert="horz" lIns="91440" tIns="45720" rIns="91440" bIns="45720" rtlCol="0" anchor="ctr">
+            <a:normAutofit/>
+          </a:bodyPr>
+          <a:lstStyle>
+            <a:lvl1pPr algn="l" defTabSz="914400" rtl="0" eaLnBrk="1" latinLnBrk="0" hangingPunct="1">
+              <a:lnSpc>
+                <a:spcPct val="90000"/>
+              </a:lnSpc>
+              <a:spcBef>
+                <a:spcPct val="0"/>
+              </a:spcBef>
+              <a:buNone/>
+              <a:defRPr sz="4400" b="1" kern="1200">
+                <a:solidFill>
+                  <a:srgbClr val="C00000"/>
+                </a:solidFill>
+                <a:latin typeface="+mj-lt"/>
+                <a:ea typeface="+mj-ea"/>
+                <a:cs typeface="+mj-cs"/>
+              </a:defRPr>
+            </a:lvl1pPr>
+          </a:lstStyle>
+          <a:p>
+            <a:r>
+              <a:rPr lang="da-DK" dirty="0" err="1"/>
+              <a:t>Adjacency</a:t>
+            </a:r>
+            <a:r>
+              <a:rPr lang="da-DK" dirty="0"/>
+              <a:t> matrix and </a:t>
+            </a:r>
+            <a:r>
+              <a:rPr lang="da-DK" dirty="0" err="1"/>
+              <a:t>degree</a:t>
+            </a:r>
+            <a:r>
+              <a:rPr lang="da-DK" dirty="0"/>
+              <a:t> </a:t>
+            </a:r>
+            <a:r>
+              <a:rPr lang="da-DK" dirty="0" err="1"/>
+              <a:t>vector</a:t>
+            </a:r>
+            <a:endParaRPr lang="en-US" dirty="0"/>
+          </a:p>
+        </p:txBody>
+      </p:sp>
+    </p:spTree>
+    <p:extLst>
+      <p:ext uri="{BB962C8B-B14F-4D97-AF65-F5344CB8AC3E}">
+        <p14:creationId xmlns:p14="http://schemas.microsoft.com/office/powerpoint/2010/main" val="4134781063"/>
+      </p:ext>
+    </p:extLst>
+  </p:cSld>
+  <p:clrMapOvr>
+    <a:masterClrMapping/>
+  </p:clrMapOvr>
+</p:sld>
+</file>
+
+<file path=ppt/slides/slide8.xml><?xml version="1.0" encoding="utf-8"?>
+<p:sld xmlns:a="http://schemas.openxmlformats.org/drawingml/2006/main" xmlns:r="http://schemas.openxmlformats.org/officeDocument/2006/relationships" xmlns:p="http://schemas.openxmlformats.org/presentationml/2006/main">
+  <p:cSld>
+    <p:spTree>
+      <p:nvGrpSpPr>
+        <p:cNvPr id="1" name=""/>
+        <p:cNvGrpSpPr/>
+        <p:nvPr/>
+      </p:nvGrpSpPr>
+      <p:grpSpPr>
+        <a:xfrm>
+          <a:off x="0" y="0"/>
+          <a:ext cx="0" cy="0"/>
+          <a:chOff x="0" y="0"/>
+          <a:chExt cx="0" cy="0"/>
+        </a:xfrm>
+      </p:grpSpPr>
+      <p:graphicFrame>
+        <p:nvGraphicFramePr>
+          <p:cNvPr id="14" name="Table 13"/>
+          <p:cNvGraphicFramePr>
+            <a:graphicFrameLocks noGrp="1"/>
+          </p:cNvGraphicFramePr>
+          <p:nvPr>
+            <p:extLst>
+              <p:ext uri="{D42A27DB-BD31-4B8C-83A1-F6EECF244321}">
+                <p14:modId xmlns:p14="http://schemas.microsoft.com/office/powerpoint/2010/main" val="683050861"/>
+              </p:ext>
+            </p:extLst>
+          </p:nvPr>
+        </p:nvGraphicFramePr>
+        <p:xfrm>
+          <a:off x="272399" y="1347995"/>
+          <a:ext cx="11647202" cy="4815840"/>
+        </p:xfrm>
+        <a:graphic>
+          <a:graphicData uri="http://schemas.openxmlformats.org/drawingml/2006/table">
+            <a:tbl>
+              <a:tblPr firstRow="1" bandRow="1">
+                <a:tableStyleId>{5C22544A-7EE6-4342-B048-85BDC9FD1C3A}</a:tableStyleId>
+              </a:tblPr>
+              <a:tblGrid>
+                <a:gridCol w="11647202">
+                  <a:extLst>
+                    <a:ext uri="{9D8B030D-6E8A-4147-A177-3AD203B41FA5}">
+                      <a16:colId xmlns:a16="http://schemas.microsoft.com/office/drawing/2014/main" val="1873682825"/>
+                    </a:ext>
+                  </a:extLst>
+                </a:gridCol>
+              </a:tblGrid>
+              <a:tr h="232453">
+                <a:tc>
+                  <a:txBody>
+                    <a:bodyPr/>
+                    <a:lstStyle/>
+                    <a:p>
+                      <a:r>
+                        <a:rPr lang="da-DK" sz="1600" b="1" dirty="0" err="1">
+                          <a:latin typeface="Courier New" panose="02070309020205020404" pitchFamily="49" charset="0"/>
+                          <a:cs typeface="Courier New" panose="02070309020205020404" pitchFamily="49" charset="0"/>
+                        </a:rPr>
+                        <a:t>pagerank.ipynb</a:t>
+                      </a:r>
+                      <a:endParaRPr lang="da-DK" sz="1600" b="1" dirty="0">
+                        <a:latin typeface="Courier New" panose="02070309020205020404" pitchFamily="49" charset="0"/>
+                        <a:cs typeface="Courier New" panose="02070309020205020404" pitchFamily="49" charset="0"/>
+                      </a:endParaRPr>
+                    </a:p>
+                  </a:txBody>
+                  <a:tcPr anchor="ctr">
+                    <a:lnL w="6350" cap="flat" cmpd="sng" algn="ctr">
+                      <a:solidFill>
+                        <a:schemeClr val="tx1"/>
+                      </a:solidFill>
+                      <a:prstDash val="solid"/>
+                      <a:round/>
+                      <a:headEnd type="none" w="med" len="med"/>
+                      <a:tailEnd type="none" w="med" len="med"/>
+                    </a:lnL>
+                    <a:lnR w="6350" cap="flat" cmpd="sng" algn="ctr">
+                      <a:solidFill>
+                        <a:schemeClr val="tx1"/>
+                      </a:solidFill>
+                      <a:prstDash val="solid"/>
+                      <a:round/>
+                      <a:headEnd type="none" w="med" len="med"/>
+                      <a:tailEnd type="none" w="med" len="med"/>
+                    </a:lnR>
+                    <a:lnT w="6350" cap="flat" cmpd="sng" algn="ctr">
+                      <a:solidFill>
+                        <a:schemeClr val="tx1"/>
+                      </a:solidFill>
+                      <a:prstDash val="solid"/>
+                      <a:round/>
+                      <a:headEnd type="none" w="med" len="med"/>
+                      <a:tailEnd type="none" w="med" len="med"/>
+                    </a:lnT>
+                    <a:lnB w="6350" cap="flat" cmpd="sng" algn="ctr">
+                      <a:solidFill>
+                        <a:schemeClr val="tx1"/>
+                      </a:solidFill>
+                      <a:prstDash val="solid"/>
+                      <a:round/>
+                      <a:headEnd type="none" w="med" len="med"/>
+                      <a:tailEnd type="none" w="med" len="med"/>
+                    </a:lnB>
+                    <a:lnTlToBr w="12700" cmpd="sng">
+                      <a:noFill/>
+                      <a:prstDash val="solid"/>
+                    </a:lnTlToBr>
+                    <a:lnBlToTr w="12700" cmpd="sng">
+                      <a:noFill/>
+                      <a:prstDash val="solid"/>
+                    </a:lnBlToTr>
+                    <a:solidFill>
+                      <a:srgbClr val="C00000"/>
+                    </a:solidFill>
+                  </a:tcPr>
+                </a:tc>
+                <a:extLst>
+                  <a:ext uri="{0D108BD9-81ED-4DB2-BD59-A6C34878D82A}">
+                    <a16:rowId xmlns:a16="http://schemas.microsoft.com/office/drawing/2014/main" val="3330819881"/>
+                  </a:ext>
+                </a:extLst>
+              </a:tr>
+              <a:tr h="2937363">
+                <a:tc>
+                  <a:txBody>
+                    <a:bodyPr/>
+                    <a:lstStyle/>
+                    <a:p>
+                      <a:pPr marL="0" marR="0" lvl="0" indent="0" algn="l" defTabSz="914400" rtl="0" eaLnBrk="1" fontAlgn="auto" latinLnBrk="0" hangingPunct="1">
+                        <a:lnSpc>
+                          <a:spcPct val="100000"/>
+                        </a:lnSpc>
+                        <a:spcBef>
+                          <a:spcPts val="0"/>
+                        </a:spcBef>
+                        <a:spcAft>
+                          <a:spcPts val="600"/>
+                        </a:spcAft>
+                        <a:buClrTx/>
+                        <a:buSzTx/>
+                        <a:buFontTx/>
+                        <a:buNone/>
+                        <a:tabLst/>
+                        <a:defRPr/>
+                      </a:pPr>
+                      <a:r>
+                        <a:rPr lang="en-US" sz="1600" b="1" dirty="0">
+                          <a:latin typeface="Courier New" panose="02070309020205020404" pitchFamily="49" charset="0"/>
+                          <a:cs typeface="Courier New" panose="02070309020205020404" pitchFamily="49" charset="0"/>
+                        </a:rPr>
+                        <a:t>from random import </a:t>
+                      </a:r>
+                      <a:r>
+                        <a:rPr lang="en-US" sz="1600" b="1" dirty="0" err="1">
+                          <a:latin typeface="Courier New" panose="02070309020205020404" pitchFamily="49" charset="0"/>
+                          <a:cs typeface="Courier New" panose="02070309020205020404" pitchFamily="49" charset="0"/>
+                        </a:rPr>
+                        <a:t>randint</a:t>
+                      </a:r>
+                      <a:r>
+                        <a:rPr lang="en-US" sz="1600" b="1" dirty="0">
+                          <a:latin typeface="Courier New" panose="02070309020205020404" pitchFamily="49" charset="0"/>
+                          <a:cs typeface="Courier New" panose="02070309020205020404" pitchFamily="49" charset="0"/>
+                        </a:rPr>
+                        <a:t>, choice</a:t>
+                      </a:r>
+                      <a:endParaRPr lang="da-DK" sz="1600" b="1" dirty="0">
+                        <a:latin typeface="Courier New" panose="02070309020205020404" pitchFamily="49" charset="0"/>
+                        <a:cs typeface="Courier New" panose="02070309020205020404" pitchFamily="49" charset="0"/>
+                      </a:endParaRPr>
+                    </a:p>
+                    <a:p>
+                      <a:pPr marL="0" marR="0" lvl="0" indent="0" algn="l" defTabSz="914400" rtl="0" eaLnBrk="1" fontAlgn="auto" latinLnBrk="0" hangingPunct="1">
+                        <a:lnSpc>
+                          <a:spcPct val="100000"/>
+                        </a:lnSpc>
+                        <a:spcBef>
+                          <a:spcPts val="0"/>
+                        </a:spcBef>
+                        <a:spcAft>
+                          <a:spcPts val="600"/>
+                        </a:spcAft>
+                        <a:buClrTx/>
+                        <a:buSzTx/>
+                        <a:buFontTx/>
+                        <a:buNone/>
+                        <a:tabLst/>
+                        <a:defRPr/>
+                      </a:pPr>
+                      <a:r>
+                        <a:rPr lang="en-US" sz="1600" b="1" dirty="0">
+                          <a:latin typeface="Courier New" panose="02070309020205020404" pitchFamily="49" charset="0"/>
+                          <a:cs typeface="Courier New" panose="02070309020205020404" pitchFamily="49" charset="0"/>
+                        </a:rPr>
+                        <a:t>STEPS = 1000000</a:t>
+                      </a:r>
+                    </a:p>
+                    <a:p>
+                      <a:r>
+                        <a:rPr lang="da-DK" sz="1600" b="1" dirty="0">
+                          <a:solidFill>
+                            <a:schemeClr val="bg1">
+                              <a:lumMod val="50000"/>
+                            </a:schemeClr>
+                          </a:solidFill>
+                          <a:latin typeface="Courier New" panose="02070309020205020404" pitchFamily="49" charset="0"/>
+                          <a:cs typeface="Courier New" panose="02070309020205020404" pitchFamily="49" charset="0"/>
+                        </a:rPr>
+                        <a:t>#</a:t>
+                      </a:r>
+                      <a:r>
+                        <a:rPr lang="en-US" sz="1600" b="1" dirty="0">
+                          <a:solidFill>
+                            <a:schemeClr val="bg1">
+                              <a:lumMod val="50000"/>
+                            </a:schemeClr>
+                          </a:solidFill>
+                          <a:latin typeface="Courier New" panose="02070309020205020404" pitchFamily="49" charset="0"/>
+                          <a:cs typeface="Courier New" panose="02070309020205020404" pitchFamily="49" charset="0"/>
+                        </a:rPr>
+                        <a:t> </a:t>
+                      </a:r>
+                      <a:r>
+                        <a:rPr lang="en-US" sz="1600" b="1" dirty="0" err="1">
+                          <a:solidFill>
+                            <a:schemeClr val="bg1">
+                              <a:lumMod val="50000"/>
+                            </a:schemeClr>
+                          </a:solidFill>
+                          <a:latin typeface="Courier New" panose="02070309020205020404" pitchFamily="49" charset="0"/>
+                          <a:cs typeface="Courier New" panose="02070309020205020404" pitchFamily="49" charset="0"/>
+                        </a:rPr>
+                        <a:t>adjacency_list</a:t>
+                      </a:r>
+                      <a:r>
+                        <a:rPr lang="en-US" sz="1600" b="1" dirty="0">
+                          <a:solidFill>
+                            <a:schemeClr val="bg1">
+                              <a:lumMod val="50000"/>
+                            </a:schemeClr>
+                          </a:solidFill>
+                          <a:latin typeface="Courier New" panose="02070309020205020404" pitchFamily="49" charset="0"/>
+                          <a:cs typeface="Courier New" panose="02070309020205020404" pitchFamily="49" charset="0"/>
+                        </a:rPr>
+                        <a:t>[i] is a list of all j where (i, j) is an edge of the graph.</a:t>
+                      </a:r>
+                    </a:p>
+                    <a:p>
+                      <a:pPr>
+                        <a:spcAft>
+                          <a:spcPts val="600"/>
+                        </a:spcAft>
+                      </a:pPr>
+                      <a:r>
+                        <a:rPr lang="en-US" sz="1600" b="1" dirty="0" err="1">
+                          <a:solidFill>
+                            <a:schemeClr val="accent1">
+                              <a:lumMod val="50000"/>
+                            </a:schemeClr>
+                          </a:solidFill>
+                          <a:latin typeface="Courier New" panose="02070309020205020404" pitchFamily="49" charset="0"/>
+                          <a:cs typeface="Courier New" panose="02070309020205020404" pitchFamily="49" charset="0"/>
+                        </a:rPr>
+                        <a:t>adjacency_list</a:t>
+                      </a:r>
+                      <a:r>
+                        <a:rPr lang="en-US" sz="1600" b="1" dirty="0">
+                          <a:latin typeface="Courier New" panose="02070309020205020404" pitchFamily="49" charset="0"/>
+                          <a:cs typeface="Courier New" panose="02070309020205020404" pitchFamily="49" charset="0"/>
+                        </a:rPr>
+                        <a:t> =</a:t>
+                      </a:r>
+                      <a:r>
+                        <a:rPr lang="en-US" sz="1600" b="1" baseline="0" dirty="0">
+                          <a:latin typeface="Courier New" panose="02070309020205020404" pitchFamily="49" charset="0"/>
+                          <a:cs typeface="Courier New" panose="02070309020205020404" pitchFamily="49" charset="0"/>
+                        </a:rPr>
+                        <a:t> [[j for j, e in enumerate(row) if e] for row in G]</a:t>
+                      </a:r>
+                      <a:endParaRPr lang="en-US" sz="1600" b="1" dirty="0">
+                        <a:latin typeface="Courier New" panose="02070309020205020404" pitchFamily="49" charset="0"/>
+                        <a:cs typeface="Courier New" panose="02070309020205020404" pitchFamily="49" charset="0"/>
+                      </a:endParaRPr>
+                    </a:p>
+                    <a:p>
+                      <a:r>
+                        <a:rPr lang="en-US" sz="1600" b="1" dirty="0">
+                          <a:latin typeface="Courier New" panose="02070309020205020404" pitchFamily="49" charset="0"/>
+                          <a:cs typeface="Courier New" panose="02070309020205020404" pitchFamily="49" charset="0"/>
+                        </a:rPr>
+                        <a:t>count = </a:t>
+                      </a:r>
+                      <a:r>
+                        <a:rPr lang="en-US" sz="1600" b="1" dirty="0" err="1">
+                          <a:latin typeface="Courier New" panose="02070309020205020404" pitchFamily="49" charset="0"/>
+                          <a:cs typeface="Courier New" panose="02070309020205020404" pitchFamily="49" charset="0"/>
+                        </a:rPr>
+                        <a:t>np.zeros</a:t>
+                      </a:r>
+                      <a:r>
+                        <a:rPr lang="en-US" sz="1600" b="1" dirty="0">
+                          <a:latin typeface="Courier New" panose="02070309020205020404" pitchFamily="49" charset="0"/>
+                          <a:cs typeface="Courier New" panose="02070309020205020404" pitchFamily="49" charset="0"/>
+                        </a:rPr>
+                        <a:t>(n)         </a:t>
+                      </a:r>
+                      <a:r>
+                        <a:rPr lang="en-US" sz="1600" b="1" dirty="0">
+                          <a:solidFill>
+                            <a:schemeClr val="bg1">
+                              <a:lumMod val="50000"/>
+                            </a:schemeClr>
+                          </a:solidFill>
+                          <a:latin typeface="Courier New" panose="02070309020205020404" pitchFamily="49" charset="0"/>
+                          <a:cs typeface="Courier New" panose="02070309020205020404" pitchFamily="49" charset="0"/>
+                        </a:rPr>
+                        <a:t># histogram over number of node visits</a:t>
+                      </a:r>
+                    </a:p>
+                    <a:p>
+                      <a:r>
+                        <a:rPr lang="en-US" sz="1600" b="1" dirty="0">
+                          <a:latin typeface="Courier New" panose="02070309020205020404" pitchFamily="49" charset="0"/>
+                          <a:cs typeface="Courier New" panose="02070309020205020404" pitchFamily="49" charset="0"/>
+                        </a:rPr>
+                        <a:t>state = 0                   </a:t>
+                      </a:r>
+                      <a:r>
+                        <a:rPr lang="en-US" sz="1600" b="1" dirty="0">
+                          <a:solidFill>
+                            <a:schemeClr val="bg1">
+                              <a:lumMod val="50000"/>
+                            </a:schemeClr>
+                          </a:solidFill>
+                          <a:latin typeface="Courier New" panose="02070309020205020404" pitchFamily="49" charset="0"/>
+                          <a:cs typeface="Courier New" panose="02070309020205020404" pitchFamily="49" charset="0"/>
+                        </a:rPr>
+                        <a:t># start at node with index 0</a:t>
+                      </a:r>
+                    </a:p>
+                    <a:p>
+                      <a:r>
+                        <a:rPr lang="en-US" sz="1600" b="1" dirty="0">
+                          <a:latin typeface="Courier New" panose="02070309020205020404" pitchFamily="49" charset="0"/>
+                          <a:cs typeface="Courier New" panose="02070309020205020404" pitchFamily="49" charset="0"/>
+                        </a:rPr>
+                        <a:t>for _ in range(STEPS):</a:t>
+                      </a:r>
+                    </a:p>
+                    <a:p>
+                      <a:r>
+                        <a:rPr lang="en-US" sz="1600" b="1" dirty="0">
+                          <a:latin typeface="Courier New" panose="02070309020205020404" pitchFamily="49" charset="0"/>
+                          <a:cs typeface="Courier New" panose="02070309020205020404" pitchFamily="49" charset="0"/>
+                        </a:rPr>
+                        <a:t>    count[state] += 1       </a:t>
+                      </a:r>
+                      <a:r>
+                        <a:rPr lang="en-US" sz="1600" b="1" dirty="0">
+                          <a:solidFill>
+                            <a:schemeClr val="bg1">
+                              <a:lumMod val="50000"/>
+                            </a:schemeClr>
+                          </a:solidFill>
+                          <a:latin typeface="Courier New" panose="02070309020205020404" pitchFamily="49" charset="0"/>
+                          <a:cs typeface="Courier New" panose="02070309020205020404" pitchFamily="49" charset="0"/>
+                        </a:rPr>
+                        <a:t># increment count for state</a:t>
+                      </a:r>
+                    </a:p>
+                    <a:p>
+                      <a:r>
+                        <a:rPr lang="en-US" sz="1600" b="1" dirty="0">
+                          <a:latin typeface="Courier New" panose="02070309020205020404" pitchFamily="49" charset="0"/>
+                          <a:cs typeface="Courier New" panose="02070309020205020404" pitchFamily="49" charset="0"/>
+                        </a:rPr>
+                        <a:t>    if </a:t>
+                      </a:r>
+                      <a:r>
+                        <a:rPr lang="en-US" sz="1600" b="1" dirty="0" err="1">
+                          <a:solidFill>
+                            <a:srgbClr val="C00000"/>
+                          </a:solidFill>
+                          <a:latin typeface="Courier New" panose="02070309020205020404" pitchFamily="49" charset="0"/>
+                          <a:cs typeface="Courier New" panose="02070309020205020404" pitchFamily="49" charset="0"/>
+                        </a:rPr>
+                        <a:t>randint</a:t>
+                      </a:r>
+                      <a:r>
+                        <a:rPr lang="en-US" sz="1600" b="1" dirty="0">
+                          <a:latin typeface="Courier New" panose="02070309020205020404" pitchFamily="49" charset="0"/>
+                          <a:cs typeface="Courier New" panose="02070309020205020404" pitchFamily="49" charset="0"/>
+                        </a:rPr>
+                        <a:t>(1, 6) == 6:  </a:t>
+                      </a:r>
+                      <a:r>
+                        <a:rPr lang="en-US" sz="1600" b="1" dirty="0">
+                          <a:solidFill>
+                            <a:schemeClr val="bg1">
+                              <a:lumMod val="50000"/>
+                            </a:schemeClr>
+                          </a:solidFill>
+                          <a:latin typeface="Courier New" panose="02070309020205020404" pitchFamily="49" charset="0"/>
+                          <a:cs typeface="Courier New" panose="02070309020205020404" pitchFamily="49" charset="0"/>
+                        </a:rPr>
+                        <a:t># original paper uses 15% instead of 1/6</a:t>
+                      </a:r>
+                    </a:p>
+                    <a:p>
+                      <a:r>
+                        <a:rPr lang="en-US" sz="1600" b="1" dirty="0">
+                          <a:latin typeface="Courier New" panose="02070309020205020404" pitchFamily="49" charset="0"/>
+                          <a:cs typeface="Courier New" panose="02070309020205020404" pitchFamily="49" charset="0"/>
+                        </a:rPr>
+                        <a:t>        state = </a:t>
+                      </a:r>
+                      <a:r>
+                        <a:rPr lang="en-US" sz="1600" b="1" dirty="0" err="1">
+                          <a:solidFill>
+                            <a:srgbClr val="C00000"/>
+                          </a:solidFill>
+                          <a:latin typeface="Courier New" panose="02070309020205020404" pitchFamily="49" charset="0"/>
+                          <a:cs typeface="Courier New" panose="02070309020205020404" pitchFamily="49" charset="0"/>
+                        </a:rPr>
+                        <a:t>randint</a:t>
+                      </a:r>
+                      <a:r>
+                        <a:rPr lang="en-US" sz="1600" b="1" dirty="0">
+                          <a:latin typeface="Courier New" panose="02070309020205020404" pitchFamily="49" charset="0"/>
+                          <a:cs typeface="Courier New" panose="02070309020205020404" pitchFamily="49" charset="0"/>
+                        </a:rPr>
+                        <a:t>(0, 5)</a:t>
+                      </a:r>
+                    </a:p>
+                    <a:p>
+                      <a:r>
+                        <a:rPr lang="en-US" sz="1600" b="1" dirty="0">
+                          <a:latin typeface="Courier New" panose="02070309020205020404" pitchFamily="49" charset="0"/>
+                          <a:cs typeface="Courier New" panose="02070309020205020404" pitchFamily="49" charset="0"/>
+                        </a:rPr>
+                        <a:t>    else:</a:t>
+                      </a:r>
+                    </a:p>
+                    <a:p>
+                      <a:r>
+                        <a:rPr lang="en-US" sz="1600" b="1" dirty="0">
+                          <a:latin typeface="Courier New" panose="02070309020205020404" pitchFamily="49" charset="0"/>
+                          <a:cs typeface="Courier New" panose="02070309020205020404" pitchFamily="49" charset="0"/>
+                        </a:rPr>
+                        <a:t>        state = choice(</a:t>
+                      </a:r>
+                      <a:r>
+                        <a:rPr lang="en-US" sz="1600" b="1" dirty="0" err="1">
+                          <a:solidFill>
+                            <a:schemeClr val="accent1">
+                              <a:lumMod val="50000"/>
+                            </a:schemeClr>
+                          </a:solidFill>
+                          <a:latin typeface="Courier New" panose="02070309020205020404" pitchFamily="49" charset="0"/>
+                          <a:cs typeface="Courier New" panose="02070309020205020404" pitchFamily="49" charset="0"/>
+                        </a:rPr>
+                        <a:t>adjacency_list</a:t>
+                      </a:r>
+                      <a:r>
+                        <a:rPr lang="en-US" sz="1600" b="1" dirty="0">
+                          <a:latin typeface="Courier New" panose="02070309020205020404" pitchFamily="49" charset="0"/>
+                          <a:cs typeface="Courier New" panose="02070309020205020404" pitchFamily="49" charset="0"/>
+                        </a:rPr>
+                        <a:t>[state])</a:t>
+                      </a:r>
+                    </a:p>
+                    <a:p>
+                      <a:pPr>
+                        <a:spcBef>
+                          <a:spcPts val="600"/>
+                        </a:spcBef>
+                      </a:pPr>
+                      <a:r>
+                        <a:rPr lang="en-US" sz="1600" b="1" dirty="0">
+                          <a:latin typeface="Courier New" panose="02070309020205020404" pitchFamily="49" charset="0"/>
+                          <a:cs typeface="Courier New" panose="02070309020205020404" pitchFamily="49" charset="0"/>
+                        </a:rPr>
+                        <a:t>print(</a:t>
+                      </a:r>
+                      <a:r>
+                        <a:rPr lang="en-US" sz="1600" b="1" dirty="0" err="1">
+                          <a:solidFill>
+                            <a:schemeClr val="accent1">
+                              <a:lumMod val="50000"/>
+                            </a:schemeClr>
+                          </a:solidFill>
+                          <a:latin typeface="Courier New" panose="02070309020205020404" pitchFamily="49" charset="0"/>
+                          <a:cs typeface="Courier New" panose="02070309020205020404" pitchFamily="49" charset="0"/>
+                        </a:rPr>
+                        <a:t>adjacency_list</a:t>
+                      </a:r>
+                      <a:r>
+                        <a:rPr lang="en-US" sz="1600" b="1" dirty="0">
+                          <a:latin typeface="Courier New" panose="02070309020205020404" pitchFamily="49" charset="0"/>
+                          <a:cs typeface="Courier New" panose="02070309020205020404" pitchFamily="49" charset="0"/>
+                        </a:rPr>
+                        <a:t>, count / STEPS, </a:t>
+                      </a:r>
+                      <a:r>
+                        <a:rPr lang="en-US" sz="1600" b="1" dirty="0" err="1">
+                          <a:latin typeface="Courier New" panose="02070309020205020404" pitchFamily="49" charset="0"/>
+                          <a:cs typeface="Courier New" panose="02070309020205020404" pitchFamily="49" charset="0"/>
+                        </a:rPr>
+                        <a:t>sep</a:t>
+                      </a:r>
+                      <a:r>
+                        <a:rPr lang="en-US" sz="1600" b="1" dirty="0">
+                          <a:latin typeface="Courier New" panose="02070309020205020404" pitchFamily="49" charset="0"/>
+                          <a:cs typeface="Courier New" panose="02070309020205020404" pitchFamily="49" charset="0"/>
+                        </a:rPr>
+                        <a:t>='\n')</a:t>
+                      </a:r>
+                    </a:p>
+                  </a:txBody>
+                  <a:tcPr>
+                    <a:lnL w="6350" cap="flat" cmpd="sng" algn="ctr">
+                      <a:solidFill>
+                        <a:schemeClr val="tx1"/>
+                      </a:solidFill>
+                      <a:prstDash val="solid"/>
+                      <a:round/>
+                      <a:headEnd type="none" w="med" len="med"/>
+                      <a:tailEnd type="none" w="med" len="med"/>
+                    </a:lnL>
+                    <a:lnR w="6350" cap="flat" cmpd="sng" algn="ctr">
+                      <a:solidFill>
+                        <a:schemeClr val="tx1"/>
+                      </a:solidFill>
+                      <a:prstDash val="solid"/>
+                      <a:round/>
+                      <a:headEnd type="none" w="med" len="med"/>
+                      <a:tailEnd type="none" w="med" len="med"/>
+                    </a:lnR>
+                    <a:lnT w="6350" cap="flat" cmpd="sng" algn="ctr">
+                      <a:solidFill>
+                        <a:schemeClr val="tx1"/>
+                      </a:solidFill>
+                      <a:prstDash val="solid"/>
+                      <a:round/>
+                      <a:headEnd type="none" w="med" len="med"/>
+                      <a:tailEnd type="none" w="med" len="med"/>
+                    </a:lnT>
+                    <a:lnB w="6350" cap="flat" cmpd="sng" algn="ctr">
+                      <a:solidFill>
+                        <a:schemeClr val="tx1"/>
+                      </a:solidFill>
+                      <a:prstDash val="solid"/>
+                      <a:round/>
+                      <a:headEnd type="none" w="med" len="med"/>
+                      <a:tailEnd type="none" w="med" len="med"/>
+                    </a:lnB>
+                    <a:lnTlToBr w="12700" cmpd="sng">
+                      <a:noFill/>
+                      <a:prstDash val="solid"/>
+                    </a:lnTlToBr>
+                    <a:lnBlToTr w="12700" cmpd="sng">
+                      <a:noFill/>
+                      <a:prstDash val="solid"/>
+                    </a:lnBlToTr>
+                    <a:solidFill>
+                      <a:schemeClr val="accent5">
+                        <a:lumMod val="20000"/>
+                        <a:lumOff val="80000"/>
+                      </a:schemeClr>
+                    </a:solidFill>
+                  </a:tcPr>
+                </a:tc>
+                <a:extLst>
+                  <a:ext uri="{0D108BD9-81ED-4DB2-BD59-A6C34878D82A}">
+                    <a16:rowId xmlns:a16="http://schemas.microsoft.com/office/drawing/2014/main" val="4112970457"/>
+                  </a:ext>
+                </a:extLst>
+              </a:tr>
+              <a:tr h="232453">
+                <a:tc>
+                  <a:txBody>
+                    <a:bodyPr/>
+                    <a:lstStyle/>
+                    <a:p>
+                      <a:r>
+                        <a:rPr lang="da-DK" sz="1600" b="1" dirty="0" err="1">
+                          <a:solidFill>
+                            <a:schemeClr val="bg1"/>
+                          </a:solidFill>
+                          <a:latin typeface="Courier New" panose="02070309020205020404" pitchFamily="49" charset="0"/>
+                          <a:cs typeface="Courier New" panose="02070309020205020404" pitchFamily="49" charset="0"/>
+                        </a:rPr>
+                        <a:t>Python</a:t>
+                      </a:r>
+                      <a:r>
+                        <a:rPr lang="da-DK" sz="1600" b="1" dirty="0">
+                          <a:solidFill>
+                            <a:schemeClr val="bg1"/>
+                          </a:solidFill>
+                          <a:latin typeface="Courier New" panose="02070309020205020404" pitchFamily="49" charset="0"/>
+                          <a:cs typeface="Courier New" panose="02070309020205020404" pitchFamily="49" charset="0"/>
+                        </a:rPr>
+                        <a:t> </a:t>
+                      </a:r>
+                      <a:r>
+                        <a:rPr lang="da-DK" sz="1600" b="1" dirty="0" err="1">
+                          <a:solidFill>
+                            <a:schemeClr val="bg1"/>
+                          </a:solidFill>
+                          <a:latin typeface="Courier New" panose="02070309020205020404" pitchFamily="49" charset="0"/>
+                          <a:cs typeface="Courier New" panose="02070309020205020404" pitchFamily="49" charset="0"/>
+                        </a:rPr>
+                        <a:t>shell</a:t>
+                      </a:r>
+                      <a:endParaRPr lang="da-DK" sz="1600" b="1" dirty="0">
+                        <a:solidFill>
+                          <a:schemeClr val="bg1"/>
+                        </a:solidFill>
+                        <a:latin typeface="Courier New" panose="02070309020205020404" pitchFamily="49" charset="0"/>
+                        <a:cs typeface="Courier New" panose="02070309020205020404" pitchFamily="49" charset="0"/>
+                      </a:endParaRPr>
+                    </a:p>
+                  </a:txBody>
+                  <a:tcPr>
+                    <a:lnL w="6350" cap="flat" cmpd="sng" algn="ctr">
+                      <a:solidFill>
+                        <a:schemeClr val="tx1"/>
+                      </a:solidFill>
+                      <a:prstDash val="solid"/>
+                      <a:round/>
+                      <a:headEnd type="none" w="med" len="med"/>
+                      <a:tailEnd type="none" w="med" len="med"/>
+                    </a:lnL>
+                    <a:lnR w="6350" cap="flat" cmpd="sng" algn="ctr">
+                      <a:solidFill>
+                        <a:schemeClr val="tx1"/>
+                      </a:solidFill>
+                      <a:prstDash val="solid"/>
+                      <a:round/>
+                      <a:headEnd type="none" w="med" len="med"/>
+                      <a:tailEnd type="none" w="med" len="med"/>
+                    </a:lnR>
+                    <a:lnT w="6350" cap="flat" cmpd="sng" algn="ctr">
+                      <a:solidFill>
+                        <a:schemeClr val="tx1"/>
+                      </a:solidFill>
+                      <a:prstDash val="solid"/>
+                      <a:round/>
+                      <a:headEnd type="none" w="med" len="med"/>
+                      <a:tailEnd type="none" w="med" len="med"/>
+                    </a:lnT>
+                    <a:lnB w="6350" cap="flat" cmpd="sng" algn="ctr">
+                      <a:solidFill>
+                        <a:schemeClr val="tx1"/>
+                      </a:solidFill>
+                      <a:prstDash val="solid"/>
+                      <a:round/>
+                      <a:headEnd type="none" w="med" len="med"/>
+                      <a:tailEnd type="none" w="med" len="med"/>
+                    </a:lnB>
+                    <a:lnTlToBr w="12700" cmpd="sng">
+                      <a:noFill/>
+                      <a:prstDash val="solid"/>
+                    </a:lnTlToBr>
+                    <a:lnBlToTr w="12700" cmpd="sng">
+                      <a:noFill/>
+                      <a:prstDash val="solid"/>
+                    </a:lnBlToTr>
+                    <a:solidFill>
+                      <a:srgbClr val="C00000"/>
+                    </a:solidFill>
+                  </a:tcPr>
+                </a:tc>
+                <a:extLst>
+                  <a:ext uri="{0D108BD9-81ED-4DB2-BD59-A6C34878D82A}">
+                    <a16:rowId xmlns:a16="http://schemas.microsoft.com/office/drawing/2014/main" val="2202042958"/>
+                  </a:ext>
+                </a:extLst>
+              </a:tr>
+              <a:tr h="232453">
+                <a:tc>
+                  <a:txBody>
+                    <a:bodyPr/>
+                    <a:lstStyle/>
+                    <a:p>
+                      <a:pPr marL="266700" indent="-266700">
+                        <a:buClr>
+                          <a:schemeClr val="accent1">
+                            <a:lumMod val="50000"/>
+                          </a:schemeClr>
+                        </a:buClr>
+                        <a:buSzPct val="120000"/>
+                        <a:buFont typeface="Courier New" panose="02070309020205020404" pitchFamily="49" charset="0"/>
+                        <a:buChar char="|"/>
+                      </a:pPr>
+                      <a:r>
+                        <a:rPr lang="pt-BR" sz="1600" b="1" baseline="0" dirty="0">
+                          <a:solidFill>
+                            <a:schemeClr val="accent1">
+                              <a:lumMod val="50000"/>
+                            </a:schemeClr>
+                          </a:solidFill>
+                          <a:latin typeface="Courier New" panose="02070309020205020404" pitchFamily="49" charset="0"/>
+                          <a:cs typeface="Courier New" panose="02070309020205020404" pitchFamily="49" charset="0"/>
+                        </a:rPr>
+                        <a:t>[[1], [3], [0, 1], [1, 4], [1, 5], [1]]</a:t>
+                      </a:r>
+                      <a:br>
+                        <a:rPr lang="pt-BR" sz="1600" b="1" baseline="0" dirty="0">
+                          <a:latin typeface="Courier New" panose="02070309020205020404" pitchFamily="49" charset="0"/>
+                          <a:cs typeface="Courier New" panose="02070309020205020404" pitchFamily="49" charset="0"/>
+                        </a:rPr>
+                      </a:br>
+                      <a:r>
+                        <a:rPr lang="pt-BR" sz="1600" b="1" baseline="0" dirty="0">
+                          <a:latin typeface="Courier New" panose="02070309020205020404" pitchFamily="49" charset="0"/>
+                          <a:cs typeface="Courier New" panose="02070309020205020404" pitchFamily="49" charset="0"/>
+                        </a:rPr>
+                        <a:t>[0.039365 0.353211 0.02751  0.322593 0.1623   0.095021]</a:t>
+                      </a:r>
+                    </a:p>
+                  </a:txBody>
+                  <a:tcPr>
+                    <a:lnL w="6350" cap="flat" cmpd="sng" algn="ctr">
+                      <a:solidFill>
+                        <a:schemeClr val="tx1"/>
+                      </a:solidFill>
+                      <a:prstDash val="solid"/>
+                      <a:round/>
+                      <a:headEnd type="none" w="med" len="med"/>
+                      <a:tailEnd type="none" w="med" len="med"/>
+                    </a:lnL>
+                    <a:lnR w="6350" cap="flat" cmpd="sng" algn="ctr">
+                      <a:solidFill>
+                        <a:schemeClr val="tx1"/>
+                      </a:solidFill>
+                      <a:prstDash val="solid"/>
+                      <a:round/>
+                      <a:headEnd type="none" w="med" len="med"/>
+                      <a:tailEnd type="none" w="med" len="med"/>
+                    </a:lnR>
+                    <a:lnT w="6350" cap="flat" cmpd="sng" algn="ctr">
+                      <a:solidFill>
+                        <a:schemeClr val="tx1"/>
+                      </a:solidFill>
+                      <a:prstDash val="solid"/>
+                      <a:round/>
+                      <a:headEnd type="none" w="med" len="med"/>
+                      <a:tailEnd type="none" w="med" len="med"/>
+                    </a:lnT>
+                    <a:lnB w="6350" cap="flat" cmpd="sng" algn="ctr">
+                      <a:solidFill>
+                        <a:schemeClr val="tx1"/>
+                      </a:solidFill>
+                      <a:prstDash val="solid"/>
+                      <a:round/>
+                      <a:headEnd type="none" w="med" len="med"/>
+                      <a:tailEnd type="none" w="med" len="med"/>
+                    </a:lnB>
+                    <a:lnTlToBr w="12700" cmpd="sng">
+                      <a:noFill/>
+                      <a:prstDash val="solid"/>
+                    </a:lnTlToBr>
+                    <a:lnBlToTr w="12700" cmpd="sng">
+                      <a:noFill/>
+                      <a:prstDash val="solid"/>
+                    </a:lnBlToTr>
+                    <a:solidFill>
+                      <a:schemeClr val="accent5">
+                        <a:lumMod val="20000"/>
+                        <a:lumOff val="80000"/>
+                      </a:schemeClr>
+                    </a:solidFill>
+                  </a:tcPr>
+                </a:tc>
+                <a:extLst>
+                  <a:ext uri="{0D108BD9-81ED-4DB2-BD59-A6C34878D82A}">
+                    <a16:rowId xmlns:a16="http://schemas.microsoft.com/office/drawing/2014/main" val="25355368"/>
+                  </a:ext>
+                </a:extLst>
+              </a:tr>
+            </a:tbl>
+          </a:graphicData>
+        </a:graphic>
+      </p:graphicFrame>
+      <p:sp>
+        <p:nvSpPr>
+          <p:cNvPr id="2" name="Title 1"/>
+          <p:cNvSpPr>
+            <a:spLocks noGrp="1"/>
+          </p:cNvSpPr>
+          <p:nvPr>
+            <p:ph type="title"/>
+          </p:nvPr>
+        </p:nvSpPr>
+        <p:spPr/>
+        <p:txBody>
+          <a:bodyPr/>
+          <a:lstStyle/>
+          <a:p>
+            <a:r>
+              <a:rPr lang="da-DK" dirty="0"/>
+              <a:t> </a:t>
+            </a:r>
+            <a:endParaRPr lang="en-US" dirty="0"/>
+          </a:p>
+        </p:txBody>
+      </p:sp>
+      <p:grpSp>
+        <p:nvGrpSpPr>
+          <p:cNvPr id="15" name="Group 14"/>
+          <p:cNvGrpSpPr/>
+          <p:nvPr/>
+        </p:nvGrpSpPr>
+        <p:grpSpPr>
+          <a:xfrm>
+            <a:off x="8991391" y="4185121"/>
+            <a:ext cx="2792916" cy="1874255"/>
+            <a:chOff x="8792860" y="2628237"/>
+            <a:chExt cx="2792916" cy="1874255"/>
+          </a:xfrm>
+        </p:grpSpPr>
+        <p:pic>
+          <p:nvPicPr>
+            <p:cNvPr id="7" name="Picture 6"/>
+            <p:cNvPicPr>
+              <a:picLocks noChangeAspect="1"/>
+            </p:cNvPicPr>
+            <p:nvPr/>
+          </p:nvPicPr>
+          <p:blipFill>
+            <a:blip r:embed="rId2" cstate="print">
+              <a:extLst>
+                <a:ext uri="{28A0092B-C50C-407E-A947-70E740481C1C}">
+                  <a14:useLocalDpi xmlns:a14="http://schemas.microsoft.com/office/drawing/2010/main" val="0"/>
+                </a:ext>
+              </a:extLst>
+            </a:blip>
+            <a:stretch>
+              <a:fillRect/>
+            </a:stretch>
+          </p:blipFill>
+          <p:spPr>
+            <a:xfrm>
+              <a:off x="8792860" y="2628237"/>
+              <a:ext cx="2792916" cy="1874255"/>
+            </a:xfrm>
+            <a:prstGeom prst="rect">
+              <a:avLst/>
+            </a:prstGeom>
+            <a:solidFill>
+              <a:schemeClr val="bg1"/>
+            </a:solidFill>
+            <a:ln w="6350">
+              <a:solidFill>
+                <a:schemeClr val="tx1"/>
+              </a:solidFill>
+            </a:ln>
+          </p:spPr>
+        </p:pic>
+        <p:sp>
+          <p:nvSpPr>
+            <p:cNvPr id="8" name="Rectangle 7"/>
+            <p:cNvSpPr/>
+            <p:nvPr/>
+          </p:nvSpPr>
+          <p:spPr>
+            <a:xfrm>
+              <a:off x="8874887" y="3638879"/>
               <a:ext cx="176514" cy="68396"/>
             </a:xfrm>
             <a:prstGeom prst="rect">
@@ -22260,7 +24733,7 @@
           </p:nvSpPr>
           <p:spPr>
             <a:xfrm>
-              <a:off x="10536819" y="3226170"/>
+              <a:off x="10536819" y="3218230"/>
               <a:ext cx="176514" cy="68396"/>
             </a:xfrm>
             <a:prstGeom prst="rect">
@@ -22308,7 +24781,7 @@
           </p:nvSpPr>
           <p:spPr>
             <a:xfrm>
-              <a:off x="11143526" y="3091213"/>
+              <a:off x="11143526" y="3079783"/>
               <a:ext cx="176514" cy="68396"/>
             </a:xfrm>
             <a:prstGeom prst="rect">
@@ -22344,7 +24817,7 @@
             <a:lstStyle/>
             <a:p>
               <a:pPr algn="ctr"/>
-              <a:endParaRPr lang="en-US"/>
+              <a:endParaRPr lang="en-US" dirty="0"/>
             </a:p>
           </p:txBody>
         </p:sp>
@@ -22487,1248 +24960,6 @@
           </a:lstStyle>
           <a:p>
             <a:r>
-              <a:rPr lang="da-DK" dirty="0" err="1"/>
-              <a:t>Adjacency</a:t>
-            </a:r>
-            <a:r>
-              <a:rPr lang="da-DK" dirty="0"/>
-              <a:t> matrix and </a:t>
-            </a:r>
-            <a:r>
-              <a:rPr lang="da-DK" dirty="0" err="1"/>
-              <a:t>degree</a:t>
-            </a:r>
-            <a:r>
-              <a:rPr lang="da-DK" dirty="0"/>
-              <a:t> </a:t>
-            </a:r>
-            <a:r>
-              <a:rPr lang="da-DK" dirty="0" err="1"/>
-              <a:t>vector</a:t>
-            </a:r>
-            <a:endParaRPr lang="en-US" dirty="0"/>
-          </a:p>
-        </p:txBody>
-      </p:sp>
-    </p:spTree>
-    <p:extLst>
-      <p:ext uri="{BB962C8B-B14F-4D97-AF65-F5344CB8AC3E}">
-        <p14:creationId xmlns:p14="http://schemas.microsoft.com/office/powerpoint/2010/main" val="4134781063"/>
-      </p:ext>
-    </p:extLst>
-  </p:cSld>
-  <p:clrMapOvr>
-    <a:masterClrMapping/>
-  </p:clrMapOvr>
-</p:sld>
-</file>
-
-<file path=ppt/slides/slide8.xml><?xml version="1.0" encoding="utf-8"?>
-<p:sld xmlns:a="http://schemas.openxmlformats.org/drawingml/2006/main" xmlns:r="http://schemas.openxmlformats.org/officeDocument/2006/relationships" xmlns:p="http://schemas.openxmlformats.org/presentationml/2006/main">
-  <p:cSld>
-    <p:spTree>
-      <p:nvGrpSpPr>
-        <p:cNvPr id="1" name=""/>
-        <p:cNvGrpSpPr/>
-        <p:nvPr/>
-      </p:nvGrpSpPr>
-      <p:grpSpPr>
-        <a:xfrm>
-          <a:off x="0" y="0"/>
-          <a:ext cx="0" cy="0"/>
-          <a:chOff x="0" y="0"/>
-          <a:chExt cx="0" cy="0"/>
-        </a:xfrm>
-      </p:grpSpPr>
-      <p:graphicFrame>
-        <p:nvGraphicFramePr>
-          <p:cNvPr id="14" name="Table 13"/>
-          <p:cNvGraphicFramePr>
-            <a:graphicFrameLocks noGrp="1"/>
-          </p:cNvGraphicFramePr>
-          <p:nvPr>
-            <p:extLst>
-              <p:ext uri="{D42A27DB-BD31-4B8C-83A1-F6EECF244321}">
-                <p14:modId xmlns:p14="http://schemas.microsoft.com/office/powerpoint/2010/main" val="3704874133"/>
-              </p:ext>
-            </p:extLst>
-          </p:nvPr>
-        </p:nvGraphicFramePr>
-        <p:xfrm>
-          <a:off x="272399" y="1347995"/>
-          <a:ext cx="11647202" cy="4815840"/>
-        </p:xfrm>
-        <a:graphic>
-          <a:graphicData uri="http://schemas.openxmlformats.org/drawingml/2006/table">
-            <a:tbl>
-              <a:tblPr firstRow="1" bandRow="1">
-                <a:tableStyleId>{5C22544A-7EE6-4342-B048-85BDC9FD1C3A}</a:tableStyleId>
-              </a:tblPr>
-              <a:tblGrid>
-                <a:gridCol w="11647202">
-                  <a:extLst>
-                    <a:ext uri="{9D8B030D-6E8A-4147-A177-3AD203B41FA5}">
-                      <a16:colId xmlns:a16="http://schemas.microsoft.com/office/drawing/2014/main" val="1873682825"/>
-                    </a:ext>
-                  </a:extLst>
-                </a:gridCol>
-              </a:tblGrid>
-              <a:tr h="232453">
-                <a:tc>
-                  <a:txBody>
-                    <a:bodyPr/>
-                    <a:lstStyle/>
-                    <a:p>
-                      <a:r>
-                        <a:rPr lang="da-DK" sz="1600" b="1" dirty="0" err="1">
-                          <a:latin typeface="Courier New" panose="02070309020205020404" pitchFamily="49" charset="0"/>
-                          <a:cs typeface="Courier New" panose="02070309020205020404" pitchFamily="49" charset="0"/>
-                        </a:rPr>
-                        <a:t>pagerank.ipynb</a:t>
-                      </a:r>
-                      <a:endParaRPr lang="da-DK" sz="1600" b="1" dirty="0">
-                        <a:latin typeface="Courier New" panose="02070309020205020404" pitchFamily="49" charset="0"/>
-                        <a:cs typeface="Courier New" panose="02070309020205020404" pitchFamily="49" charset="0"/>
-                      </a:endParaRPr>
-                    </a:p>
-                  </a:txBody>
-                  <a:tcPr anchor="ctr">
-                    <a:lnL w="6350" cap="flat" cmpd="sng" algn="ctr">
-                      <a:solidFill>
-                        <a:schemeClr val="tx1"/>
-                      </a:solidFill>
-                      <a:prstDash val="solid"/>
-                      <a:round/>
-                      <a:headEnd type="none" w="med" len="med"/>
-                      <a:tailEnd type="none" w="med" len="med"/>
-                    </a:lnL>
-                    <a:lnR w="6350" cap="flat" cmpd="sng" algn="ctr">
-                      <a:solidFill>
-                        <a:schemeClr val="tx1"/>
-                      </a:solidFill>
-                      <a:prstDash val="solid"/>
-                      <a:round/>
-                      <a:headEnd type="none" w="med" len="med"/>
-                      <a:tailEnd type="none" w="med" len="med"/>
-                    </a:lnR>
-                    <a:lnT w="6350" cap="flat" cmpd="sng" algn="ctr">
-                      <a:solidFill>
-                        <a:schemeClr val="tx1"/>
-                      </a:solidFill>
-                      <a:prstDash val="solid"/>
-                      <a:round/>
-                      <a:headEnd type="none" w="med" len="med"/>
-                      <a:tailEnd type="none" w="med" len="med"/>
-                    </a:lnT>
-                    <a:lnB w="6350" cap="flat" cmpd="sng" algn="ctr">
-                      <a:solidFill>
-                        <a:schemeClr val="tx1"/>
-                      </a:solidFill>
-                      <a:prstDash val="solid"/>
-                      <a:round/>
-                      <a:headEnd type="none" w="med" len="med"/>
-                      <a:tailEnd type="none" w="med" len="med"/>
-                    </a:lnB>
-                    <a:lnTlToBr w="12700" cmpd="sng">
-                      <a:noFill/>
-                      <a:prstDash val="solid"/>
-                    </a:lnTlToBr>
-                    <a:lnBlToTr w="12700" cmpd="sng">
-                      <a:noFill/>
-                      <a:prstDash val="solid"/>
-                    </a:lnBlToTr>
-                    <a:solidFill>
-                      <a:srgbClr val="C00000"/>
-                    </a:solidFill>
-                  </a:tcPr>
-                </a:tc>
-                <a:extLst>
-                  <a:ext uri="{0D108BD9-81ED-4DB2-BD59-A6C34878D82A}">
-                    <a16:rowId xmlns:a16="http://schemas.microsoft.com/office/drawing/2014/main" val="3330819881"/>
-                  </a:ext>
-                </a:extLst>
-              </a:tr>
-              <a:tr h="2937363">
-                <a:tc>
-                  <a:txBody>
-                    <a:bodyPr/>
-                    <a:lstStyle/>
-                    <a:p>
-                      <a:pPr marL="0" marR="0" lvl="0" indent="0" algn="l" defTabSz="914400" rtl="0" eaLnBrk="1" fontAlgn="auto" latinLnBrk="0" hangingPunct="1">
-                        <a:lnSpc>
-                          <a:spcPct val="100000"/>
-                        </a:lnSpc>
-                        <a:spcBef>
-                          <a:spcPts val="0"/>
-                        </a:spcBef>
-                        <a:spcAft>
-                          <a:spcPts val="600"/>
-                        </a:spcAft>
-                        <a:buClrTx/>
-                        <a:buSzTx/>
-                        <a:buFontTx/>
-                        <a:buNone/>
-                        <a:tabLst/>
-                        <a:defRPr/>
-                      </a:pPr>
-                      <a:r>
-                        <a:rPr lang="en-US" sz="1600" b="1" dirty="0">
-                          <a:latin typeface="Courier New" panose="02070309020205020404" pitchFamily="49" charset="0"/>
-                          <a:cs typeface="Courier New" panose="02070309020205020404" pitchFamily="49" charset="0"/>
-                        </a:rPr>
-                        <a:t>from random import </a:t>
-                      </a:r>
-                      <a:r>
-                        <a:rPr lang="en-US" sz="1600" b="1" dirty="0" err="1">
-                          <a:latin typeface="Courier New" panose="02070309020205020404" pitchFamily="49" charset="0"/>
-                          <a:cs typeface="Courier New" panose="02070309020205020404" pitchFamily="49" charset="0"/>
-                        </a:rPr>
-                        <a:t>randint</a:t>
-                      </a:r>
-                      <a:endParaRPr lang="da-DK" sz="1600" b="1" dirty="0">
-                        <a:latin typeface="Courier New" panose="02070309020205020404" pitchFamily="49" charset="0"/>
-                        <a:cs typeface="Courier New" panose="02070309020205020404" pitchFamily="49" charset="0"/>
-                      </a:endParaRPr>
-                    </a:p>
-                    <a:p>
-                      <a:pPr marL="0" marR="0" lvl="0" indent="0" algn="l" defTabSz="914400" rtl="0" eaLnBrk="1" fontAlgn="auto" latinLnBrk="0" hangingPunct="1">
-                        <a:lnSpc>
-                          <a:spcPct val="100000"/>
-                        </a:lnSpc>
-                        <a:spcBef>
-                          <a:spcPts val="0"/>
-                        </a:spcBef>
-                        <a:spcAft>
-                          <a:spcPts val="600"/>
-                        </a:spcAft>
-                        <a:buClrTx/>
-                        <a:buSzTx/>
-                        <a:buFontTx/>
-                        <a:buNone/>
-                        <a:tabLst/>
-                        <a:defRPr/>
-                      </a:pPr>
-                      <a:r>
-                        <a:rPr lang="en-US" sz="1600" b="1" dirty="0">
-                          <a:latin typeface="Courier New" panose="02070309020205020404" pitchFamily="49" charset="0"/>
-                          <a:cs typeface="Courier New" panose="02070309020205020404" pitchFamily="49" charset="0"/>
-                        </a:rPr>
-                        <a:t>STEPS = 1000000</a:t>
-                      </a:r>
-                    </a:p>
-                    <a:p>
-                      <a:r>
-                        <a:rPr lang="da-DK" sz="1600" b="1" dirty="0">
-                          <a:solidFill>
-                            <a:schemeClr val="bg1">
-                              <a:lumMod val="50000"/>
-                            </a:schemeClr>
-                          </a:solidFill>
-                          <a:latin typeface="Courier New" panose="02070309020205020404" pitchFamily="49" charset="0"/>
-                          <a:cs typeface="Courier New" panose="02070309020205020404" pitchFamily="49" charset="0"/>
-                        </a:rPr>
-                        <a:t>#</a:t>
-                      </a:r>
-                      <a:r>
-                        <a:rPr lang="en-US" sz="1600" b="1" dirty="0">
-                          <a:solidFill>
-                            <a:schemeClr val="bg1">
-                              <a:lumMod val="50000"/>
-                            </a:schemeClr>
-                          </a:solidFill>
-                          <a:latin typeface="Courier New" panose="02070309020205020404" pitchFamily="49" charset="0"/>
-                          <a:cs typeface="Courier New" panose="02070309020205020404" pitchFamily="49" charset="0"/>
-                        </a:rPr>
-                        <a:t> </a:t>
-                      </a:r>
-                      <a:r>
-                        <a:rPr lang="en-US" sz="1600" b="1" dirty="0" err="1">
-                          <a:solidFill>
-                            <a:schemeClr val="bg1">
-                              <a:lumMod val="50000"/>
-                            </a:schemeClr>
-                          </a:solidFill>
-                          <a:latin typeface="Courier New" panose="02070309020205020404" pitchFamily="49" charset="0"/>
-                          <a:cs typeface="Courier New" panose="02070309020205020404" pitchFamily="49" charset="0"/>
-                        </a:rPr>
-                        <a:t>adjacency_list</a:t>
-                      </a:r>
-                      <a:r>
-                        <a:rPr lang="en-US" sz="1600" b="1" dirty="0">
-                          <a:solidFill>
-                            <a:schemeClr val="bg1">
-                              <a:lumMod val="50000"/>
-                            </a:schemeClr>
-                          </a:solidFill>
-                          <a:latin typeface="Courier New" panose="02070309020205020404" pitchFamily="49" charset="0"/>
-                          <a:cs typeface="Courier New" panose="02070309020205020404" pitchFamily="49" charset="0"/>
-                        </a:rPr>
-                        <a:t>[i] is a list of all j where (i, j) is an edge of the graph.</a:t>
-                      </a:r>
-                    </a:p>
-                    <a:p>
-                      <a:pPr>
-                        <a:spcAft>
-                          <a:spcPts val="600"/>
-                        </a:spcAft>
-                      </a:pPr>
-                      <a:r>
-                        <a:rPr lang="en-US" sz="1600" b="1" dirty="0" err="1">
-                          <a:solidFill>
-                            <a:schemeClr val="accent1">
-                              <a:lumMod val="50000"/>
-                            </a:schemeClr>
-                          </a:solidFill>
-                          <a:latin typeface="Courier New" panose="02070309020205020404" pitchFamily="49" charset="0"/>
-                          <a:cs typeface="Courier New" panose="02070309020205020404" pitchFamily="49" charset="0"/>
-                        </a:rPr>
-                        <a:t>adjacency_list</a:t>
-                      </a:r>
-                      <a:r>
-                        <a:rPr lang="en-US" sz="1600" b="1" dirty="0">
-                          <a:latin typeface="Courier New" panose="02070309020205020404" pitchFamily="49" charset="0"/>
-                          <a:cs typeface="Courier New" panose="02070309020205020404" pitchFamily="49" charset="0"/>
-                        </a:rPr>
-                        <a:t> =</a:t>
-                      </a:r>
-                      <a:r>
-                        <a:rPr lang="en-US" sz="1600" b="1" baseline="0" dirty="0">
-                          <a:latin typeface="Courier New" panose="02070309020205020404" pitchFamily="49" charset="0"/>
-                          <a:cs typeface="Courier New" panose="02070309020205020404" pitchFamily="49" charset="0"/>
-                        </a:rPr>
-                        <a:t> [[j for j, e in enumerate(row) if e] for row in G]</a:t>
-                      </a:r>
-                      <a:endParaRPr lang="en-US" sz="1600" b="1" dirty="0">
-                        <a:latin typeface="Courier New" panose="02070309020205020404" pitchFamily="49" charset="0"/>
-                        <a:cs typeface="Courier New" panose="02070309020205020404" pitchFamily="49" charset="0"/>
-                      </a:endParaRPr>
-                    </a:p>
-                    <a:p>
-                      <a:r>
-                        <a:rPr lang="en-US" sz="1600" b="1" dirty="0">
-                          <a:latin typeface="Courier New" panose="02070309020205020404" pitchFamily="49" charset="0"/>
-                          <a:cs typeface="Courier New" panose="02070309020205020404" pitchFamily="49" charset="0"/>
-                        </a:rPr>
-                        <a:t>count = </a:t>
-                      </a:r>
-                      <a:r>
-                        <a:rPr lang="en-US" sz="1600" b="1" dirty="0" err="1">
-                          <a:latin typeface="Courier New" panose="02070309020205020404" pitchFamily="49" charset="0"/>
-                          <a:cs typeface="Courier New" panose="02070309020205020404" pitchFamily="49" charset="0"/>
-                        </a:rPr>
-                        <a:t>np.zeros</a:t>
-                      </a:r>
-                      <a:r>
-                        <a:rPr lang="en-US" sz="1600" b="1" dirty="0">
-                          <a:latin typeface="Courier New" panose="02070309020205020404" pitchFamily="49" charset="0"/>
-                          <a:cs typeface="Courier New" panose="02070309020205020404" pitchFamily="49" charset="0"/>
-                        </a:rPr>
-                        <a:t>(n)         </a:t>
-                      </a:r>
-                      <a:r>
-                        <a:rPr lang="en-US" sz="1600" b="1" dirty="0">
-                          <a:solidFill>
-                            <a:schemeClr val="bg1">
-                              <a:lumMod val="50000"/>
-                            </a:schemeClr>
-                          </a:solidFill>
-                          <a:latin typeface="Courier New" panose="02070309020205020404" pitchFamily="49" charset="0"/>
-                          <a:cs typeface="Courier New" panose="02070309020205020404" pitchFamily="49" charset="0"/>
-                        </a:rPr>
-                        <a:t># histogram over number of node visits</a:t>
-                      </a:r>
-                    </a:p>
-                    <a:p>
-                      <a:r>
-                        <a:rPr lang="en-US" sz="1600" b="1" dirty="0">
-                          <a:latin typeface="Courier New" panose="02070309020205020404" pitchFamily="49" charset="0"/>
-                          <a:cs typeface="Courier New" panose="02070309020205020404" pitchFamily="49" charset="0"/>
-                        </a:rPr>
-                        <a:t>state = 0                   </a:t>
-                      </a:r>
-                      <a:r>
-                        <a:rPr lang="en-US" sz="1600" b="1" dirty="0">
-                          <a:solidFill>
-                            <a:schemeClr val="bg1">
-                              <a:lumMod val="50000"/>
-                            </a:schemeClr>
-                          </a:solidFill>
-                          <a:latin typeface="Courier New" panose="02070309020205020404" pitchFamily="49" charset="0"/>
-                          <a:cs typeface="Courier New" panose="02070309020205020404" pitchFamily="49" charset="0"/>
-                        </a:rPr>
-                        <a:t># start at node with index 0</a:t>
-                      </a:r>
-                    </a:p>
-                    <a:p>
-                      <a:r>
-                        <a:rPr lang="en-US" sz="1600" b="1" dirty="0">
-                          <a:latin typeface="Courier New" panose="02070309020205020404" pitchFamily="49" charset="0"/>
-                          <a:cs typeface="Courier New" panose="02070309020205020404" pitchFamily="49" charset="0"/>
-                        </a:rPr>
-                        <a:t>for _ in range(STEPS):</a:t>
-                      </a:r>
-                    </a:p>
-                    <a:p>
-                      <a:r>
-                        <a:rPr lang="en-US" sz="1600" b="1" dirty="0">
-                          <a:latin typeface="Courier New" panose="02070309020205020404" pitchFamily="49" charset="0"/>
-                          <a:cs typeface="Courier New" panose="02070309020205020404" pitchFamily="49" charset="0"/>
-                        </a:rPr>
-                        <a:t>    count[state] += 1       </a:t>
-                      </a:r>
-                      <a:r>
-                        <a:rPr lang="en-US" sz="1600" b="1" dirty="0">
-                          <a:solidFill>
-                            <a:schemeClr val="bg1">
-                              <a:lumMod val="50000"/>
-                            </a:schemeClr>
-                          </a:solidFill>
-                          <a:latin typeface="Courier New" panose="02070309020205020404" pitchFamily="49" charset="0"/>
-                          <a:cs typeface="Courier New" panose="02070309020205020404" pitchFamily="49" charset="0"/>
-                        </a:rPr>
-                        <a:t># increment count for state</a:t>
-                      </a:r>
-                    </a:p>
-                    <a:p>
-                      <a:r>
-                        <a:rPr lang="en-US" sz="1600" b="1" dirty="0">
-                          <a:latin typeface="Courier New" panose="02070309020205020404" pitchFamily="49" charset="0"/>
-                          <a:cs typeface="Courier New" panose="02070309020205020404" pitchFamily="49" charset="0"/>
-                        </a:rPr>
-                        <a:t>    if </a:t>
-                      </a:r>
-                      <a:r>
-                        <a:rPr lang="en-US" sz="1600" b="1" dirty="0" err="1">
-                          <a:solidFill>
-                            <a:srgbClr val="C00000"/>
-                          </a:solidFill>
-                          <a:latin typeface="Courier New" panose="02070309020205020404" pitchFamily="49" charset="0"/>
-                          <a:cs typeface="Courier New" panose="02070309020205020404" pitchFamily="49" charset="0"/>
-                        </a:rPr>
-                        <a:t>randint</a:t>
-                      </a:r>
-                      <a:r>
-                        <a:rPr lang="en-US" sz="1600" b="1" dirty="0">
-                          <a:latin typeface="Courier New" panose="02070309020205020404" pitchFamily="49" charset="0"/>
-                          <a:cs typeface="Courier New" panose="02070309020205020404" pitchFamily="49" charset="0"/>
-                        </a:rPr>
-                        <a:t>(1, 6) == 6:  </a:t>
-                      </a:r>
-                      <a:r>
-                        <a:rPr lang="en-US" sz="1600" b="1" dirty="0">
-                          <a:solidFill>
-                            <a:schemeClr val="bg1">
-                              <a:lumMod val="50000"/>
-                            </a:schemeClr>
-                          </a:solidFill>
-                          <a:latin typeface="Courier New" panose="02070309020205020404" pitchFamily="49" charset="0"/>
-                          <a:cs typeface="Courier New" panose="02070309020205020404" pitchFamily="49" charset="0"/>
-                        </a:rPr>
-                        <a:t># original paper uses 15% instead of 1/6</a:t>
-                      </a:r>
-                    </a:p>
-                    <a:p>
-                      <a:r>
-                        <a:rPr lang="en-US" sz="1600" b="1" dirty="0">
-                          <a:latin typeface="Courier New" panose="02070309020205020404" pitchFamily="49" charset="0"/>
-                          <a:cs typeface="Courier New" panose="02070309020205020404" pitchFamily="49" charset="0"/>
-                        </a:rPr>
-                        <a:t>        state = </a:t>
-                      </a:r>
-                      <a:r>
-                        <a:rPr lang="en-US" sz="1600" b="1" dirty="0" err="1">
-                          <a:solidFill>
-                            <a:srgbClr val="C00000"/>
-                          </a:solidFill>
-                          <a:latin typeface="Courier New" panose="02070309020205020404" pitchFamily="49" charset="0"/>
-                          <a:cs typeface="Courier New" panose="02070309020205020404" pitchFamily="49" charset="0"/>
-                        </a:rPr>
-                        <a:t>randint</a:t>
-                      </a:r>
-                      <a:r>
-                        <a:rPr lang="en-US" sz="1600" b="1" dirty="0">
-                          <a:latin typeface="Courier New" panose="02070309020205020404" pitchFamily="49" charset="0"/>
-                          <a:cs typeface="Courier New" panose="02070309020205020404" pitchFamily="49" charset="0"/>
-                        </a:rPr>
-                        <a:t>(0, 5)</a:t>
-                      </a:r>
-                    </a:p>
-                    <a:p>
-                      <a:r>
-                        <a:rPr lang="en-US" sz="1600" b="1" dirty="0">
-                          <a:latin typeface="Courier New" panose="02070309020205020404" pitchFamily="49" charset="0"/>
-                          <a:cs typeface="Courier New" panose="02070309020205020404" pitchFamily="49" charset="0"/>
-                        </a:rPr>
-                        <a:t>    else:</a:t>
-                      </a:r>
-                    </a:p>
-                    <a:p>
-                      <a:r>
-                        <a:rPr lang="en-US" sz="1600" b="1" dirty="0">
-                          <a:latin typeface="Courier New" panose="02070309020205020404" pitchFamily="49" charset="0"/>
-                          <a:cs typeface="Courier New" panose="02070309020205020404" pitchFamily="49" charset="0"/>
-                        </a:rPr>
-                        <a:t>        state = </a:t>
-                      </a:r>
-                      <a:r>
-                        <a:rPr lang="en-US" sz="1600" b="1" dirty="0" err="1">
-                          <a:solidFill>
-                            <a:schemeClr val="accent1">
-                              <a:lumMod val="50000"/>
-                            </a:schemeClr>
-                          </a:solidFill>
-                          <a:latin typeface="Courier New" panose="02070309020205020404" pitchFamily="49" charset="0"/>
-                          <a:cs typeface="Courier New" panose="02070309020205020404" pitchFamily="49" charset="0"/>
-                        </a:rPr>
-                        <a:t>adjacency_list</a:t>
-                      </a:r>
-                      <a:r>
-                        <a:rPr lang="en-US" sz="1600" b="1" dirty="0">
-                          <a:latin typeface="Courier New" panose="02070309020205020404" pitchFamily="49" charset="0"/>
-                          <a:cs typeface="Courier New" panose="02070309020205020404" pitchFamily="49" charset="0"/>
-                        </a:rPr>
-                        <a:t>[state][</a:t>
-                      </a:r>
-                      <a:r>
-                        <a:rPr lang="en-US" sz="1600" b="1" dirty="0" err="1">
-                          <a:solidFill>
-                            <a:srgbClr val="C00000"/>
-                          </a:solidFill>
-                          <a:latin typeface="Courier New" panose="02070309020205020404" pitchFamily="49" charset="0"/>
-                          <a:cs typeface="Courier New" panose="02070309020205020404" pitchFamily="49" charset="0"/>
-                        </a:rPr>
-                        <a:t>randint</a:t>
-                      </a:r>
-                      <a:r>
-                        <a:rPr lang="en-US" sz="1600" b="1" dirty="0">
-                          <a:latin typeface="Courier New" panose="02070309020205020404" pitchFamily="49" charset="0"/>
-                          <a:cs typeface="Courier New" panose="02070309020205020404" pitchFamily="49" charset="0"/>
-                        </a:rPr>
-                        <a:t>(0, degree[state] - 1)]</a:t>
-                      </a:r>
-                    </a:p>
-                    <a:p>
-                      <a:pPr>
-                        <a:spcBef>
-                          <a:spcPts val="600"/>
-                        </a:spcBef>
-                      </a:pPr>
-                      <a:r>
-                        <a:rPr lang="en-US" sz="1600" b="1" dirty="0">
-                          <a:latin typeface="Courier New" panose="02070309020205020404" pitchFamily="49" charset="0"/>
-                          <a:cs typeface="Courier New" panose="02070309020205020404" pitchFamily="49" charset="0"/>
-                        </a:rPr>
-                        <a:t>print(</a:t>
-                      </a:r>
-                      <a:r>
-                        <a:rPr lang="en-US" sz="1600" b="1" dirty="0" err="1">
-                          <a:solidFill>
-                            <a:schemeClr val="accent1">
-                              <a:lumMod val="50000"/>
-                            </a:schemeClr>
-                          </a:solidFill>
-                          <a:latin typeface="Courier New" panose="02070309020205020404" pitchFamily="49" charset="0"/>
-                          <a:cs typeface="Courier New" panose="02070309020205020404" pitchFamily="49" charset="0"/>
-                        </a:rPr>
-                        <a:t>adjacency_list</a:t>
-                      </a:r>
-                      <a:r>
-                        <a:rPr lang="en-US" sz="1600" b="1" dirty="0">
-                          <a:latin typeface="Courier New" panose="02070309020205020404" pitchFamily="49" charset="0"/>
-                          <a:cs typeface="Courier New" panose="02070309020205020404" pitchFamily="49" charset="0"/>
-                        </a:rPr>
-                        <a:t>, count / STEPS, </a:t>
-                      </a:r>
-                      <a:r>
-                        <a:rPr lang="en-US" sz="1600" b="1" dirty="0" err="1">
-                          <a:latin typeface="Courier New" panose="02070309020205020404" pitchFamily="49" charset="0"/>
-                          <a:cs typeface="Courier New" panose="02070309020205020404" pitchFamily="49" charset="0"/>
-                        </a:rPr>
-                        <a:t>sep</a:t>
-                      </a:r>
-                      <a:r>
-                        <a:rPr lang="en-US" sz="1600" b="1" dirty="0">
-                          <a:latin typeface="Courier New" panose="02070309020205020404" pitchFamily="49" charset="0"/>
-                          <a:cs typeface="Courier New" panose="02070309020205020404" pitchFamily="49" charset="0"/>
-                        </a:rPr>
-                        <a:t>='\n')</a:t>
-                      </a:r>
-                    </a:p>
-                  </a:txBody>
-                  <a:tcPr>
-                    <a:lnL w="6350" cap="flat" cmpd="sng" algn="ctr">
-                      <a:solidFill>
-                        <a:schemeClr val="tx1"/>
-                      </a:solidFill>
-                      <a:prstDash val="solid"/>
-                      <a:round/>
-                      <a:headEnd type="none" w="med" len="med"/>
-                      <a:tailEnd type="none" w="med" len="med"/>
-                    </a:lnL>
-                    <a:lnR w="6350" cap="flat" cmpd="sng" algn="ctr">
-                      <a:solidFill>
-                        <a:schemeClr val="tx1"/>
-                      </a:solidFill>
-                      <a:prstDash val="solid"/>
-                      <a:round/>
-                      <a:headEnd type="none" w="med" len="med"/>
-                      <a:tailEnd type="none" w="med" len="med"/>
-                    </a:lnR>
-                    <a:lnT w="6350" cap="flat" cmpd="sng" algn="ctr">
-                      <a:solidFill>
-                        <a:schemeClr val="tx1"/>
-                      </a:solidFill>
-                      <a:prstDash val="solid"/>
-                      <a:round/>
-                      <a:headEnd type="none" w="med" len="med"/>
-                      <a:tailEnd type="none" w="med" len="med"/>
-                    </a:lnT>
-                    <a:lnB w="6350" cap="flat" cmpd="sng" algn="ctr">
-                      <a:solidFill>
-                        <a:schemeClr val="tx1"/>
-                      </a:solidFill>
-                      <a:prstDash val="solid"/>
-                      <a:round/>
-                      <a:headEnd type="none" w="med" len="med"/>
-                      <a:tailEnd type="none" w="med" len="med"/>
-                    </a:lnB>
-                    <a:lnTlToBr w="12700" cmpd="sng">
-                      <a:noFill/>
-                      <a:prstDash val="solid"/>
-                    </a:lnTlToBr>
-                    <a:lnBlToTr w="12700" cmpd="sng">
-                      <a:noFill/>
-                      <a:prstDash val="solid"/>
-                    </a:lnBlToTr>
-                    <a:solidFill>
-                      <a:schemeClr val="accent5">
-                        <a:lumMod val="20000"/>
-                        <a:lumOff val="80000"/>
-                      </a:schemeClr>
-                    </a:solidFill>
-                  </a:tcPr>
-                </a:tc>
-                <a:extLst>
-                  <a:ext uri="{0D108BD9-81ED-4DB2-BD59-A6C34878D82A}">
-                    <a16:rowId xmlns:a16="http://schemas.microsoft.com/office/drawing/2014/main" val="4112970457"/>
-                  </a:ext>
-                </a:extLst>
-              </a:tr>
-              <a:tr h="232453">
-                <a:tc>
-                  <a:txBody>
-                    <a:bodyPr/>
-                    <a:lstStyle/>
-                    <a:p>
-                      <a:r>
-                        <a:rPr lang="da-DK" sz="1600" b="1" dirty="0" err="1">
-                          <a:solidFill>
-                            <a:schemeClr val="bg1"/>
-                          </a:solidFill>
-                          <a:latin typeface="Courier New" panose="02070309020205020404" pitchFamily="49" charset="0"/>
-                          <a:cs typeface="Courier New" panose="02070309020205020404" pitchFamily="49" charset="0"/>
-                        </a:rPr>
-                        <a:t>Python</a:t>
-                      </a:r>
-                      <a:r>
-                        <a:rPr lang="da-DK" sz="1600" b="1" dirty="0">
-                          <a:solidFill>
-                            <a:schemeClr val="bg1"/>
-                          </a:solidFill>
-                          <a:latin typeface="Courier New" panose="02070309020205020404" pitchFamily="49" charset="0"/>
-                          <a:cs typeface="Courier New" panose="02070309020205020404" pitchFamily="49" charset="0"/>
-                        </a:rPr>
-                        <a:t> </a:t>
-                      </a:r>
-                      <a:r>
-                        <a:rPr lang="da-DK" sz="1600" b="1" dirty="0" err="1">
-                          <a:solidFill>
-                            <a:schemeClr val="bg1"/>
-                          </a:solidFill>
-                          <a:latin typeface="Courier New" panose="02070309020205020404" pitchFamily="49" charset="0"/>
-                          <a:cs typeface="Courier New" panose="02070309020205020404" pitchFamily="49" charset="0"/>
-                        </a:rPr>
-                        <a:t>shell</a:t>
-                      </a:r>
-                      <a:endParaRPr lang="da-DK" sz="1600" b="1" dirty="0">
-                        <a:solidFill>
-                          <a:schemeClr val="bg1"/>
-                        </a:solidFill>
-                        <a:latin typeface="Courier New" panose="02070309020205020404" pitchFamily="49" charset="0"/>
-                        <a:cs typeface="Courier New" panose="02070309020205020404" pitchFamily="49" charset="0"/>
-                      </a:endParaRPr>
-                    </a:p>
-                  </a:txBody>
-                  <a:tcPr>
-                    <a:lnL w="6350" cap="flat" cmpd="sng" algn="ctr">
-                      <a:solidFill>
-                        <a:schemeClr val="tx1"/>
-                      </a:solidFill>
-                      <a:prstDash val="solid"/>
-                      <a:round/>
-                      <a:headEnd type="none" w="med" len="med"/>
-                      <a:tailEnd type="none" w="med" len="med"/>
-                    </a:lnL>
-                    <a:lnR w="6350" cap="flat" cmpd="sng" algn="ctr">
-                      <a:solidFill>
-                        <a:schemeClr val="tx1"/>
-                      </a:solidFill>
-                      <a:prstDash val="solid"/>
-                      <a:round/>
-                      <a:headEnd type="none" w="med" len="med"/>
-                      <a:tailEnd type="none" w="med" len="med"/>
-                    </a:lnR>
-                    <a:lnT w="6350" cap="flat" cmpd="sng" algn="ctr">
-                      <a:solidFill>
-                        <a:schemeClr val="tx1"/>
-                      </a:solidFill>
-                      <a:prstDash val="solid"/>
-                      <a:round/>
-                      <a:headEnd type="none" w="med" len="med"/>
-                      <a:tailEnd type="none" w="med" len="med"/>
-                    </a:lnT>
-                    <a:lnB w="6350" cap="flat" cmpd="sng" algn="ctr">
-                      <a:solidFill>
-                        <a:schemeClr val="tx1"/>
-                      </a:solidFill>
-                      <a:prstDash val="solid"/>
-                      <a:round/>
-                      <a:headEnd type="none" w="med" len="med"/>
-                      <a:tailEnd type="none" w="med" len="med"/>
-                    </a:lnB>
-                    <a:lnTlToBr w="12700" cmpd="sng">
-                      <a:noFill/>
-                      <a:prstDash val="solid"/>
-                    </a:lnTlToBr>
-                    <a:lnBlToTr w="12700" cmpd="sng">
-                      <a:noFill/>
-                      <a:prstDash val="solid"/>
-                    </a:lnBlToTr>
-                    <a:solidFill>
-                      <a:srgbClr val="C00000"/>
-                    </a:solidFill>
-                  </a:tcPr>
-                </a:tc>
-                <a:extLst>
-                  <a:ext uri="{0D108BD9-81ED-4DB2-BD59-A6C34878D82A}">
-                    <a16:rowId xmlns:a16="http://schemas.microsoft.com/office/drawing/2014/main" val="2202042958"/>
-                  </a:ext>
-                </a:extLst>
-              </a:tr>
-              <a:tr h="232453">
-                <a:tc>
-                  <a:txBody>
-                    <a:bodyPr/>
-                    <a:lstStyle/>
-                    <a:p>
-                      <a:pPr marL="266700" indent="-266700">
-                        <a:buClr>
-                          <a:schemeClr val="accent1">
-                            <a:lumMod val="50000"/>
-                          </a:schemeClr>
-                        </a:buClr>
-                        <a:buSzPct val="120000"/>
-                        <a:buFont typeface="Courier New" panose="02070309020205020404" pitchFamily="49" charset="0"/>
-                        <a:buChar char="|"/>
-                      </a:pPr>
-                      <a:r>
-                        <a:rPr lang="pt-BR" sz="1600" b="1" baseline="0" dirty="0">
-                          <a:solidFill>
-                            <a:schemeClr val="accent1">
-                              <a:lumMod val="50000"/>
-                            </a:schemeClr>
-                          </a:solidFill>
-                          <a:latin typeface="Courier New" panose="02070309020205020404" pitchFamily="49" charset="0"/>
-                          <a:cs typeface="Courier New" panose="02070309020205020404" pitchFamily="49" charset="0"/>
-                        </a:rPr>
-                        <a:t>[[1], [3], [0, 1], [1, 4], [1, 5], [1]]</a:t>
-                      </a:r>
-                      <a:br>
-                        <a:rPr lang="pt-BR" sz="1600" b="1" baseline="0" dirty="0">
-                          <a:latin typeface="Courier New" panose="02070309020205020404" pitchFamily="49" charset="0"/>
-                          <a:cs typeface="Courier New" panose="02070309020205020404" pitchFamily="49" charset="0"/>
-                        </a:rPr>
-                      </a:br>
-                      <a:r>
-                        <a:rPr lang="pt-BR" sz="1600" b="1" baseline="0" dirty="0">
-                          <a:latin typeface="Courier New" panose="02070309020205020404" pitchFamily="49" charset="0"/>
-                          <a:cs typeface="Courier New" panose="02070309020205020404" pitchFamily="49" charset="0"/>
-                        </a:rPr>
-                        <a:t>[0.039365 0.353211 0.02751  0.322593 0.1623   0.095021]</a:t>
-                      </a:r>
-                    </a:p>
-                  </a:txBody>
-                  <a:tcPr>
-                    <a:lnL w="6350" cap="flat" cmpd="sng" algn="ctr">
-                      <a:solidFill>
-                        <a:schemeClr val="tx1"/>
-                      </a:solidFill>
-                      <a:prstDash val="solid"/>
-                      <a:round/>
-                      <a:headEnd type="none" w="med" len="med"/>
-                      <a:tailEnd type="none" w="med" len="med"/>
-                    </a:lnL>
-                    <a:lnR w="6350" cap="flat" cmpd="sng" algn="ctr">
-                      <a:solidFill>
-                        <a:schemeClr val="tx1"/>
-                      </a:solidFill>
-                      <a:prstDash val="solid"/>
-                      <a:round/>
-                      <a:headEnd type="none" w="med" len="med"/>
-                      <a:tailEnd type="none" w="med" len="med"/>
-                    </a:lnR>
-                    <a:lnT w="6350" cap="flat" cmpd="sng" algn="ctr">
-                      <a:solidFill>
-                        <a:schemeClr val="tx1"/>
-                      </a:solidFill>
-                      <a:prstDash val="solid"/>
-                      <a:round/>
-                      <a:headEnd type="none" w="med" len="med"/>
-                      <a:tailEnd type="none" w="med" len="med"/>
-                    </a:lnT>
-                    <a:lnB w="6350" cap="flat" cmpd="sng" algn="ctr">
-                      <a:solidFill>
-                        <a:schemeClr val="tx1"/>
-                      </a:solidFill>
-                      <a:prstDash val="solid"/>
-                      <a:round/>
-                      <a:headEnd type="none" w="med" len="med"/>
-                      <a:tailEnd type="none" w="med" len="med"/>
-                    </a:lnB>
-                    <a:lnTlToBr w="12700" cmpd="sng">
-                      <a:noFill/>
-                      <a:prstDash val="solid"/>
-                    </a:lnTlToBr>
-                    <a:lnBlToTr w="12700" cmpd="sng">
-                      <a:noFill/>
-                      <a:prstDash val="solid"/>
-                    </a:lnBlToTr>
-                    <a:solidFill>
-                      <a:schemeClr val="accent5">
-                        <a:lumMod val="20000"/>
-                        <a:lumOff val="80000"/>
-                      </a:schemeClr>
-                    </a:solidFill>
-                  </a:tcPr>
-                </a:tc>
-                <a:extLst>
-                  <a:ext uri="{0D108BD9-81ED-4DB2-BD59-A6C34878D82A}">
-                    <a16:rowId xmlns:a16="http://schemas.microsoft.com/office/drawing/2014/main" val="25355368"/>
-                  </a:ext>
-                </a:extLst>
-              </a:tr>
-            </a:tbl>
-          </a:graphicData>
-        </a:graphic>
-      </p:graphicFrame>
-      <p:sp>
-        <p:nvSpPr>
-          <p:cNvPr id="2" name="Title 1"/>
-          <p:cNvSpPr>
-            <a:spLocks noGrp="1"/>
-          </p:cNvSpPr>
-          <p:nvPr>
-            <p:ph type="title"/>
-          </p:nvPr>
-        </p:nvSpPr>
-        <p:spPr/>
-        <p:txBody>
-          <a:bodyPr/>
-          <a:lstStyle/>
-          <a:p>
-            <a:r>
-              <a:rPr lang="da-DK" dirty="0"/>
-              <a:t> </a:t>
-            </a:r>
-            <a:endParaRPr lang="en-US" dirty="0"/>
-          </a:p>
-        </p:txBody>
-      </p:sp>
-      <p:grpSp>
-        <p:nvGrpSpPr>
-          <p:cNvPr id="15" name="Group 14"/>
-          <p:cNvGrpSpPr/>
-          <p:nvPr/>
-        </p:nvGrpSpPr>
-        <p:grpSpPr>
-          <a:xfrm>
-            <a:off x="8991391" y="4185121"/>
-            <a:ext cx="2792916" cy="1874255"/>
-            <a:chOff x="8792860" y="2628237"/>
-            <a:chExt cx="2792916" cy="1874255"/>
-          </a:xfrm>
-        </p:grpSpPr>
-        <p:pic>
-          <p:nvPicPr>
-            <p:cNvPr id="7" name="Picture 6"/>
-            <p:cNvPicPr>
-              <a:picLocks noChangeAspect="1"/>
-            </p:cNvPicPr>
-            <p:nvPr/>
-          </p:nvPicPr>
-          <p:blipFill>
-            <a:blip r:embed="rId2" cstate="print">
-              <a:extLst>
-                <a:ext uri="{28A0092B-C50C-407E-A947-70E740481C1C}">
-                  <a14:useLocalDpi xmlns:a14="http://schemas.microsoft.com/office/drawing/2010/main" val="0"/>
-                </a:ext>
-              </a:extLst>
-            </a:blip>
-            <a:stretch>
-              <a:fillRect/>
-            </a:stretch>
-          </p:blipFill>
-          <p:spPr>
-            <a:xfrm>
-              <a:off x="8792860" y="2628237"/>
-              <a:ext cx="2792916" cy="1874255"/>
-            </a:xfrm>
-            <a:prstGeom prst="rect">
-              <a:avLst/>
-            </a:prstGeom>
-            <a:solidFill>
-              <a:schemeClr val="bg1"/>
-            </a:solidFill>
-            <a:ln w="19050">
-              <a:solidFill>
-                <a:schemeClr val="bg1">
-                  <a:lumMod val="50000"/>
-                </a:schemeClr>
-              </a:solidFill>
-            </a:ln>
-          </p:spPr>
-        </p:pic>
-        <p:sp>
-          <p:nvSpPr>
-            <p:cNvPr id="8" name="Rectangle 7"/>
-            <p:cNvSpPr/>
-            <p:nvPr/>
-          </p:nvSpPr>
-          <p:spPr>
-            <a:xfrm>
-              <a:off x="8874887" y="3658129"/>
-              <a:ext cx="176514" cy="68396"/>
-            </a:xfrm>
-            <a:prstGeom prst="rect">
-              <a:avLst/>
-            </a:prstGeom>
-            <a:solidFill>
-              <a:schemeClr val="bg1"/>
-            </a:solidFill>
-            <a:ln>
-              <a:solidFill>
-                <a:schemeClr val="bg1"/>
-              </a:solidFill>
-            </a:ln>
-          </p:spPr>
-          <p:style>
-            <a:lnRef idx="2">
-              <a:schemeClr val="accent1">
-                <a:shade val="50000"/>
-              </a:schemeClr>
-            </a:lnRef>
-            <a:fillRef idx="1">
-              <a:schemeClr val="accent1"/>
-            </a:fillRef>
-            <a:effectRef idx="0">
-              <a:schemeClr val="accent1"/>
-            </a:effectRef>
-            <a:fontRef idx="minor">
-              <a:schemeClr val="lt1"/>
-            </a:fontRef>
-          </p:style>
-          <p:txBody>
-            <a:bodyPr rtlCol="0" anchor="ctr"/>
-            <a:lstStyle/>
-            <a:p>
-              <a:pPr algn="ctr"/>
-              <a:endParaRPr lang="en-US"/>
-            </a:p>
-          </p:txBody>
-        </p:sp>
-        <p:sp>
-          <p:nvSpPr>
-            <p:cNvPr id="9" name="Rectangle 8"/>
-            <p:cNvSpPr/>
-            <p:nvPr/>
-          </p:nvSpPr>
-          <p:spPr>
-            <a:xfrm>
-              <a:off x="9423720" y="3931180"/>
-              <a:ext cx="176514" cy="68396"/>
-            </a:xfrm>
-            <a:prstGeom prst="rect">
-              <a:avLst/>
-            </a:prstGeom>
-            <a:solidFill>
-              <a:schemeClr val="bg1"/>
-            </a:solidFill>
-            <a:ln>
-              <a:solidFill>
-                <a:schemeClr val="bg1"/>
-              </a:solidFill>
-            </a:ln>
-          </p:spPr>
-          <p:style>
-            <a:lnRef idx="2">
-              <a:schemeClr val="accent1">
-                <a:shade val="50000"/>
-              </a:schemeClr>
-            </a:lnRef>
-            <a:fillRef idx="1">
-              <a:schemeClr val="accent1"/>
-            </a:fillRef>
-            <a:effectRef idx="0">
-              <a:schemeClr val="accent1"/>
-            </a:effectRef>
-            <a:fontRef idx="minor">
-              <a:schemeClr val="lt1"/>
-            </a:fontRef>
-          </p:style>
-          <p:txBody>
-            <a:bodyPr rtlCol="0" anchor="ctr"/>
-            <a:lstStyle/>
-            <a:p>
-              <a:pPr algn="ctr"/>
-              <a:endParaRPr lang="en-US"/>
-            </a:p>
-          </p:txBody>
-        </p:sp>
-        <p:sp>
-          <p:nvSpPr>
-            <p:cNvPr id="10" name="Rectangle 9"/>
-            <p:cNvSpPr/>
-            <p:nvPr/>
-          </p:nvSpPr>
-          <p:spPr>
-            <a:xfrm>
-              <a:off x="10536819" y="3226170"/>
-              <a:ext cx="176514" cy="68396"/>
-            </a:xfrm>
-            <a:prstGeom prst="rect">
-              <a:avLst/>
-            </a:prstGeom>
-            <a:solidFill>
-              <a:schemeClr val="bg1"/>
-            </a:solidFill>
-            <a:ln>
-              <a:solidFill>
-                <a:schemeClr val="bg1"/>
-              </a:solidFill>
-            </a:ln>
-          </p:spPr>
-          <p:style>
-            <a:lnRef idx="2">
-              <a:schemeClr val="accent1">
-                <a:shade val="50000"/>
-              </a:schemeClr>
-            </a:lnRef>
-            <a:fillRef idx="1">
-              <a:schemeClr val="accent1"/>
-            </a:fillRef>
-            <a:effectRef idx="0">
-              <a:schemeClr val="accent1"/>
-            </a:effectRef>
-            <a:fontRef idx="minor">
-              <a:schemeClr val="lt1"/>
-            </a:fontRef>
-          </p:style>
-          <p:txBody>
-            <a:bodyPr rtlCol="0" anchor="ctr"/>
-            <a:lstStyle/>
-            <a:p>
-              <a:pPr algn="ctr"/>
-              <a:endParaRPr lang="en-US"/>
-            </a:p>
-          </p:txBody>
-        </p:sp>
-        <p:sp>
-          <p:nvSpPr>
-            <p:cNvPr id="11" name="Rectangle 10"/>
-            <p:cNvSpPr/>
-            <p:nvPr/>
-          </p:nvSpPr>
-          <p:spPr>
-            <a:xfrm>
-              <a:off x="11143526" y="3091213"/>
-              <a:ext cx="176514" cy="68396"/>
-            </a:xfrm>
-            <a:prstGeom prst="rect">
-              <a:avLst/>
-            </a:prstGeom>
-            <a:solidFill>
-              <a:schemeClr val="bg1"/>
-            </a:solidFill>
-            <a:ln>
-              <a:solidFill>
-                <a:schemeClr val="bg1"/>
-              </a:solidFill>
-            </a:ln>
-          </p:spPr>
-          <p:style>
-            <a:lnRef idx="2">
-              <a:schemeClr val="accent1">
-                <a:shade val="50000"/>
-              </a:schemeClr>
-            </a:lnRef>
-            <a:fillRef idx="1">
-              <a:schemeClr val="accent1"/>
-            </a:fillRef>
-            <a:effectRef idx="0">
-              <a:schemeClr val="accent1"/>
-            </a:effectRef>
-            <a:fontRef idx="minor">
-              <a:schemeClr val="lt1"/>
-            </a:fontRef>
-          </p:style>
-          <p:txBody>
-            <a:bodyPr rtlCol="0" anchor="ctr"/>
-            <a:lstStyle/>
-            <a:p>
-              <a:pPr algn="ctr"/>
-              <a:endParaRPr lang="en-US"/>
-            </a:p>
-          </p:txBody>
-        </p:sp>
-        <p:sp>
-          <p:nvSpPr>
-            <p:cNvPr id="12" name="Rectangle 11"/>
-            <p:cNvSpPr/>
-            <p:nvPr/>
-          </p:nvSpPr>
-          <p:spPr>
-            <a:xfrm>
-              <a:off x="10780853" y="3433712"/>
-              <a:ext cx="176514" cy="68396"/>
-            </a:xfrm>
-            <a:prstGeom prst="rect">
-              <a:avLst/>
-            </a:prstGeom>
-            <a:solidFill>
-              <a:schemeClr val="bg1"/>
-            </a:solidFill>
-            <a:ln>
-              <a:solidFill>
-                <a:schemeClr val="bg1"/>
-              </a:solidFill>
-            </a:ln>
-          </p:spPr>
-          <p:style>
-            <a:lnRef idx="2">
-              <a:schemeClr val="accent1">
-                <a:shade val="50000"/>
-              </a:schemeClr>
-            </a:lnRef>
-            <a:fillRef idx="1">
-              <a:schemeClr val="accent1"/>
-            </a:fillRef>
-            <a:effectRef idx="0">
-              <a:schemeClr val="accent1"/>
-            </a:effectRef>
-            <a:fontRef idx="minor">
-              <a:schemeClr val="lt1"/>
-            </a:fontRef>
-          </p:style>
-          <p:txBody>
-            <a:bodyPr rtlCol="0" anchor="ctr"/>
-            <a:lstStyle/>
-            <a:p>
-              <a:pPr algn="ctr"/>
-              <a:endParaRPr lang="en-US"/>
-            </a:p>
-          </p:txBody>
-        </p:sp>
-        <p:sp>
-          <p:nvSpPr>
-            <p:cNvPr id="13" name="Rectangle 12"/>
-            <p:cNvSpPr/>
-            <p:nvPr/>
-          </p:nvSpPr>
-          <p:spPr>
-            <a:xfrm>
-              <a:off x="11207668" y="3836391"/>
-              <a:ext cx="176514" cy="68396"/>
-            </a:xfrm>
-            <a:prstGeom prst="rect">
-              <a:avLst/>
-            </a:prstGeom>
-            <a:solidFill>
-              <a:schemeClr val="bg1"/>
-            </a:solidFill>
-            <a:ln>
-              <a:solidFill>
-                <a:schemeClr val="bg1"/>
-              </a:solidFill>
-            </a:ln>
-          </p:spPr>
-          <p:style>
-            <a:lnRef idx="2">
-              <a:schemeClr val="accent1">
-                <a:shade val="50000"/>
-              </a:schemeClr>
-            </a:lnRef>
-            <a:fillRef idx="1">
-              <a:schemeClr val="accent1"/>
-            </a:fillRef>
-            <a:effectRef idx="0">
-              <a:schemeClr val="accent1"/>
-            </a:effectRef>
-            <a:fontRef idx="minor">
-              <a:schemeClr val="lt1"/>
-            </a:fontRef>
-          </p:style>
-          <p:txBody>
-            <a:bodyPr rtlCol="0" anchor="ctr"/>
-            <a:lstStyle/>
-            <a:p>
-              <a:pPr algn="ctr"/>
-              <a:endParaRPr lang="en-US"/>
-            </a:p>
-          </p:txBody>
-        </p:sp>
-      </p:grpSp>
-      <p:sp>
-        <p:nvSpPr>
-          <p:cNvPr id="16" name="Title 1"/>
-          <p:cNvSpPr txBox="1">
-            <a:spLocks/>
-          </p:cNvSpPr>
-          <p:nvPr/>
-        </p:nvSpPr>
-        <p:spPr>
-          <a:xfrm>
-            <a:off x="306684" y="79771"/>
-            <a:ext cx="10515600" cy="1433479"/>
-          </a:xfrm>
-          <a:prstGeom prst="rect">
-            <a:avLst/>
-          </a:prstGeom>
-        </p:spPr>
-        <p:txBody>
-          <a:bodyPr vert="horz" lIns="91440" tIns="45720" rIns="91440" bIns="45720" rtlCol="0" anchor="ctr">
-            <a:normAutofit/>
-          </a:bodyPr>
-          <a:lstStyle>
-            <a:lvl1pPr algn="l" defTabSz="914400" rtl="0" eaLnBrk="1" latinLnBrk="0" hangingPunct="1">
-              <a:lnSpc>
-                <a:spcPct val="90000"/>
-              </a:lnSpc>
-              <a:spcBef>
-                <a:spcPct val="0"/>
-              </a:spcBef>
-              <a:buNone/>
-              <a:defRPr sz="4400" b="1" kern="1200">
-                <a:solidFill>
-                  <a:srgbClr val="C00000"/>
-                </a:solidFill>
-                <a:latin typeface="+mj-lt"/>
-                <a:ea typeface="+mj-ea"/>
-                <a:cs typeface="+mj-cs"/>
-              </a:defRPr>
-            </a:lvl1pPr>
-          </a:lstStyle>
-          <a:p>
-            <a:r>
               <a:rPr lang="en-US" dirty="0"/>
               <a:t>Simulate random walk (random surfer model)</a:t>
             </a:r>
@@ -24286,9 +25517,9 @@
         </p:nvGrpSpPr>
         <p:grpSpPr>
           <a:xfrm>
-            <a:off x="1060026" y="4439122"/>
+            <a:off x="1060026" y="4443885"/>
             <a:ext cx="2792916" cy="1874255"/>
-            <a:chOff x="8792860" y="2628237"/>
+            <a:chOff x="8792860" y="2633000"/>
             <a:chExt cx="2792916" cy="1874255"/>
           </a:xfrm>
         </p:grpSpPr>
@@ -24314,7 +25545,7 @@
           </p:blipFill>
           <p:spPr>
             <a:xfrm>
-              <a:off x="8792860" y="2628237"/>
+              <a:off x="8792860" y="2633000"/>
               <a:ext cx="2792916" cy="1874255"/>
             </a:xfrm>
             <a:prstGeom prst="rect">
@@ -24336,7 +25567,7 @@
           </p:nvSpPr>
           <p:spPr>
             <a:xfrm>
-              <a:off x="8874887" y="3658129"/>
+              <a:off x="8874887" y="3647013"/>
               <a:ext cx="176514" cy="68396"/>
             </a:xfrm>
             <a:prstGeom prst="rect">
@@ -24370,7 +25601,7 @@
             <a:lstStyle/>
             <a:p>
               <a:pPr algn="ctr"/>
-              <a:endParaRPr lang="en-US"/>
+              <a:endParaRPr lang="en-US" dirty="0"/>
             </a:p>
           </p:txBody>
         </p:sp>
@@ -24382,7 +25613,7 @@
           </p:nvSpPr>
           <p:spPr>
             <a:xfrm>
-              <a:off x="9423720" y="3931180"/>
+              <a:off x="9423720" y="3937532"/>
               <a:ext cx="176514" cy="68396"/>
             </a:xfrm>
             <a:prstGeom prst="rect">
@@ -24416,7 +25647,7 @@
             <a:lstStyle/>
             <a:p>
               <a:pPr algn="ctr"/>
-              <a:endParaRPr lang="en-US"/>
+              <a:endParaRPr lang="en-US" dirty="0"/>
             </a:p>
           </p:txBody>
         </p:sp>
@@ -24428,7 +25659,7 @@
           </p:nvSpPr>
           <p:spPr>
             <a:xfrm>
-              <a:off x="10536819" y="3226170"/>
+              <a:off x="10536819" y="3215054"/>
               <a:ext cx="176514" cy="68396"/>
             </a:xfrm>
             <a:prstGeom prst="rect">
@@ -24462,7 +25693,7 @@
             <a:lstStyle/>
             <a:p>
               <a:pPr algn="ctr"/>
-              <a:endParaRPr lang="en-US"/>
+              <a:endParaRPr lang="en-US" dirty="0"/>
             </a:p>
           </p:txBody>
         </p:sp>
@@ -24474,7 +25705,7 @@
           </p:nvSpPr>
           <p:spPr>
             <a:xfrm>
-              <a:off x="11143526" y="3091213"/>
+              <a:off x="11151466" y="3091213"/>
               <a:ext cx="176514" cy="68396"/>
             </a:xfrm>
             <a:prstGeom prst="rect">
@@ -24508,7 +25739,7 @@
             <a:lstStyle/>
             <a:p>
               <a:pPr algn="ctr"/>
-              <a:endParaRPr lang="en-US"/>
+              <a:endParaRPr lang="en-US" dirty="0"/>
             </a:p>
           </p:txBody>
         </p:sp>

--- a/ipsa/slides/linear_programming.pptx
+++ b/ipsa/slides/linear_programming.pptx
@@ -139,7 +139,7 @@
 <file path=ppt/revisionInfo.xml><?xml version="1.0" encoding="utf-8"?>
 <p1510:revInfo xmlns:a="http://schemas.openxmlformats.org/drawingml/2006/main" xmlns:r="http://schemas.openxmlformats.org/officeDocument/2006/relationships" xmlns:p1510="http://schemas.microsoft.com/office/powerpoint/2015/10/main">
   <p1510:revLst>
-    <p1510:client id="{FCA54829-69E0-4900-9165-83DAEE965D83}" v="9" dt="2023-04-16T11:48:36.511"/>
+    <p1510:client id="{3182D9E5-9F75-4E9E-A6C8-86AC2F6C117C}" v="1" dt="2024-04-10T06:02:25.339"/>
   </p1510:revLst>
 </p1510:revInfo>
 </file>
@@ -758,6 +758,52 @@
       </pc:sldChg>
     </pc:docChg>
   </pc:docChgLst>
+  <pc:docChgLst>
+    <pc:chgData name="Gerth Stølting Brodal" userId="04ef4784-6591-4f86-a140-f5c3b108582a" providerId="ADAL" clId="{3182D9E5-9F75-4E9E-A6C8-86AC2F6C117C}"/>
+    <pc:docChg chg="undo custSel modSld">
+      <pc:chgData name="Gerth Stølting Brodal" userId="04ef4784-6591-4f86-a140-f5c3b108582a" providerId="ADAL" clId="{3182D9E5-9F75-4E9E-A6C8-86AC2F6C117C}" dt="2024-04-10T06:19:07.264" v="190" actId="6549"/>
+      <pc:docMkLst>
+        <pc:docMk/>
+      </pc:docMkLst>
+      <pc:sldChg chg="modSp mod">
+        <pc:chgData name="Gerth Stølting Brodal" userId="04ef4784-6591-4f86-a140-f5c3b108582a" providerId="ADAL" clId="{3182D9E5-9F75-4E9E-A6C8-86AC2F6C117C}" dt="2024-04-10T06:03:01.611" v="114" actId="1076"/>
+        <pc:sldMkLst>
+          <pc:docMk/>
+          <pc:sldMk cId="2655291698" sldId="776"/>
+        </pc:sldMkLst>
+        <pc:spChg chg="mod">
+          <ac:chgData name="Gerth Stølting Brodal" userId="04ef4784-6591-4f86-a140-f5c3b108582a" providerId="ADAL" clId="{3182D9E5-9F75-4E9E-A6C8-86AC2F6C117C}" dt="2024-04-10T06:02:57.681" v="113" actId="27636"/>
+          <ac:spMkLst>
+            <pc:docMk/>
+            <pc:sldMk cId="2655291698" sldId="776"/>
+            <ac:spMk id="8" creationId="{00000000-0000-0000-0000-000000000000}"/>
+          </ac:spMkLst>
+        </pc:spChg>
+        <pc:picChg chg="mod">
+          <ac:chgData name="Gerth Stølting Brodal" userId="04ef4784-6591-4f86-a140-f5c3b108582a" providerId="ADAL" clId="{3182D9E5-9F75-4E9E-A6C8-86AC2F6C117C}" dt="2024-04-10T06:03:01.611" v="114" actId="1076"/>
+          <ac:picMkLst>
+            <pc:docMk/>
+            <pc:sldMk cId="2655291698" sldId="776"/>
+            <ac:picMk id="6" creationId="{00000000-0000-0000-0000-000000000000}"/>
+          </ac:picMkLst>
+        </pc:picChg>
+      </pc:sldChg>
+      <pc:sldChg chg="modNotesTx">
+        <pc:chgData name="Gerth Stølting Brodal" userId="04ef4784-6591-4f86-a140-f5c3b108582a" providerId="ADAL" clId="{3182D9E5-9F75-4E9E-A6C8-86AC2F6C117C}" dt="2024-04-10T06:19:07.264" v="190" actId="6549"/>
+        <pc:sldMkLst>
+          <pc:docMk/>
+          <pc:sldMk cId="1178474818" sldId="783"/>
+        </pc:sldMkLst>
+      </pc:sldChg>
+      <pc:sldChg chg="modNotesTx">
+        <pc:chgData name="Gerth Stølting Brodal" userId="04ef4784-6591-4f86-a140-f5c3b108582a" providerId="ADAL" clId="{3182D9E5-9F75-4E9E-A6C8-86AC2F6C117C}" dt="2024-04-10T06:13:55.292" v="163" actId="20577"/>
+        <pc:sldMkLst>
+          <pc:docMk/>
+          <pc:sldMk cId="1989879142" sldId="792"/>
+        </pc:sldMkLst>
+      </pc:sldChg>
+    </pc:docChg>
+  </pc:docChgLst>
 </pc:chgInfo>
 </file>
 
@@ -843,7 +889,7 @@
           <a:p>
             <a:fld id="{FB1A172F-81D4-4DC4-9113-1DBD56EC3646}" type="datetimeFigureOut">
               <a:rPr lang="en-US" smtClean="0"/>
-              <a:t>4/16/2023</a:t>
+              <a:t>4/10/2024</a:t>
             </a:fld>
             <a:endParaRPr lang="en-US"/>
           </a:p>
@@ -1525,6 +1571,108 @@
           <a:p>
             <a:r>
               <a:rPr lang="da-DK" dirty="0"/>
+              <a:t>division = done by broadcasting</a:t>
+            </a:r>
+          </a:p>
+        </p:txBody>
+      </p:sp>
+      <p:sp>
+        <p:nvSpPr>
+          <p:cNvPr id="4" name="Slide Number Placeholder 3"/>
+          <p:cNvSpPr>
+            <a:spLocks noGrp="1"/>
+          </p:cNvSpPr>
+          <p:nvPr>
+            <p:ph type="sldNum" sz="quarter" idx="5"/>
+          </p:nvPr>
+        </p:nvSpPr>
+        <p:spPr/>
+        <p:txBody>
+          <a:bodyPr/>
+          <a:lstStyle/>
+          <a:p>
+            <a:fld id="{CD563DD8-32AB-41BE-B1C6-8EAC45222ACE}" type="slidenum">
+              <a:rPr lang="en-US" smtClean="0"/>
+              <a:t>10</a:t>
+            </a:fld>
+            <a:endParaRPr lang="en-US"/>
+          </a:p>
+        </p:txBody>
+      </p:sp>
+    </p:spTree>
+    <p:extLst>
+      <p:ext uri="{BB962C8B-B14F-4D97-AF65-F5344CB8AC3E}">
+        <p14:creationId xmlns:p14="http://schemas.microsoft.com/office/powerpoint/2010/main" val="1723953493"/>
+      </p:ext>
+    </p:extLst>
+  </p:cSld>
+  <p:clrMapOvr>
+    <a:masterClrMapping/>
+  </p:clrMapOvr>
+</p:notes>
+</file>
+
+<file path=ppt/notesSlides/notesSlide6.xml><?xml version="1.0" encoding="utf-8"?>
+<p:notes xmlns:a="http://schemas.openxmlformats.org/drawingml/2006/main" xmlns:r="http://schemas.openxmlformats.org/officeDocument/2006/relationships" xmlns:p="http://schemas.openxmlformats.org/presentationml/2006/main">
+  <p:cSld>
+    <p:spTree>
+      <p:nvGrpSpPr>
+        <p:cNvPr id="1" name=""/>
+        <p:cNvGrpSpPr/>
+        <p:nvPr/>
+      </p:nvGrpSpPr>
+      <p:grpSpPr>
+        <a:xfrm>
+          <a:off x="0" y="0"/>
+          <a:ext cx="0" cy="0"/>
+          <a:chOff x="0" y="0"/>
+          <a:chExt cx="0" cy="0"/>
+        </a:xfrm>
+      </p:grpSpPr>
+      <p:sp>
+        <p:nvSpPr>
+          <p:cNvPr id="2" name="Slide Image Placeholder 1"/>
+          <p:cNvSpPr>
+            <a:spLocks noGrp="1" noRot="1" noChangeAspect="1"/>
+          </p:cNvSpPr>
+          <p:nvPr>
+            <p:ph type="sldImg"/>
+          </p:nvPr>
+        </p:nvSpPr>
+        <p:spPr/>
+      </p:sp>
+      <p:sp>
+        <p:nvSpPr>
+          <p:cNvPr id="3" name="Notes Placeholder 2"/>
+          <p:cNvSpPr>
+            <a:spLocks noGrp="1"/>
+          </p:cNvSpPr>
+          <p:nvPr>
+            <p:ph type="body" idx="1"/>
+          </p:nvPr>
+        </p:nvSpPr>
+        <p:spPr/>
+        <p:txBody>
+          <a:bodyPr/>
+          <a:lstStyle/>
+          <a:p>
+            <a:r>
+              <a:rPr lang="da-DK"/>
+              <a:t>p </a:t>
+            </a:r>
+            <a:r>
+              <a:rPr lang="da-DK" dirty="0"/>
+              <a:t>= column </a:t>
+            </a:r>
+            <a:r>
+              <a:rPr lang="da-DK" dirty="0" err="1"/>
+              <a:t>vector</a:t>
+            </a:r>
+            <a:endParaRPr lang="da-DK" dirty="0"/>
+          </a:p>
+          <a:p>
+            <a:r>
+              <a:rPr lang="da-DK" dirty="0"/>
               <a:t>A = </a:t>
             </a:r>
             <a:r>
@@ -1555,7 +1703,15 @@
             </a:r>
             <a:r>
               <a:rPr lang="da-DK" dirty="0"/>
-              <a:t>(A, A)</a:t>
+              <a:t>(A, A)  # </a:t>
+            </a:r>
+            <a:r>
+              <a:rPr lang="da-DK" dirty="0" err="1"/>
+              <a:t>result</a:t>
+            </a:r>
+            <a:r>
+              <a:rPr lang="da-DK" dirty="0"/>
+              <a:t> is 1-vector</a:t>
             </a:r>
           </a:p>
           <a:p>
@@ -1569,8 +1725,21 @@
             </a:r>
             <a:r>
               <a:rPr lang="da-DK" dirty="0"/>
-              <a:t>(A, A, axis=0)</a:t>
-            </a:r>
+              <a:t>(A, A, axis=0)  # </a:t>
+            </a:r>
+            <a:r>
+              <a:rPr lang="da-DK" dirty="0" err="1"/>
+              <a:t>added</a:t>
+            </a:r>
+            <a:r>
+              <a:rPr lang="da-DK" dirty="0"/>
+              <a:t> as </a:t>
+            </a:r>
+            <a:r>
+              <a:rPr lang="da-DK" dirty="0" err="1"/>
+              <a:t>roows</a:t>
+            </a:r>
+            <a:endParaRPr lang="da-DK" dirty="0"/>
           </a:p>
           <a:p>
             <a:r>
@@ -1583,7 +1752,15 @@
             </a:r>
             <a:r>
               <a:rPr lang="da-DK" dirty="0"/>
-              <a:t>(A, A, axis=1)</a:t>
+              <a:t>(A, A, axis=1)  # </a:t>
+            </a:r>
+            <a:r>
+              <a:rPr lang="da-DK" dirty="0" err="1"/>
+              <a:t>added</a:t>
+            </a:r>
+            <a:r>
+              <a:rPr lang="da-DK" dirty="0"/>
+              <a:t> as columns</a:t>
             </a:r>
           </a:p>
           <a:p>
@@ -1627,7 +1804,7 @@
 </p:notes>
 </file>
 
-<file path=ppt/notesSlides/notesSlide6.xml><?xml version="1.0" encoding="utf-8"?>
+<file path=ppt/notesSlides/notesSlide7.xml><?xml version="1.0" encoding="utf-8"?>
 <p:notes xmlns:a="http://schemas.openxmlformats.org/drawingml/2006/main" xmlns:r="http://schemas.openxmlformats.org/officeDocument/2006/relationships" xmlns:p="http://schemas.openxmlformats.org/presentationml/2006/main">
   <p:cSld>
     <p:spTree>
@@ -1864,7 +2041,7 @@
           <a:p>
             <a:fld id="{0560A9CD-0304-4E0B-9E82-E7E0115DE05B}" type="datetimeFigureOut">
               <a:rPr lang="en-US" smtClean="0"/>
-              <a:t>4/16/2023</a:t>
+              <a:t>4/10/2024</a:t>
             </a:fld>
             <a:endParaRPr lang="en-US"/>
           </a:p>
@@ -2032,7 +2209,7 @@
           <a:p>
             <a:fld id="{0560A9CD-0304-4E0B-9E82-E7E0115DE05B}" type="datetimeFigureOut">
               <a:rPr lang="en-US" smtClean="0"/>
-              <a:t>4/16/2023</a:t>
+              <a:t>4/10/2024</a:t>
             </a:fld>
             <a:endParaRPr lang="en-US"/>
           </a:p>
@@ -2210,7 +2387,7 @@
           <a:p>
             <a:fld id="{0560A9CD-0304-4E0B-9E82-E7E0115DE05B}" type="datetimeFigureOut">
               <a:rPr lang="en-US" smtClean="0"/>
-              <a:t>4/16/2023</a:t>
+              <a:t>4/10/2024</a:t>
             </a:fld>
             <a:endParaRPr lang="en-US"/>
           </a:p>
@@ -2393,7 +2570,7 @@
           <a:p>
             <a:fld id="{0560A9CD-0304-4E0B-9E82-E7E0115DE05B}" type="datetimeFigureOut">
               <a:rPr lang="en-US" smtClean="0"/>
-              <a:t>4/16/2023</a:t>
+              <a:t>4/10/2024</a:t>
             </a:fld>
             <a:endParaRPr lang="en-US"/>
           </a:p>
@@ -2638,7 +2815,7 @@
           <a:p>
             <a:fld id="{0560A9CD-0304-4E0B-9E82-E7E0115DE05B}" type="datetimeFigureOut">
               <a:rPr lang="en-US" smtClean="0"/>
-              <a:t>4/16/2023</a:t>
+              <a:t>4/10/2024</a:t>
             </a:fld>
             <a:endParaRPr lang="en-US"/>
           </a:p>
@@ -2867,7 +3044,7 @@
           <a:p>
             <a:fld id="{0560A9CD-0304-4E0B-9E82-E7E0115DE05B}" type="datetimeFigureOut">
               <a:rPr lang="en-US" smtClean="0"/>
-              <a:t>4/16/2023</a:t>
+              <a:t>4/10/2024</a:t>
             </a:fld>
             <a:endParaRPr lang="en-US"/>
           </a:p>
@@ -3231,7 +3408,7 @@
           <a:p>
             <a:fld id="{0560A9CD-0304-4E0B-9E82-E7E0115DE05B}" type="datetimeFigureOut">
               <a:rPr lang="en-US" smtClean="0"/>
-              <a:t>4/16/2023</a:t>
+              <a:t>4/10/2024</a:t>
             </a:fld>
             <a:endParaRPr lang="en-US"/>
           </a:p>
@@ -3348,7 +3525,7 @@
           <a:p>
             <a:fld id="{0560A9CD-0304-4E0B-9E82-E7E0115DE05B}" type="datetimeFigureOut">
               <a:rPr lang="en-US" smtClean="0"/>
-              <a:t>4/16/2023</a:t>
+              <a:t>4/10/2024</a:t>
             </a:fld>
             <a:endParaRPr lang="en-US"/>
           </a:p>
@@ -3443,7 +3620,7 @@
           <a:p>
             <a:fld id="{0560A9CD-0304-4E0B-9E82-E7E0115DE05B}" type="datetimeFigureOut">
               <a:rPr lang="en-US" smtClean="0"/>
-              <a:t>4/16/2023</a:t>
+              <a:t>4/10/2024</a:t>
             </a:fld>
             <a:endParaRPr lang="en-US"/>
           </a:p>
@@ -3718,7 +3895,7 @@
           <a:p>
             <a:fld id="{0560A9CD-0304-4E0B-9E82-E7E0115DE05B}" type="datetimeFigureOut">
               <a:rPr lang="en-US" smtClean="0"/>
-              <a:t>4/16/2023</a:t>
+              <a:t>4/10/2024</a:t>
             </a:fld>
             <a:endParaRPr lang="en-US"/>
           </a:p>
@@ -3970,7 +4147,7 @@
           <a:p>
             <a:fld id="{0560A9CD-0304-4E0B-9E82-E7E0115DE05B}" type="datetimeFigureOut">
               <a:rPr lang="en-US" smtClean="0"/>
-              <a:t>4/16/2023</a:t>
+              <a:t>4/10/2024</a:t>
             </a:fld>
             <a:endParaRPr lang="en-US"/>
           </a:p>
@@ -4181,7 +4358,7 @@
           <a:p>
             <a:fld id="{0560A9CD-0304-4E0B-9E82-E7E0115DE05B}" type="datetimeFigureOut">
               <a:rPr lang="en-US" smtClean="0"/>
-              <a:t>4/16/2023</a:t>
+              <a:t>4/10/2024</a:t>
             </a:fld>
             <a:endParaRPr lang="en-US"/>
           </a:p>
@@ -5403,7 +5580,7 @@
             <p:nvPr/>
           </p:nvPicPr>
           <p:blipFill>
-            <a:blip r:embed="rId2" cstate="print">
+            <a:blip r:embed="rId3" cstate="print">
               <a:extLst>
                 <a:ext uri="{28A0092B-C50C-407E-A947-70E740481C1C}">
                   <a14:useLocalDpi xmlns:a14="http://schemas.microsoft.com/office/drawing/2010/main" val="0"/>
@@ -21549,7 +21726,7 @@
         </p:blipFill>
         <p:spPr>
           <a:xfrm>
-            <a:off x="1050900" y="4747765"/>
+            <a:off x="1660500" y="5001428"/>
             <a:ext cx="5857461" cy="1676400"/>
           </a:xfrm>
           <a:prstGeom prst="rect">
@@ -21572,8 +21749,8 @@
         </p:nvSpPr>
         <p:spPr>
           <a:xfrm>
-            <a:off x="430696" y="1649897"/>
-            <a:ext cx="11025810" cy="2908852"/>
+            <a:off x="430696" y="1649896"/>
+            <a:ext cx="11025810" cy="3265003"/>
           </a:xfrm>
         </p:spPr>
         <p:txBody>
@@ -21643,24 +21820,24 @@
           <a:p>
             <a:r>
               <a:rPr lang="en-US" dirty="0"/>
-              <a:t>Google’s PageRank algorithm was described</a:t>
+              <a:t>Google’s PageRank algorithm was described in (</a:t>
+            </a:r>
+            <a:r>
+              <a:rPr lang="en-US" dirty="0">
+                <a:hlinkClick r:id="rId4"/>
+              </a:rPr>
+              <a:t>infolab.stanford.edu/pub/papers/google.pdf</a:t>
+            </a:r>
+            <a:r>
+              <a:rPr lang="en-US" dirty="0"/>
+              <a:t>, </a:t>
             </a:r>
             <a:br>
               <a:rPr lang="en-US" dirty="0"/>
             </a:br>
             <a:r>
               <a:rPr lang="en-US" dirty="0"/>
-              <a:t>in (</a:t>
-            </a:r>
-            <a:r>
-              <a:rPr lang="en-US" dirty="0">
-                <a:hlinkClick r:id="rId4"/>
-              </a:rPr>
-              <a:t>ilpubs.stanford.edu:8090/361/</a:t>
-            </a:r>
-            <a:r>
-              <a:rPr lang="en-US" dirty="0"/>
-              <a:t>, 1998)</a:t>
+              <a:t>1998)</a:t>
             </a:r>
           </a:p>
         </p:txBody>

--- a/ipsa/slides/linear_programming.pptx
+++ b/ipsa/slides/linear_programming.pptx
@@ -761,7 +761,7 @@
   <pc:docChgLst>
     <pc:chgData name="Gerth Stølting Brodal" userId="04ef4784-6591-4f86-a140-f5c3b108582a" providerId="ADAL" clId="{3182D9E5-9F75-4E9E-A6C8-86AC2F6C117C}"/>
     <pc:docChg chg="undo custSel modSld">
-      <pc:chgData name="Gerth Stølting Brodal" userId="04ef4784-6591-4f86-a140-f5c3b108582a" providerId="ADAL" clId="{3182D9E5-9F75-4E9E-A6C8-86AC2F6C117C}" dt="2024-04-10T06:19:07.264" v="190" actId="6549"/>
+      <pc:chgData name="Gerth Stølting Brodal" userId="04ef4784-6591-4f86-a140-f5c3b108582a" providerId="ADAL" clId="{3182D9E5-9F75-4E9E-A6C8-86AC2F6C117C}" dt="2024-04-14T20:28:46.187" v="320" actId="113"/>
       <pc:docMkLst>
         <pc:docMk/>
       </pc:docMkLst>
@@ -800,6 +800,13 @@
         <pc:sldMkLst>
           <pc:docMk/>
           <pc:sldMk cId="1989879142" sldId="792"/>
+        </pc:sldMkLst>
+      </pc:sldChg>
+      <pc:sldChg chg="modNotesTx">
+        <pc:chgData name="Gerth Stølting Brodal" userId="04ef4784-6591-4f86-a140-f5c3b108582a" providerId="ADAL" clId="{3182D9E5-9F75-4E9E-A6C8-86AC2F6C117C}" dt="2024-04-14T20:28:46.187" v="320" actId="113"/>
+        <pc:sldMkLst>
+          <pc:docMk/>
+          <pc:sldMk cId="3092077248" sldId="796"/>
         </pc:sldMkLst>
       </pc:sldChg>
     </pc:docChg>
@@ -889,7 +896,7 @@
           <a:p>
             <a:fld id="{FB1A172F-81D4-4DC4-9113-1DBD56EC3646}" type="datetimeFigureOut">
               <a:rPr lang="en-US" smtClean="0"/>
-              <a:t>4/10/2024</a:t>
+              <a:t>4/14/2024</a:t>
             </a:fld>
             <a:endParaRPr lang="en-US"/>
           </a:p>
@@ -1904,6 +1911,116 @@
 </p:notes>
 </file>
 
+<file path=ppt/notesSlides/notesSlide8.xml><?xml version="1.0" encoding="utf-8"?>
+<p:notes xmlns:a="http://schemas.openxmlformats.org/drawingml/2006/main" xmlns:r="http://schemas.openxmlformats.org/officeDocument/2006/relationships" xmlns:p="http://schemas.openxmlformats.org/presentationml/2006/main">
+  <p:cSld>
+    <p:spTree>
+      <p:nvGrpSpPr>
+        <p:cNvPr id="1" name=""/>
+        <p:cNvGrpSpPr/>
+        <p:nvPr/>
+      </p:nvGrpSpPr>
+      <p:grpSpPr>
+        <a:xfrm>
+          <a:off x="0" y="0"/>
+          <a:ext cx="0" cy="0"/>
+          <a:chOff x="0" y="0"/>
+          <a:chExt cx="0" cy="0"/>
+        </a:xfrm>
+      </p:grpSpPr>
+      <p:sp>
+        <p:nvSpPr>
+          <p:cNvPr id="2" name="Slide Image Placeholder 1"/>
+          <p:cNvSpPr>
+            <a:spLocks noGrp="1" noRot="1" noChangeAspect="1"/>
+          </p:cNvSpPr>
+          <p:nvPr>
+            <p:ph type="sldImg"/>
+          </p:nvPr>
+        </p:nvSpPr>
+        <p:spPr/>
+      </p:sp>
+      <p:sp>
+        <p:nvSpPr>
+          <p:cNvPr id="3" name="Notes Placeholder 2"/>
+          <p:cNvSpPr>
+            <a:spLocks noGrp="1"/>
+          </p:cNvSpPr>
+          <p:nvPr>
+            <p:ph type="body" idx="1"/>
+          </p:nvPr>
+        </p:nvSpPr>
+        <p:spPr/>
+        <p:txBody>
+          <a:bodyPr/>
+          <a:lstStyle/>
+          <a:p>
+            <a:r>
+              <a:rPr lang="en-US" dirty="0"/>
+              <a:t>Keyword argument "bound" defines the ranges for the variables. </a:t>
+            </a:r>
+          </a:p>
+          <a:p>
+            <a:r>
+              <a:rPr lang="en-US" dirty="0"/>
+              <a:t>Default bound is </a:t>
+            </a:r>
+            <a:r>
+              <a:rPr lang="en-US" b="1" dirty="0"/>
+              <a:t>(0, None)</a:t>
+            </a:r>
+            <a:r>
+              <a:rPr lang="en-US" b="0" dirty="0"/>
+              <a:t>, </a:t>
+            </a:r>
+            <a:r>
+              <a:rPr lang="en-US" b="0" dirty="0" err="1"/>
+              <a:t>ie</a:t>
+            </a:r>
+            <a:r>
+              <a:rPr lang="en-US" b="0" dirty="0"/>
+              <a:t> variables must be non-negative</a:t>
+            </a:r>
+            <a:endParaRPr lang="da-DK" b="0" dirty="0"/>
+          </a:p>
+        </p:txBody>
+      </p:sp>
+      <p:sp>
+        <p:nvSpPr>
+          <p:cNvPr id="4" name="Slide Number Placeholder 3"/>
+          <p:cNvSpPr>
+            <a:spLocks noGrp="1"/>
+          </p:cNvSpPr>
+          <p:nvPr>
+            <p:ph type="sldNum" sz="quarter" idx="5"/>
+          </p:nvPr>
+        </p:nvSpPr>
+        <p:spPr/>
+        <p:txBody>
+          <a:bodyPr/>
+          <a:lstStyle/>
+          <a:p>
+            <a:fld id="{CD563DD8-32AB-41BE-B1C6-8EAC45222ACE}" type="slidenum">
+              <a:rPr lang="en-US" smtClean="0"/>
+              <a:t>18</a:t>
+            </a:fld>
+            <a:endParaRPr lang="en-US"/>
+          </a:p>
+        </p:txBody>
+      </p:sp>
+    </p:spTree>
+    <p:extLst>
+      <p:ext uri="{BB962C8B-B14F-4D97-AF65-F5344CB8AC3E}">
+        <p14:creationId xmlns:p14="http://schemas.microsoft.com/office/powerpoint/2010/main" val="96915193"/>
+      </p:ext>
+    </p:extLst>
+  </p:cSld>
+  <p:clrMapOvr>
+    <a:masterClrMapping/>
+  </p:clrMapOvr>
+</p:notes>
+</file>
+
 <file path=ppt/slideLayouts/slideLayout1.xml><?xml version="1.0" encoding="utf-8"?>
 <p:sldLayout xmlns:a="http://schemas.openxmlformats.org/drawingml/2006/main" xmlns:r="http://schemas.openxmlformats.org/officeDocument/2006/relationships" xmlns:p="http://schemas.openxmlformats.org/presentationml/2006/main" type="title" preserve="1">
   <p:cSld name="Title Slide">
@@ -2041,7 +2158,7 @@
           <a:p>
             <a:fld id="{0560A9CD-0304-4E0B-9E82-E7E0115DE05B}" type="datetimeFigureOut">
               <a:rPr lang="en-US" smtClean="0"/>
-              <a:t>4/10/2024</a:t>
+              <a:t>4/14/2024</a:t>
             </a:fld>
             <a:endParaRPr lang="en-US"/>
           </a:p>
@@ -2209,7 +2326,7 @@
           <a:p>
             <a:fld id="{0560A9CD-0304-4E0B-9E82-E7E0115DE05B}" type="datetimeFigureOut">
               <a:rPr lang="en-US" smtClean="0"/>
-              <a:t>4/10/2024</a:t>
+              <a:t>4/14/2024</a:t>
             </a:fld>
             <a:endParaRPr lang="en-US"/>
           </a:p>
@@ -2387,7 +2504,7 @@
           <a:p>
             <a:fld id="{0560A9CD-0304-4E0B-9E82-E7E0115DE05B}" type="datetimeFigureOut">
               <a:rPr lang="en-US" smtClean="0"/>
-              <a:t>4/10/2024</a:t>
+              <a:t>4/14/2024</a:t>
             </a:fld>
             <a:endParaRPr lang="en-US"/>
           </a:p>
@@ -2570,7 +2687,7 @@
           <a:p>
             <a:fld id="{0560A9CD-0304-4E0B-9E82-E7E0115DE05B}" type="datetimeFigureOut">
               <a:rPr lang="en-US" smtClean="0"/>
-              <a:t>4/10/2024</a:t>
+              <a:t>4/14/2024</a:t>
             </a:fld>
             <a:endParaRPr lang="en-US"/>
           </a:p>
@@ -2815,7 +2932,7 @@
           <a:p>
             <a:fld id="{0560A9CD-0304-4E0B-9E82-E7E0115DE05B}" type="datetimeFigureOut">
               <a:rPr lang="en-US" smtClean="0"/>
-              <a:t>4/10/2024</a:t>
+              <a:t>4/14/2024</a:t>
             </a:fld>
             <a:endParaRPr lang="en-US"/>
           </a:p>
@@ -3044,7 +3161,7 @@
           <a:p>
             <a:fld id="{0560A9CD-0304-4E0B-9E82-E7E0115DE05B}" type="datetimeFigureOut">
               <a:rPr lang="en-US" smtClean="0"/>
-              <a:t>4/10/2024</a:t>
+              <a:t>4/14/2024</a:t>
             </a:fld>
             <a:endParaRPr lang="en-US"/>
           </a:p>
@@ -3408,7 +3525,7 @@
           <a:p>
             <a:fld id="{0560A9CD-0304-4E0B-9E82-E7E0115DE05B}" type="datetimeFigureOut">
               <a:rPr lang="en-US" smtClean="0"/>
-              <a:t>4/10/2024</a:t>
+              <a:t>4/14/2024</a:t>
             </a:fld>
             <a:endParaRPr lang="en-US"/>
           </a:p>
@@ -3525,7 +3642,7 @@
           <a:p>
             <a:fld id="{0560A9CD-0304-4E0B-9E82-E7E0115DE05B}" type="datetimeFigureOut">
               <a:rPr lang="en-US" smtClean="0"/>
-              <a:t>4/10/2024</a:t>
+              <a:t>4/14/2024</a:t>
             </a:fld>
             <a:endParaRPr lang="en-US"/>
           </a:p>
@@ -3620,7 +3737,7 @@
           <a:p>
             <a:fld id="{0560A9CD-0304-4E0B-9E82-E7E0115DE05B}" type="datetimeFigureOut">
               <a:rPr lang="en-US" smtClean="0"/>
-              <a:t>4/10/2024</a:t>
+              <a:t>4/14/2024</a:t>
             </a:fld>
             <a:endParaRPr lang="en-US"/>
           </a:p>
@@ -3895,7 +4012,7 @@
           <a:p>
             <a:fld id="{0560A9CD-0304-4E0B-9E82-E7E0115DE05B}" type="datetimeFigureOut">
               <a:rPr lang="en-US" smtClean="0"/>
-              <a:t>4/10/2024</a:t>
+              <a:t>4/14/2024</a:t>
             </a:fld>
             <a:endParaRPr lang="en-US"/>
           </a:p>
@@ -4147,7 +4264,7 @@
           <a:p>
             <a:fld id="{0560A9CD-0304-4E0B-9E82-E7E0115DE05B}" type="datetimeFigureOut">
               <a:rPr lang="en-US" smtClean="0"/>
-              <a:t>4/10/2024</a:t>
+              <a:t>4/14/2024</a:t>
             </a:fld>
             <a:endParaRPr lang="en-US"/>
           </a:p>
@@ -4358,7 +4475,7 @@
           <a:p>
             <a:fld id="{0560A9CD-0304-4E0B-9E82-E7E0115DE05B}" type="datetimeFigureOut">
               <a:rPr lang="en-US" smtClean="0"/>
-              <a:t>4/10/2024</a:t>
+              <a:t>4/14/2024</a:t>
             </a:fld>
             <a:endParaRPr lang="en-US"/>
           </a:p>
@@ -12259,7 +12376,7 @@
           <p:nvPr/>
         </p:nvPicPr>
         <p:blipFill rotWithShape="1">
-          <a:blip r:embed="rId2"/>
+          <a:blip r:embed="rId3"/>
           <a:srcRect l="30820" t="13031" r="11100" b="8149"/>
           <a:stretch/>
         </p:blipFill>
@@ -13093,7 +13210,7 @@
                 <a:avLst/>
               </a:prstGeom>
               <a:blipFill>
-                <a:blip r:embed="rId3"/>
+                <a:blip r:embed="rId4"/>
                 <a:stretch>
                   <a:fillRect/>
                 </a:stretch>

--- a/ipsa/slides/linear_programming.pptx
+++ b/ipsa/slides/linear_programming.pptx
@@ -139,7 +139,7 @@
 <file path=ppt/revisionInfo.xml><?xml version="1.0" encoding="utf-8"?>
 <p1510:revInfo xmlns:a="http://schemas.openxmlformats.org/drawingml/2006/main" xmlns:r="http://schemas.openxmlformats.org/officeDocument/2006/relationships" xmlns:p1510="http://schemas.microsoft.com/office/powerpoint/2015/10/main">
   <p1510:revLst>
-    <p1510:client id="{3182D9E5-9F75-4E9E-A6C8-86AC2F6C117C}" v="1" dt="2024-04-10T06:02:25.339"/>
+    <p1510:client id="{81AC35D5-6BEF-4A15-80CA-88A8229CCE5F}" v="16" dt="2025-06-03T16:02:43.885"/>
   </p1510:revLst>
 </p1510:revInfo>
 </file>
@@ -159,14 +159,6 @@
           <pc:docMk/>
           <pc:sldMk cId="84816449" sldId="788"/>
         </pc:sldMkLst>
-        <pc:graphicFrameChg chg="modGraphic">
-          <ac:chgData name="Gerth Stølting Brodal" userId="04ef4784-6591-4f86-a140-f5c3b108582a" providerId="ADAL" clId="{C39A38A5-3370-482A-A0A5-CF635498757E}" dt="2023-03-11T00:05:36.236" v="47" actId="313"/>
-          <ac:graphicFrameMkLst>
-            <pc:docMk/>
-            <pc:sldMk cId="84816449" sldId="788"/>
-            <ac:graphicFrameMk id="14" creationId="{00000000-0000-0000-0000-000000000000}"/>
-          </ac:graphicFrameMkLst>
-        </pc:graphicFrameChg>
       </pc:sldChg>
       <pc:sldChg chg="modSp mod">
         <pc:chgData name="Gerth Stølting Brodal" userId="04ef4784-6591-4f86-a140-f5c3b108582a" providerId="ADAL" clId="{C39A38A5-3370-482A-A0A5-CF635498757E}" dt="2023-03-11T00:02:19.494" v="41" actId="313"/>
@@ -174,14 +166,6 @@
           <pc:docMk/>
           <pc:sldMk cId="2230500912" sldId="790"/>
         </pc:sldMkLst>
-        <pc:graphicFrameChg chg="modGraphic">
-          <ac:chgData name="Gerth Stølting Brodal" userId="04ef4784-6591-4f86-a140-f5c3b108582a" providerId="ADAL" clId="{C39A38A5-3370-482A-A0A5-CF635498757E}" dt="2023-03-11T00:02:19.494" v="41" actId="313"/>
-          <ac:graphicFrameMkLst>
-            <pc:docMk/>
-            <pc:sldMk cId="2230500912" sldId="790"/>
-            <ac:graphicFrameMk id="14" creationId="{00000000-0000-0000-0000-000000000000}"/>
-          </ac:graphicFrameMkLst>
-        </pc:graphicFrameChg>
       </pc:sldChg>
     </pc:docChg>
   </pc:docChgLst>
@@ -198,14 +182,6 @@
           <pc:docMk/>
           <pc:sldMk cId="3278452034" sldId="772"/>
         </pc:sldMkLst>
-        <pc:spChg chg="mod">
-          <ac:chgData name="Gerth Stølting Brodal" userId="04ef4784-6591-4f86-a140-f5c3b108582a" providerId="ADAL" clId="{0DB94234-3218-4FCB-8C1F-DFC91B9BC4D4}" dt="2022-04-07T16:55:43.365" v="238" actId="6549"/>
-          <ac:spMkLst>
-            <pc:docMk/>
-            <pc:sldMk cId="3278452034" sldId="772"/>
-            <ac:spMk id="4" creationId="{00000000-0000-0000-0000-000000000000}"/>
-          </ac:spMkLst>
-        </pc:spChg>
       </pc:sldChg>
       <pc:sldChg chg="modSp mod">
         <pc:chgData name="Gerth Stølting Brodal" userId="04ef4784-6591-4f86-a140-f5c3b108582a" providerId="ADAL" clId="{0DB94234-3218-4FCB-8C1F-DFC91B9BC4D4}" dt="2022-04-03T07:00:03.691" v="42" actId="20577"/>
@@ -213,30 +189,6 @@
           <pc:docMk/>
           <pc:sldMk cId="1272159487" sldId="774"/>
         </pc:sldMkLst>
-        <pc:spChg chg="mod">
-          <ac:chgData name="Gerth Stølting Brodal" userId="04ef4784-6591-4f86-a140-f5c3b108582a" providerId="ADAL" clId="{0DB94234-3218-4FCB-8C1F-DFC91B9BC4D4}" dt="2022-04-03T06:59:40.012" v="13" actId="20577"/>
-          <ac:spMkLst>
-            <pc:docMk/>
-            <pc:sldMk cId="1272159487" sldId="774"/>
-            <ac:spMk id="13" creationId="{00000000-0000-0000-0000-000000000000}"/>
-          </ac:spMkLst>
-        </pc:spChg>
-        <pc:spChg chg="mod">
-          <ac:chgData name="Gerth Stølting Brodal" userId="04ef4784-6591-4f86-a140-f5c3b108582a" providerId="ADAL" clId="{0DB94234-3218-4FCB-8C1F-DFC91B9BC4D4}" dt="2022-04-03T06:59:57.282" v="14" actId="14100"/>
-          <ac:spMkLst>
-            <pc:docMk/>
-            <pc:sldMk cId="1272159487" sldId="774"/>
-            <ac:spMk id="21" creationId="{00000000-0000-0000-0000-000000000000}"/>
-          </ac:spMkLst>
-        </pc:spChg>
-        <pc:spChg chg="mod">
-          <ac:chgData name="Gerth Stølting Brodal" userId="04ef4784-6591-4f86-a140-f5c3b108582a" providerId="ADAL" clId="{0DB94234-3218-4FCB-8C1F-DFC91B9BC4D4}" dt="2022-04-03T07:00:03.691" v="42" actId="20577"/>
-          <ac:spMkLst>
-            <pc:docMk/>
-            <pc:sldMk cId="1272159487" sldId="774"/>
-            <ac:spMk id="23" creationId="{00000000-0000-0000-0000-000000000000}"/>
-          </ac:spMkLst>
-        </pc:spChg>
       </pc:sldChg>
     </pc:docChg>
   </pc:docChgLst>
@@ -253,14 +205,6 @@
           <pc:docMk/>
           <pc:sldMk cId="1272159487" sldId="774"/>
         </pc:sldMkLst>
-        <pc:spChg chg="mod">
-          <ac:chgData name="Gerth Stølting Brodal" userId="04ef4784-6591-4f86-a140-f5c3b108582a" providerId="ADAL" clId="{FCA54829-69E0-4900-9165-83DAEE965D83}" dt="2023-04-16T11:46:18.083" v="199" actId="20577"/>
-          <ac:spMkLst>
-            <pc:docMk/>
-            <pc:sldMk cId="1272159487" sldId="774"/>
-            <ac:spMk id="3" creationId="{00000000-0000-0000-0000-000000000000}"/>
-          </ac:spMkLst>
-        </pc:spChg>
       </pc:sldChg>
       <pc:sldChg chg="addSp modSp mod">
         <pc:chgData name="Gerth Stølting Brodal" userId="04ef4784-6591-4f86-a140-f5c3b108582a" providerId="ADAL" clId="{FCA54829-69E0-4900-9165-83DAEE965D83}" dt="2023-04-16T11:48:39.280" v="201" actId="1076"/>
@@ -268,14 +212,6 @@
           <pc:docMk/>
           <pc:sldMk cId="4011126068" sldId="775"/>
         </pc:sldMkLst>
-        <pc:picChg chg="add mod">
-          <ac:chgData name="Gerth Stølting Brodal" userId="04ef4784-6591-4f86-a140-f5c3b108582a" providerId="ADAL" clId="{FCA54829-69E0-4900-9165-83DAEE965D83}" dt="2023-04-16T11:48:39.280" v="201" actId="1076"/>
-          <ac:picMkLst>
-            <pc:docMk/>
-            <pc:sldMk cId="4011126068" sldId="775"/>
-            <ac:picMk id="3" creationId="{05D769A4-3D29-D5AA-40CD-D03ADD3B32E4}"/>
-          </ac:picMkLst>
-        </pc:picChg>
       </pc:sldChg>
       <pc:sldChg chg="mod modShow">
         <pc:chgData name="Gerth Stølting Brodal" userId="04ef4784-6591-4f86-a140-f5c3b108582a" providerId="ADAL" clId="{FCA54829-69E0-4900-9165-83DAEE965D83}" dt="2023-04-16T10:43:43.951" v="4" actId="729"/>
@@ -290,70 +226,6 @@
           <pc:docMk/>
           <pc:sldMk cId="4134781063" sldId="780"/>
         </pc:sldMkLst>
-        <pc:spChg chg="mod">
-          <ac:chgData name="Gerth Stølting Brodal" userId="04ef4784-6591-4f86-a140-f5c3b108582a" providerId="ADAL" clId="{FCA54829-69E0-4900-9165-83DAEE965D83}" dt="2023-04-16T11:24:39.591" v="115" actId="1035"/>
-          <ac:spMkLst>
-            <pc:docMk/>
-            <pc:sldMk cId="4134781063" sldId="780"/>
-            <ac:spMk id="8" creationId="{00000000-0000-0000-0000-000000000000}"/>
-          </ac:spMkLst>
-        </pc:spChg>
-        <pc:spChg chg="mod">
-          <ac:chgData name="Gerth Stølting Brodal" userId="04ef4784-6591-4f86-a140-f5c3b108582a" providerId="ADAL" clId="{FCA54829-69E0-4900-9165-83DAEE965D83}" dt="2023-04-16T11:21:35.141" v="85" actId="208"/>
-          <ac:spMkLst>
-            <pc:docMk/>
-            <pc:sldMk cId="4134781063" sldId="780"/>
-            <ac:spMk id="9" creationId="{00000000-0000-0000-0000-000000000000}"/>
-          </ac:spMkLst>
-        </pc:spChg>
-        <pc:spChg chg="mod">
-          <ac:chgData name="Gerth Stølting Brodal" userId="04ef4784-6591-4f86-a140-f5c3b108582a" providerId="ADAL" clId="{FCA54829-69E0-4900-9165-83DAEE965D83}" dt="2023-04-16T11:24:44.093" v="118" actId="1035"/>
-          <ac:spMkLst>
-            <pc:docMk/>
-            <pc:sldMk cId="4134781063" sldId="780"/>
-            <ac:spMk id="10" creationId="{00000000-0000-0000-0000-000000000000}"/>
-          </ac:spMkLst>
-        </pc:spChg>
-        <pc:spChg chg="mod">
-          <ac:chgData name="Gerth Stølting Brodal" userId="04ef4784-6591-4f86-a140-f5c3b108582a" providerId="ADAL" clId="{FCA54829-69E0-4900-9165-83DAEE965D83}" dt="2023-04-16T11:21:35.141" v="85" actId="208"/>
-          <ac:spMkLst>
-            <pc:docMk/>
-            <pc:sldMk cId="4134781063" sldId="780"/>
-            <ac:spMk id="11" creationId="{00000000-0000-0000-0000-000000000000}"/>
-          </ac:spMkLst>
-        </pc:spChg>
-        <pc:spChg chg="mod">
-          <ac:chgData name="Gerth Stølting Brodal" userId="04ef4784-6591-4f86-a140-f5c3b108582a" providerId="ADAL" clId="{FCA54829-69E0-4900-9165-83DAEE965D83}" dt="2023-04-16T11:21:35.141" v="85" actId="208"/>
-          <ac:spMkLst>
-            <pc:docMk/>
-            <pc:sldMk cId="4134781063" sldId="780"/>
-            <ac:spMk id="12" creationId="{00000000-0000-0000-0000-000000000000}"/>
-          </ac:spMkLst>
-        </pc:spChg>
-        <pc:spChg chg="mod">
-          <ac:chgData name="Gerth Stølting Brodal" userId="04ef4784-6591-4f86-a140-f5c3b108582a" providerId="ADAL" clId="{FCA54829-69E0-4900-9165-83DAEE965D83}" dt="2023-04-16T11:21:35.141" v="85" actId="208"/>
-          <ac:spMkLst>
-            <pc:docMk/>
-            <pc:sldMk cId="4134781063" sldId="780"/>
-            <ac:spMk id="13" creationId="{00000000-0000-0000-0000-000000000000}"/>
-          </ac:spMkLst>
-        </pc:spChg>
-        <pc:graphicFrameChg chg="mod">
-          <ac:chgData name="Gerth Stølting Brodal" userId="04ef4784-6591-4f86-a140-f5c3b108582a" providerId="ADAL" clId="{FCA54829-69E0-4900-9165-83DAEE965D83}" dt="2023-04-16T10:48:04.825" v="7"/>
-          <ac:graphicFrameMkLst>
-            <pc:docMk/>
-            <pc:sldMk cId="4134781063" sldId="780"/>
-            <ac:graphicFrameMk id="6" creationId="{00000000-0000-0000-0000-000000000000}"/>
-          </ac:graphicFrameMkLst>
-        </pc:graphicFrameChg>
-        <pc:picChg chg="mod">
-          <ac:chgData name="Gerth Stølting Brodal" userId="04ef4784-6591-4f86-a140-f5c3b108582a" providerId="ADAL" clId="{FCA54829-69E0-4900-9165-83DAEE965D83}" dt="2023-04-16T11:21:44.249" v="87" actId="1582"/>
-          <ac:picMkLst>
-            <pc:docMk/>
-            <pc:sldMk cId="4134781063" sldId="780"/>
-            <ac:picMk id="7" creationId="{00000000-0000-0000-0000-000000000000}"/>
-          </ac:picMkLst>
-        </pc:picChg>
       </pc:sldChg>
       <pc:sldChg chg="modSp mod">
         <pc:chgData name="Gerth Stølting Brodal" userId="04ef4784-6591-4f86-a140-f5c3b108582a" providerId="ADAL" clId="{FCA54829-69E0-4900-9165-83DAEE965D83}" dt="2023-04-16T11:34:14.568" v="197" actId="20577"/>
@@ -361,30 +233,6 @@
           <pc:docMk/>
           <pc:sldMk cId="3629567511" sldId="782"/>
         </pc:sldMkLst>
-        <pc:spChg chg="mod">
-          <ac:chgData name="Gerth Stølting Brodal" userId="04ef4784-6591-4f86-a140-f5c3b108582a" providerId="ADAL" clId="{FCA54829-69E0-4900-9165-83DAEE965D83}" dt="2023-04-16T11:33:51.079" v="196" actId="20577"/>
-          <ac:spMkLst>
-            <pc:docMk/>
-            <pc:sldMk cId="3629567511" sldId="782"/>
-            <ac:spMk id="3" creationId="{00000000-0000-0000-0000-000000000000}"/>
-          </ac:spMkLst>
-        </pc:spChg>
-        <pc:spChg chg="mod">
-          <ac:chgData name="Gerth Stølting Brodal" userId="04ef4784-6591-4f86-a140-f5c3b108582a" providerId="ADAL" clId="{FCA54829-69E0-4900-9165-83DAEE965D83}" dt="2023-04-16T11:32:57.532" v="188" actId="58"/>
-          <ac:spMkLst>
-            <pc:docMk/>
-            <pc:sldMk cId="3629567511" sldId="782"/>
-            <ac:spMk id="7" creationId="{00000000-0000-0000-0000-000000000000}"/>
-          </ac:spMkLst>
-        </pc:spChg>
-        <pc:graphicFrameChg chg="modGraphic">
-          <ac:chgData name="Gerth Stølting Brodal" userId="04ef4784-6591-4f86-a140-f5c3b108582a" providerId="ADAL" clId="{FCA54829-69E0-4900-9165-83DAEE965D83}" dt="2023-04-16T11:34:14.568" v="197" actId="20577"/>
-          <ac:graphicFrameMkLst>
-            <pc:docMk/>
-            <pc:sldMk cId="3629567511" sldId="782"/>
-            <ac:graphicFrameMk id="4" creationId="{00000000-0000-0000-0000-000000000000}"/>
-          </ac:graphicFrameMkLst>
-        </pc:graphicFrameChg>
       </pc:sldChg>
       <pc:sldChg chg="addSp delSp modSp mod modNotesTx">
         <pc:chgData name="Gerth Stølting Brodal" userId="04ef4784-6591-4f86-a140-f5c3b108582a" providerId="ADAL" clId="{FCA54829-69E0-4900-9165-83DAEE965D83}" dt="2023-04-16T11:26:57.468" v="178" actId="1035"/>
@@ -392,78 +240,6 @@
           <pc:docMk/>
           <pc:sldMk cId="1178474818" sldId="783"/>
         </pc:sldMkLst>
-        <pc:spChg chg="mod">
-          <ac:chgData name="Gerth Stølting Brodal" userId="04ef4784-6591-4f86-a140-f5c3b108582a" providerId="ADAL" clId="{FCA54829-69E0-4900-9165-83DAEE965D83}" dt="2023-04-16T11:26:52.287" v="172" actId="1035"/>
-          <ac:spMkLst>
-            <pc:docMk/>
-            <pc:sldMk cId="1178474818" sldId="783"/>
-            <ac:spMk id="16" creationId="{5EAAFEFF-4F9C-88B0-B055-B4D7B34F1E5A}"/>
-          </ac:spMkLst>
-        </pc:spChg>
-        <pc:spChg chg="mod">
-          <ac:chgData name="Gerth Stølting Brodal" userId="04ef4784-6591-4f86-a140-f5c3b108582a" providerId="ADAL" clId="{FCA54829-69E0-4900-9165-83DAEE965D83}" dt="2023-04-16T11:22:30.122" v="94"/>
-          <ac:spMkLst>
-            <pc:docMk/>
-            <pc:sldMk cId="1178474818" sldId="783"/>
-            <ac:spMk id="17" creationId="{426709AE-5ED2-0F69-1028-E4616FA26765}"/>
-          </ac:spMkLst>
-        </pc:spChg>
-        <pc:spChg chg="mod">
-          <ac:chgData name="Gerth Stølting Brodal" userId="04ef4784-6591-4f86-a140-f5c3b108582a" providerId="ADAL" clId="{FCA54829-69E0-4900-9165-83DAEE965D83}" dt="2023-04-16T11:26:57.468" v="178" actId="1035"/>
-          <ac:spMkLst>
-            <pc:docMk/>
-            <pc:sldMk cId="1178474818" sldId="783"/>
-            <ac:spMk id="18" creationId="{C3F1AA50-6A08-B972-8579-5487D87AF4B6}"/>
-          </ac:spMkLst>
-        </pc:spChg>
-        <pc:spChg chg="mod">
-          <ac:chgData name="Gerth Stølting Brodal" userId="04ef4784-6591-4f86-a140-f5c3b108582a" providerId="ADAL" clId="{FCA54829-69E0-4900-9165-83DAEE965D83}" dt="2023-04-16T11:22:30.122" v="94"/>
-          <ac:spMkLst>
-            <pc:docMk/>
-            <pc:sldMk cId="1178474818" sldId="783"/>
-            <ac:spMk id="19" creationId="{1291DC0C-E042-C215-1832-AFE4ABB68CC4}"/>
-          </ac:spMkLst>
-        </pc:spChg>
-        <pc:spChg chg="mod">
-          <ac:chgData name="Gerth Stølting Brodal" userId="04ef4784-6591-4f86-a140-f5c3b108582a" providerId="ADAL" clId="{FCA54829-69E0-4900-9165-83DAEE965D83}" dt="2023-04-16T11:22:30.122" v="94"/>
-          <ac:spMkLst>
-            <pc:docMk/>
-            <pc:sldMk cId="1178474818" sldId="783"/>
-            <ac:spMk id="20" creationId="{2AF0E2DB-445C-7E2E-24B8-EAC65B724984}"/>
-          </ac:spMkLst>
-        </pc:spChg>
-        <pc:spChg chg="mod">
-          <ac:chgData name="Gerth Stølting Brodal" userId="04ef4784-6591-4f86-a140-f5c3b108582a" providerId="ADAL" clId="{FCA54829-69E0-4900-9165-83DAEE965D83}" dt="2023-04-16T11:22:30.122" v="94"/>
-          <ac:spMkLst>
-            <pc:docMk/>
-            <pc:sldMk cId="1178474818" sldId="783"/>
-            <ac:spMk id="21" creationId="{240303BC-7F27-7652-9D83-2D97F6103B92}"/>
-          </ac:spMkLst>
-        </pc:spChg>
-        <pc:grpChg chg="del mod">
-          <ac:chgData name="Gerth Stølting Brodal" userId="04ef4784-6591-4f86-a140-f5c3b108582a" providerId="ADAL" clId="{FCA54829-69E0-4900-9165-83DAEE965D83}" dt="2023-04-16T11:22:32.704" v="95" actId="478"/>
-          <ac:grpSpMkLst>
-            <pc:docMk/>
-            <pc:sldMk cId="1178474818" sldId="783"/>
-            <ac:grpSpMk id="5" creationId="{00000000-0000-0000-0000-000000000000}"/>
-          </ac:grpSpMkLst>
-        </pc:grpChg>
-        <pc:grpChg chg="add mod">
-          <ac:chgData name="Gerth Stølting Brodal" userId="04ef4784-6591-4f86-a140-f5c3b108582a" providerId="ADAL" clId="{FCA54829-69E0-4900-9165-83DAEE965D83}" dt="2023-04-16T11:22:36.757" v="96" actId="1076"/>
-          <ac:grpSpMkLst>
-            <pc:docMk/>
-            <pc:sldMk cId="1178474818" sldId="783"/>
-            <ac:grpSpMk id="14" creationId="{87D42C42-9F41-E26E-C95C-C487D1D37C70}"/>
-          </ac:grpSpMkLst>
-        </pc:grpChg>
-        <pc:picChg chg="mod">
-          <ac:chgData name="Gerth Stølting Brodal" userId="04ef4784-6591-4f86-a140-f5c3b108582a" providerId="ADAL" clId="{FCA54829-69E0-4900-9165-83DAEE965D83}" dt="2023-04-16T11:22:30.122" v="94"/>
-          <ac:picMkLst>
-            <pc:docMk/>
-            <pc:sldMk cId="1178474818" sldId="783"/>
-            <ac:picMk id="15" creationId="{0727C293-C901-E52A-9A47-2FAE4C75F4EE}"/>
-          </ac:picMkLst>
-        </pc:picChg>
       </pc:sldChg>
       <pc:sldChg chg="modSp mod">
         <pc:chgData name="Gerth Stølting Brodal" userId="04ef4784-6591-4f86-a140-f5c3b108582a" providerId="ADAL" clId="{FCA54829-69E0-4900-9165-83DAEE965D83}" dt="2023-04-16T11:25:37.414" v="144" actId="1035"/>
@@ -471,70 +247,6 @@
           <pc:docMk/>
           <pc:sldMk cId="3711897289" sldId="787"/>
         </pc:sldMkLst>
-        <pc:spChg chg="mod">
-          <ac:chgData name="Gerth Stølting Brodal" userId="04ef4784-6591-4f86-a140-f5c3b108582a" providerId="ADAL" clId="{FCA54829-69E0-4900-9165-83DAEE965D83}" dt="2023-04-16T11:25:37.414" v="144" actId="1035"/>
-          <ac:spMkLst>
-            <pc:docMk/>
-            <pc:sldMk cId="3711897289" sldId="787"/>
-            <ac:spMk id="8" creationId="{00000000-0000-0000-0000-000000000000}"/>
-          </ac:spMkLst>
-        </pc:spChg>
-        <pc:spChg chg="mod">
-          <ac:chgData name="Gerth Stølting Brodal" userId="04ef4784-6591-4f86-a140-f5c3b108582a" providerId="ADAL" clId="{FCA54829-69E0-4900-9165-83DAEE965D83}" dt="2023-04-16T11:21:20.814" v="79" actId="208"/>
-          <ac:spMkLst>
-            <pc:docMk/>
-            <pc:sldMk cId="3711897289" sldId="787"/>
-            <ac:spMk id="9" creationId="{00000000-0000-0000-0000-000000000000}"/>
-          </ac:spMkLst>
-        </pc:spChg>
-        <pc:spChg chg="mod">
-          <ac:chgData name="Gerth Stølting Brodal" userId="04ef4784-6591-4f86-a140-f5c3b108582a" providerId="ADAL" clId="{FCA54829-69E0-4900-9165-83DAEE965D83}" dt="2023-04-16T11:23:52.503" v="111" actId="1035"/>
-          <ac:spMkLst>
-            <pc:docMk/>
-            <pc:sldMk cId="3711897289" sldId="787"/>
-            <ac:spMk id="10" creationId="{00000000-0000-0000-0000-000000000000}"/>
-          </ac:spMkLst>
-        </pc:spChg>
-        <pc:spChg chg="mod">
-          <ac:chgData name="Gerth Stølting Brodal" userId="04ef4784-6591-4f86-a140-f5c3b108582a" providerId="ADAL" clId="{FCA54829-69E0-4900-9165-83DAEE965D83}" dt="2023-04-16T11:24:09.662" v="112" actId="1035"/>
-          <ac:spMkLst>
-            <pc:docMk/>
-            <pc:sldMk cId="3711897289" sldId="787"/>
-            <ac:spMk id="11" creationId="{00000000-0000-0000-0000-000000000000}"/>
-          </ac:spMkLst>
-        </pc:spChg>
-        <pc:spChg chg="mod">
-          <ac:chgData name="Gerth Stølting Brodal" userId="04ef4784-6591-4f86-a140-f5c3b108582a" providerId="ADAL" clId="{FCA54829-69E0-4900-9165-83DAEE965D83}" dt="2023-04-16T11:21:20.814" v="79" actId="208"/>
-          <ac:spMkLst>
-            <pc:docMk/>
-            <pc:sldMk cId="3711897289" sldId="787"/>
-            <ac:spMk id="12" creationId="{00000000-0000-0000-0000-000000000000}"/>
-          </ac:spMkLst>
-        </pc:spChg>
-        <pc:spChg chg="mod">
-          <ac:chgData name="Gerth Stølting Brodal" userId="04ef4784-6591-4f86-a140-f5c3b108582a" providerId="ADAL" clId="{FCA54829-69E0-4900-9165-83DAEE965D83}" dt="2023-04-16T11:21:20.814" v="79" actId="208"/>
-          <ac:spMkLst>
-            <pc:docMk/>
-            <pc:sldMk cId="3711897289" sldId="787"/>
-            <ac:spMk id="13" creationId="{00000000-0000-0000-0000-000000000000}"/>
-          </ac:spMkLst>
-        </pc:spChg>
-        <pc:graphicFrameChg chg="modGraphic">
-          <ac:chgData name="Gerth Stølting Brodal" userId="04ef4784-6591-4f86-a140-f5c3b108582a" providerId="ADAL" clId="{FCA54829-69E0-4900-9165-83DAEE965D83}" dt="2023-04-16T10:53:07.995" v="54" actId="6549"/>
-          <ac:graphicFrameMkLst>
-            <pc:docMk/>
-            <pc:sldMk cId="3711897289" sldId="787"/>
-            <ac:graphicFrameMk id="14" creationId="{00000000-0000-0000-0000-000000000000}"/>
-          </ac:graphicFrameMkLst>
-        </pc:graphicFrameChg>
-        <pc:picChg chg="mod">
-          <ac:chgData name="Gerth Stølting Brodal" userId="04ef4784-6591-4f86-a140-f5c3b108582a" providerId="ADAL" clId="{FCA54829-69E0-4900-9165-83DAEE965D83}" dt="2023-04-16T11:22:02.680" v="89" actId="1582"/>
-          <ac:picMkLst>
-            <pc:docMk/>
-            <pc:sldMk cId="3711897289" sldId="787"/>
-            <ac:picMk id="7" creationId="{00000000-0000-0000-0000-000000000000}"/>
-          </ac:picMkLst>
-        </pc:picChg>
       </pc:sldChg>
       <pc:sldChg chg="modSp mod">
         <pc:chgData name="Gerth Stølting Brodal" userId="04ef4784-6591-4f86-a140-f5c3b108582a" providerId="ADAL" clId="{FCA54829-69E0-4900-9165-83DAEE965D83}" dt="2023-04-16T11:25:25.269" v="142" actId="1036"/>
@@ -542,46 +254,6 @@
           <pc:docMk/>
           <pc:sldMk cId="84816449" sldId="788"/>
         </pc:sldMkLst>
-        <pc:spChg chg="mod">
-          <ac:chgData name="Gerth Stølting Brodal" userId="04ef4784-6591-4f86-a140-f5c3b108582a" providerId="ADAL" clId="{FCA54829-69E0-4900-9165-83DAEE965D83}" dt="2023-04-16T11:25:03.041" v="125" actId="1035"/>
-          <ac:spMkLst>
-            <pc:docMk/>
-            <pc:sldMk cId="84816449" sldId="788"/>
-            <ac:spMk id="10" creationId="{00000000-0000-0000-0000-000000000000}"/>
-          </ac:spMkLst>
-        </pc:spChg>
-        <pc:spChg chg="mod">
-          <ac:chgData name="Gerth Stølting Brodal" userId="04ef4784-6591-4f86-a140-f5c3b108582a" providerId="ADAL" clId="{FCA54829-69E0-4900-9165-83DAEE965D83}" dt="2023-04-16T11:25:25.269" v="142" actId="1036"/>
-          <ac:spMkLst>
-            <pc:docMk/>
-            <pc:sldMk cId="84816449" sldId="788"/>
-            <ac:spMk id="11" creationId="{00000000-0000-0000-0000-000000000000}"/>
-          </ac:spMkLst>
-        </pc:spChg>
-        <pc:spChg chg="mod">
-          <ac:chgData name="Gerth Stølting Brodal" userId="04ef4784-6591-4f86-a140-f5c3b108582a" providerId="ADAL" clId="{FCA54829-69E0-4900-9165-83DAEE965D83}" dt="2023-04-16T11:25:06.560" v="132" actId="1035"/>
-          <ac:spMkLst>
-            <pc:docMk/>
-            <pc:sldMk cId="84816449" sldId="788"/>
-            <ac:spMk id="12" creationId="{00000000-0000-0000-0000-000000000000}"/>
-          </ac:spMkLst>
-        </pc:spChg>
-        <pc:spChg chg="mod">
-          <ac:chgData name="Gerth Stølting Brodal" userId="04ef4784-6591-4f86-a140-f5c3b108582a" providerId="ADAL" clId="{FCA54829-69E0-4900-9165-83DAEE965D83}" dt="2023-04-16T11:25:15.144" v="138" actId="1038"/>
-          <ac:spMkLst>
-            <pc:docMk/>
-            <pc:sldMk cId="84816449" sldId="788"/>
-            <ac:spMk id="13" creationId="{00000000-0000-0000-0000-000000000000}"/>
-          </ac:spMkLst>
-        </pc:spChg>
-        <pc:picChg chg="mod">
-          <ac:chgData name="Gerth Stølting Brodal" userId="04ef4784-6591-4f86-a140-f5c3b108582a" providerId="ADAL" clId="{FCA54829-69E0-4900-9165-83DAEE965D83}" dt="2023-04-16T11:25:12.225" v="133" actId="1076"/>
-          <ac:picMkLst>
-            <pc:docMk/>
-            <pc:sldMk cId="84816449" sldId="788"/>
-            <ac:picMk id="9" creationId="{00000000-0000-0000-0000-000000000000}"/>
-          </ac:picMkLst>
-        </pc:picChg>
       </pc:sldChg>
       <pc:sldChg chg="addSp delSp modSp mod">
         <pc:chgData name="Gerth Stølting Brodal" userId="04ef4784-6591-4f86-a140-f5c3b108582a" providerId="ADAL" clId="{FCA54829-69E0-4900-9165-83DAEE965D83}" dt="2023-04-16T11:27:37.358" v="182" actId="1076"/>
@@ -589,78 +261,6 @@
           <pc:docMk/>
           <pc:sldMk cId="2230500912" sldId="790"/>
         </pc:sldMkLst>
-        <pc:spChg chg="mod">
-          <ac:chgData name="Gerth Stølting Brodal" userId="04ef4784-6591-4f86-a140-f5c3b108582a" providerId="ADAL" clId="{FCA54829-69E0-4900-9165-83DAEE965D83}" dt="2023-04-16T11:27:26.368" v="180"/>
-          <ac:spMkLst>
-            <pc:docMk/>
-            <pc:sldMk cId="2230500912" sldId="790"/>
-            <ac:spMk id="7" creationId="{4054B121-FE17-B4F3-9BB2-59AB811B7FE5}"/>
-          </ac:spMkLst>
-        </pc:spChg>
-        <pc:spChg chg="mod">
-          <ac:chgData name="Gerth Stølting Brodal" userId="04ef4784-6591-4f86-a140-f5c3b108582a" providerId="ADAL" clId="{FCA54829-69E0-4900-9165-83DAEE965D83}" dt="2023-04-16T11:27:26.368" v="180"/>
-          <ac:spMkLst>
-            <pc:docMk/>
-            <pc:sldMk cId="2230500912" sldId="790"/>
-            <ac:spMk id="8" creationId="{89BEE1D6-D1FB-CADA-7244-ABBB13396B35}"/>
-          </ac:spMkLst>
-        </pc:spChg>
-        <pc:spChg chg="mod">
-          <ac:chgData name="Gerth Stølting Brodal" userId="04ef4784-6591-4f86-a140-f5c3b108582a" providerId="ADAL" clId="{FCA54829-69E0-4900-9165-83DAEE965D83}" dt="2023-04-16T11:27:26.368" v="180"/>
-          <ac:spMkLst>
-            <pc:docMk/>
-            <pc:sldMk cId="2230500912" sldId="790"/>
-            <ac:spMk id="9" creationId="{4F06DBE9-9B66-6D70-58DB-58B08472D26B}"/>
-          </ac:spMkLst>
-        </pc:spChg>
-        <pc:spChg chg="mod">
-          <ac:chgData name="Gerth Stølting Brodal" userId="04ef4784-6591-4f86-a140-f5c3b108582a" providerId="ADAL" clId="{FCA54829-69E0-4900-9165-83DAEE965D83}" dt="2023-04-16T11:27:26.368" v="180"/>
-          <ac:spMkLst>
-            <pc:docMk/>
-            <pc:sldMk cId="2230500912" sldId="790"/>
-            <ac:spMk id="10" creationId="{3D440628-2F70-C7D2-FD8D-2C59A9701E37}"/>
-          </ac:spMkLst>
-        </pc:spChg>
-        <pc:spChg chg="mod">
-          <ac:chgData name="Gerth Stølting Brodal" userId="04ef4784-6591-4f86-a140-f5c3b108582a" providerId="ADAL" clId="{FCA54829-69E0-4900-9165-83DAEE965D83}" dt="2023-04-16T11:27:26.368" v="180"/>
-          <ac:spMkLst>
-            <pc:docMk/>
-            <pc:sldMk cId="2230500912" sldId="790"/>
-            <ac:spMk id="11" creationId="{64065DF7-2EF0-D0B5-1E06-47124744711A}"/>
-          </ac:spMkLst>
-        </pc:spChg>
-        <pc:spChg chg="mod">
-          <ac:chgData name="Gerth Stølting Brodal" userId="04ef4784-6591-4f86-a140-f5c3b108582a" providerId="ADAL" clId="{FCA54829-69E0-4900-9165-83DAEE965D83}" dt="2023-04-16T11:27:26.368" v="180"/>
-          <ac:spMkLst>
-            <pc:docMk/>
-            <pc:sldMk cId="2230500912" sldId="790"/>
-            <ac:spMk id="12" creationId="{09C7FFDC-E655-4832-178B-226F472F1DC9}"/>
-          </ac:spMkLst>
-        </pc:spChg>
-        <pc:grpChg chg="add mod">
-          <ac:chgData name="Gerth Stølting Brodal" userId="04ef4784-6591-4f86-a140-f5c3b108582a" providerId="ADAL" clId="{FCA54829-69E0-4900-9165-83DAEE965D83}" dt="2023-04-16T11:27:37.358" v="182" actId="1076"/>
-          <ac:grpSpMkLst>
-            <pc:docMk/>
-            <pc:sldMk cId="2230500912" sldId="790"/>
-            <ac:grpSpMk id="3" creationId="{216E890D-4B46-E3A8-3B50-0B7A023EF54F}"/>
-          </ac:grpSpMkLst>
-        </pc:grpChg>
-        <pc:picChg chg="mod">
-          <ac:chgData name="Gerth Stølting Brodal" userId="04ef4784-6591-4f86-a140-f5c3b108582a" providerId="ADAL" clId="{FCA54829-69E0-4900-9165-83DAEE965D83}" dt="2023-04-16T11:27:31.294" v="181" actId="2085"/>
-          <ac:picMkLst>
-            <pc:docMk/>
-            <pc:sldMk cId="2230500912" sldId="790"/>
-            <ac:picMk id="4" creationId="{2F65F058-B34F-30BD-7C07-66D74F638E27}"/>
-          </ac:picMkLst>
-        </pc:picChg>
-        <pc:picChg chg="del">
-          <ac:chgData name="Gerth Stølting Brodal" userId="04ef4784-6591-4f86-a140-f5c3b108582a" providerId="ADAL" clId="{FCA54829-69E0-4900-9165-83DAEE965D83}" dt="2023-04-16T11:27:21.054" v="179" actId="478"/>
-          <ac:picMkLst>
-            <pc:docMk/>
-            <pc:sldMk cId="2230500912" sldId="790"/>
-            <ac:picMk id="6" creationId="{00000000-0000-0000-0000-000000000000}"/>
-          </ac:picMkLst>
-        </pc:picChg>
       </pc:sldChg>
       <pc:sldChg chg="addSp delSp modSp mod">
         <pc:chgData name="Gerth Stølting Brodal" userId="04ef4784-6591-4f86-a140-f5c3b108582a" providerId="ADAL" clId="{FCA54829-69E0-4900-9165-83DAEE965D83}" dt="2023-04-16T11:26:26.211" v="165" actId="1038"/>
@@ -668,78 +268,6 @@
           <pc:docMk/>
           <pc:sldMk cId="1989879142" sldId="792"/>
         </pc:sldMkLst>
-        <pc:spChg chg="mod">
-          <ac:chgData name="Gerth Stølting Brodal" userId="04ef4784-6591-4f86-a140-f5c3b108582a" providerId="ADAL" clId="{FCA54829-69E0-4900-9165-83DAEE965D83}" dt="2023-04-16T11:26:17.964" v="155" actId="1035"/>
-          <ac:spMkLst>
-            <pc:docMk/>
-            <pc:sldMk cId="1989879142" sldId="792"/>
-            <ac:spMk id="14" creationId="{A5E910A7-655B-7BA3-33EB-717DAA3ED4F1}"/>
-          </ac:spMkLst>
-        </pc:spChg>
-        <pc:spChg chg="mod">
-          <ac:chgData name="Gerth Stølting Brodal" userId="04ef4784-6591-4f86-a140-f5c3b108582a" providerId="ADAL" clId="{FCA54829-69E0-4900-9165-83DAEE965D83}" dt="2023-04-16T11:22:17.957" v="90"/>
-          <ac:spMkLst>
-            <pc:docMk/>
-            <pc:sldMk cId="1989879142" sldId="792"/>
-            <ac:spMk id="15" creationId="{88C4F0B9-6C44-D81C-B2F7-DC74B7005549}"/>
-          </ac:spMkLst>
-        </pc:spChg>
-        <pc:spChg chg="mod">
-          <ac:chgData name="Gerth Stølting Brodal" userId="04ef4784-6591-4f86-a140-f5c3b108582a" providerId="ADAL" clId="{FCA54829-69E0-4900-9165-83DAEE965D83}" dt="2023-04-16T11:26:23.630" v="160" actId="1035"/>
-          <ac:spMkLst>
-            <pc:docMk/>
-            <pc:sldMk cId="1989879142" sldId="792"/>
-            <ac:spMk id="16" creationId="{AF4CE2ED-D98C-BF4A-919E-D7C8A1D0B484}"/>
-          </ac:spMkLst>
-        </pc:spChg>
-        <pc:spChg chg="mod">
-          <ac:chgData name="Gerth Stølting Brodal" userId="04ef4784-6591-4f86-a140-f5c3b108582a" providerId="ADAL" clId="{FCA54829-69E0-4900-9165-83DAEE965D83}" dt="2023-04-16T11:26:26.211" v="165" actId="1038"/>
-          <ac:spMkLst>
-            <pc:docMk/>
-            <pc:sldMk cId="1989879142" sldId="792"/>
-            <ac:spMk id="17" creationId="{67AA8A20-D900-7E34-8517-745072F495B9}"/>
-          </ac:spMkLst>
-        </pc:spChg>
-        <pc:spChg chg="mod">
-          <ac:chgData name="Gerth Stølting Brodal" userId="04ef4784-6591-4f86-a140-f5c3b108582a" providerId="ADAL" clId="{FCA54829-69E0-4900-9165-83DAEE965D83}" dt="2023-04-16T11:22:17.957" v="90"/>
-          <ac:spMkLst>
-            <pc:docMk/>
-            <pc:sldMk cId="1989879142" sldId="792"/>
-            <ac:spMk id="18" creationId="{2BD67874-C0FE-4495-BEC4-401DBE7DDE6F}"/>
-          </ac:spMkLst>
-        </pc:spChg>
-        <pc:spChg chg="mod">
-          <ac:chgData name="Gerth Stølting Brodal" userId="04ef4784-6591-4f86-a140-f5c3b108582a" providerId="ADAL" clId="{FCA54829-69E0-4900-9165-83DAEE965D83}" dt="2023-04-16T11:22:17.957" v="90"/>
-          <ac:spMkLst>
-            <pc:docMk/>
-            <pc:sldMk cId="1989879142" sldId="792"/>
-            <ac:spMk id="19" creationId="{9C78F2AE-E081-AFE0-1F0F-A10E6538B3B7}"/>
-          </ac:spMkLst>
-        </pc:spChg>
-        <pc:grpChg chg="add mod">
-          <ac:chgData name="Gerth Stølting Brodal" userId="04ef4784-6591-4f86-a140-f5c3b108582a" providerId="ADAL" clId="{FCA54829-69E0-4900-9165-83DAEE965D83}" dt="2023-04-16T11:23:07.075" v="100" actId="14100"/>
-          <ac:grpSpMkLst>
-            <pc:docMk/>
-            <pc:sldMk cId="1989879142" sldId="792"/>
-            <ac:grpSpMk id="2" creationId="{73BDD816-BFB6-D183-812C-2770D5B6C160}"/>
-          </ac:grpSpMkLst>
-        </pc:grpChg>
-        <pc:grpChg chg="del">
-          <ac:chgData name="Gerth Stølting Brodal" userId="04ef4784-6591-4f86-a140-f5c3b108582a" providerId="ADAL" clId="{FCA54829-69E0-4900-9165-83DAEE965D83}" dt="2023-04-16T11:22:22.888" v="92" actId="478"/>
-          <ac:grpSpMkLst>
-            <pc:docMk/>
-            <pc:sldMk cId="1989879142" sldId="792"/>
-            <ac:grpSpMk id="4" creationId="{00000000-0000-0000-0000-000000000000}"/>
-          </ac:grpSpMkLst>
-        </pc:grpChg>
-        <pc:picChg chg="mod">
-          <ac:chgData name="Gerth Stølting Brodal" userId="04ef4784-6591-4f86-a140-f5c3b108582a" providerId="ADAL" clId="{FCA54829-69E0-4900-9165-83DAEE965D83}" dt="2023-04-16T11:26:08.795" v="148" actId="14100"/>
-          <ac:picMkLst>
-            <pc:docMk/>
-            <pc:sldMk cId="1989879142" sldId="792"/>
-            <ac:picMk id="13" creationId="{1896583B-FBA5-149C-5CB8-61202017A627}"/>
-          </ac:picMkLst>
-        </pc:picChg>
       </pc:sldChg>
       <pc:sldChg chg="modSp mod">
         <pc:chgData name="Gerth Stølting Brodal" userId="04ef4784-6591-4f86-a140-f5c3b108582a" providerId="ADAL" clId="{FCA54829-69E0-4900-9165-83DAEE965D83}" dt="2023-04-16T11:40:25.237" v="198" actId="20577"/>
@@ -747,14 +275,6 @@
           <pc:docMk/>
           <pc:sldMk cId="3092077248" sldId="796"/>
         </pc:sldMkLst>
-        <pc:graphicFrameChg chg="modGraphic">
-          <ac:chgData name="Gerth Stølting Brodal" userId="04ef4784-6591-4f86-a140-f5c3b108582a" providerId="ADAL" clId="{FCA54829-69E0-4900-9165-83DAEE965D83}" dt="2023-04-16T11:40:25.237" v="198" actId="20577"/>
-          <ac:graphicFrameMkLst>
-            <pc:docMk/>
-            <pc:sldMk cId="3092077248" sldId="796"/>
-            <ac:graphicFrameMk id="8" creationId="{00000000-0000-0000-0000-000000000000}"/>
-          </ac:graphicFrameMkLst>
-        </pc:graphicFrameChg>
       </pc:sldChg>
     </pc:docChg>
   </pc:docChgLst>
@@ -771,22 +291,6 @@
           <pc:docMk/>
           <pc:sldMk cId="2655291698" sldId="776"/>
         </pc:sldMkLst>
-        <pc:spChg chg="mod">
-          <ac:chgData name="Gerth Stølting Brodal" userId="04ef4784-6591-4f86-a140-f5c3b108582a" providerId="ADAL" clId="{3182D9E5-9F75-4E9E-A6C8-86AC2F6C117C}" dt="2024-04-10T06:02:57.681" v="113" actId="27636"/>
-          <ac:spMkLst>
-            <pc:docMk/>
-            <pc:sldMk cId="2655291698" sldId="776"/>
-            <ac:spMk id="8" creationId="{00000000-0000-0000-0000-000000000000}"/>
-          </ac:spMkLst>
-        </pc:spChg>
-        <pc:picChg chg="mod">
-          <ac:chgData name="Gerth Stølting Brodal" userId="04ef4784-6591-4f86-a140-f5c3b108582a" providerId="ADAL" clId="{3182D9E5-9F75-4E9E-A6C8-86AC2F6C117C}" dt="2024-04-10T06:03:01.611" v="114" actId="1076"/>
-          <ac:picMkLst>
-            <pc:docMk/>
-            <pc:sldMk cId="2655291698" sldId="776"/>
-            <ac:picMk id="6" creationId="{00000000-0000-0000-0000-000000000000}"/>
-          </ac:picMkLst>
-        </pc:picChg>
       </pc:sldChg>
       <pc:sldChg chg="modNotesTx">
         <pc:chgData name="Gerth Stølting Brodal" userId="04ef4784-6591-4f86-a140-f5c3b108582a" providerId="ADAL" clId="{3182D9E5-9F75-4E9E-A6C8-86AC2F6C117C}" dt="2024-04-10T06:19:07.264" v="190" actId="6549"/>
@@ -808,6 +312,30 @@
           <pc:docMk/>
           <pc:sldMk cId="3092077248" sldId="796"/>
         </pc:sldMkLst>
+      </pc:sldChg>
+    </pc:docChg>
+  </pc:docChgLst>
+  <pc:docChgLst>
+    <pc:chgData name="Gerth Stølting Brodal" userId="04ef4784-6591-4f86-a140-f5c3b108582a" providerId="ADAL" clId="{81AC35D5-6BEF-4A15-80CA-88A8229CCE5F}"/>
+    <pc:docChg chg="undo custSel modSld">
+      <pc:chgData name="Gerth Stølting Brodal" userId="04ef4784-6591-4f86-a140-f5c3b108582a" providerId="ADAL" clId="{81AC35D5-6BEF-4A15-80CA-88A8229CCE5F}" dt="2025-06-03T16:03:24.052" v="53" actId="20577"/>
+      <pc:docMkLst>
+        <pc:docMk/>
+      </pc:docMkLst>
+      <pc:sldChg chg="modSp mod modNotesTx">
+        <pc:chgData name="Gerth Stølting Brodal" userId="04ef4784-6591-4f86-a140-f5c3b108582a" providerId="ADAL" clId="{81AC35D5-6BEF-4A15-80CA-88A8229CCE5F}" dt="2025-06-03T16:03:24.052" v="53" actId="20577"/>
+        <pc:sldMkLst>
+          <pc:docMk/>
+          <pc:sldMk cId="3278452034" sldId="772"/>
+        </pc:sldMkLst>
+        <pc:spChg chg="mod">
+          <ac:chgData name="Gerth Stølting Brodal" userId="04ef4784-6591-4f86-a140-f5c3b108582a" providerId="ADAL" clId="{81AC35D5-6BEF-4A15-80CA-88A8229CCE5F}" dt="2025-06-03T16:02:43.885" v="16" actId="207"/>
+          <ac:spMkLst>
+            <pc:docMk/>
+            <pc:sldMk cId="3278452034" sldId="772"/>
+            <ac:spMk id="4" creationId="{00000000-0000-0000-0000-000000000000}"/>
+          </ac:spMkLst>
+        </pc:spChg>
       </pc:sldChg>
     </pc:docChg>
   </pc:docChgLst>
@@ -896,7 +424,7 @@
           <a:p>
             <a:fld id="{FB1A172F-81D4-4DC4-9113-1DBD56EC3646}" type="datetimeFigureOut">
               <a:rPr lang="en-US" smtClean="0"/>
-              <a:t>4/14/2024</a:t>
+              <a:t>6/3/2025</a:t>
             </a:fld>
             <a:endParaRPr lang="en-US"/>
           </a:p>
@@ -1871,6 +1399,20 @@
               <a:rPr lang="en-US" dirty="0"/>
               <a:t> are used in other courses on the Data Science education.</a:t>
             </a:r>
+          </a:p>
+          <a:p>
+            <a:r>
+              <a:rPr lang="en-US" dirty="0" err="1"/>
+              <a:t>Gurobi</a:t>
+            </a:r>
+            <a:r>
+              <a:rPr lang="en-US" dirty="0"/>
+              <a:t> has free </a:t>
+            </a:r>
+            <a:r>
+              <a:rPr lang="en-US"/>
+              <a:t>academic licenses.</a:t>
+            </a:r>
             <a:endParaRPr lang="da-DK" dirty="0"/>
           </a:p>
         </p:txBody>
@@ -2158,7 +1700,7 @@
           <a:p>
             <a:fld id="{0560A9CD-0304-4E0B-9E82-E7E0115DE05B}" type="datetimeFigureOut">
               <a:rPr lang="en-US" smtClean="0"/>
-              <a:t>4/14/2024</a:t>
+              <a:t>6/3/2025</a:t>
             </a:fld>
             <a:endParaRPr lang="en-US"/>
           </a:p>
@@ -2326,7 +1868,7 @@
           <a:p>
             <a:fld id="{0560A9CD-0304-4E0B-9E82-E7E0115DE05B}" type="datetimeFigureOut">
               <a:rPr lang="en-US" smtClean="0"/>
-              <a:t>4/14/2024</a:t>
+              <a:t>6/3/2025</a:t>
             </a:fld>
             <a:endParaRPr lang="en-US"/>
           </a:p>
@@ -2504,7 +2046,7 @@
           <a:p>
             <a:fld id="{0560A9CD-0304-4E0B-9E82-E7E0115DE05B}" type="datetimeFigureOut">
               <a:rPr lang="en-US" smtClean="0"/>
-              <a:t>4/14/2024</a:t>
+              <a:t>6/3/2025</a:t>
             </a:fld>
             <a:endParaRPr lang="en-US"/>
           </a:p>
@@ -2687,7 +2229,7 @@
           <a:p>
             <a:fld id="{0560A9CD-0304-4E0B-9E82-E7E0115DE05B}" type="datetimeFigureOut">
               <a:rPr lang="en-US" smtClean="0"/>
-              <a:t>4/14/2024</a:t>
+              <a:t>6/3/2025</a:t>
             </a:fld>
             <a:endParaRPr lang="en-US"/>
           </a:p>
@@ -2932,7 +2474,7 @@
           <a:p>
             <a:fld id="{0560A9CD-0304-4E0B-9E82-E7E0115DE05B}" type="datetimeFigureOut">
               <a:rPr lang="en-US" smtClean="0"/>
-              <a:t>4/14/2024</a:t>
+              <a:t>6/3/2025</a:t>
             </a:fld>
             <a:endParaRPr lang="en-US"/>
           </a:p>
@@ -3161,7 +2703,7 @@
           <a:p>
             <a:fld id="{0560A9CD-0304-4E0B-9E82-E7E0115DE05B}" type="datetimeFigureOut">
               <a:rPr lang="en-US" smtClean="0"/>
-              <a:t>4/14/2024</a:t>
+              <a:t>6/3/2025</a:t>
             </a:fld>
             <a:endParaRPr lang="en-US"/>
           </a:p>
@@ -3525,7 +3067,7 @@
           <a:p>
             <a:fld id="{0560A9CD-0304-4E0B-9E82-E7E0115DE05B}" type="datetimeFigureOut">
               <a:rPr lang="en-US" smtClean="0"/>
-              <a:t>4/14/2024</a:t>
+              <a:t>6/3/2025</a:t>
             </a:fld>
             <a:endParaRPr lang="en-US"/>
           </a:p>
@@ -3642,7 +3184,7 @@
           <a:p>
             <a:fld id="{0560A9CD-0304-4E0B-9E82-E7E0115DE05B}" type="datetimeFigureOut">
               <a:rPr lang="en-US" smtClean="0"/>
-              <a:t>4/14/2024</a:t>
+              <a:t>6/3/2025</a:t>
             </a:fld>
             <a:endParaRPr lang="en-US"/>
           </a:p>
@@ -3737,7 +3279,7 @@
           <a:p>
             <a:fld id="{0560A9CD-0304-4E0B-9E82-E7E0115DE05B}" type="datetimeFigureOut">
               <a:rPr lang="en-US" smtClean="0"/>
-              <a:t>4/14/2024</a:t>
+              <a:t>6/3/2025</a:t>
             </a:fld>
             <a:endParaRPr lang="en-US"/>
           </a:p>
@@ -4012,7 +3554,7 @@
           <a:p>
             <a:fld id="{0560A9CD-0304-4E0B-9E82-E7E0115DE05B}" type="datetimeFigureOut">
               <a:rPr lang="en-US" smtClean="0"/>
-              <a:t>4/14/2024</a:t>
+              <a:t>6/3/2025</a:t>
             </a:fld>
             <a:endParaRPr lang="en-US"/>
           </a:p>
@@ -4264,7 +3806,7 @@
           <a:p>
             <a:fld id="{0560A9CD-0304-4E0B-9E82-E7E0115DE05B}" type="datetimeFigureOut">
               <a:rPr lang="en-US" smtClean="0"/>
-              <a:t>4/14/2024</a:t>
+              <a:t>6/3/2025</a:t>
             </a:fld>
             <a:endParaRPr lang="en-US"/>
           </a:p>
@@ -4475,7 +4017,7 @@
           <a:p>
             <a:fld id="{0560A9CD-0304-4E0B-9E82-E7E0115DE05B}" type="datetimeFigureOut">
               <a:rPr lang="en-US" smtClean="0"/>
-              <a:t>4/14/2024</a:t>
+              <a:t>6/3/2025</a:t>
             </a:fld>
             <a:endParaRPr lang="en-US"/>
           </a:p>
@@ -12119,8 +11661,8 @@
         </p:nvSpPr>
         <p:spPr>
           <a:xfrm>
-            <a:off x="3956613" y="6169709"/>
-            <a:ext cx="8235387" cy="646331"/>
+            <a:off x="2425701" y="6169709"/>
+            <a:ext cx="9766300" cy="646331"/>
           </a:xfrm>
           <a:prstGeom prst="rect">
             <a:avLst/>
@@ -12135,16 +11677,6 @@
           <a:p>
             <a:pPr algn="r"/>
             <a:r>
-              <a:rPr lang="en-US">
-                <a:solidFill>
-                  <a:schemeClr val="bg1">
-                    <a:lumMod val="50000"/>
-                  </a:schemeClr>
-                </a:solidFill>
-              </a:rPr>
-              <a:t>Some other </a:t>
-            </a:r>
-            <a:r>
               <a:rPr lang="en-US" dirty="0">
                 <a:solidFill>
                   <a:schemeClr val="bg1">
@@ -12152,7 +11684,7 @@
                   </a:schemeClr>
                 </a:solidFill>
               </a:rPr>
-              <a:t>open-source optimization libraries </a:t>
+              <a:t>Some other open-source optimization libraries </a:t>
             </a:r>
             <a:r>
               <a:rPr lang="en-US" dirty="0" err="1">
@@ -12161,7 +11693,13 @@
                     <a:lumMod val="50000"/>
                   </a:schemeClr>
                 </a:solidFill>
-                <a:hlinkClick r:id="rId3"/>
+                <a:hlinkClick r:id="rId3">
+                  <a:extLst>
+                    <a:ext uri="{A12FA001-AC4F-418D-AE19-62706E023703}">
+                      <ahyp:hlinkClr xmlns:ahyp="http://schemas.microsoft.com/office/drawing/2018/hyperlinkcolor" val="tx"/>
+                    </a:ext>
+                  </a:extLst>
+                </a:hlinkClick>
               </a:rPr>
               <a:t>PuLP</a:t>
             </a:r>
@@ -12182,7 +11720,13 @@
                     <a:lumMod val="50000"/>
                   </a:schemeClr>
                 </a:solidFill>
-                <a:hlinkClick r:id="rId4"/>
+                <a:hlinkClick r:id="rId4">
+                  <a:extLst>
+                    <a:ext uri="{A12FA001-AC4F-418D-AE19-62706E023703}">
+                      <ahyp:hlinkClr xmlns:ahyp="http://schemas.microsoft.com/office/drawing/2018/hyperlinkcolor" val="tx"/>
+                    </a:ext>
+                  </a:extLst>
+                </a:hlinkClick>
               </a:rPr>
               <a:t>Pyomo</a:t>
             </a:r>
@@ -12213,7 +11757,13 @@
                     <a:lumMod val="50000"/>
                   </a:schemeClr>
                 </a:solidFill>
-                <a:hlinkClick r:id="rId5"/>
+                <a:hlinkClick r:id="rId5">
+                  <a:extLst>
+                    <a:ext uri="{A12FA001-AC4F-418D-AE19-62706E023703}">
+                      <ahyp:hlinkClr xmlns:ahyp="http://schemas.microsoft.com/office/drawing/2018/hyperlinkcolor" val="tx"/>
+                    </a:ext>
+                  </a:extLst>
+                </a:hlinkClick>
               </a:rPr>
               <a:t>Cplex</a:t>
             </a:r>
@@ -12234,7 +11784,13 @@
                     <a:lumMod val="50000"/>
                   </a:schemeClr>
                 </a:solidFill>
-                <a:hlinkClick r:id="rId6"/>
+                <a:hlinkClick r:id="rId6">
+                  <a:extLst>
+                    <a:ext uri="{A12FA001-AC4F-418D-AE19-62706E023703}">
+                      <ahyp:hlinkClr xmlns:ahyp="http://schemas.microsoft.com/office/drawing/2018/hyperlinkcolor" val="tx"/>
+                    </a:ext>
+                  </a:extLst>
+                </a:hlinkClick>
               </a:rPr>
               <a:t>Gurobi</a:t>
             </a:r>
@@ -12246,7 +11802,7 @@
                   </a:schemeClr>
                 </a:solidFill>
               </a:rPr>
-              <a:t> </a:t>
+              <a:t> (Mixed-Integer Linear Programs) </a:t>
             </a:r>
           </a:p>
         </p:txBody>

--- a/ipsa/slides/linear_programming.pptx
+++ b/ipsa/slides/linear_programming.pptx
@@ -5,7 +5,7 @@
     <p:sldMasterId id="2147483648" r:id="rId1"/>
   </p:sldMasterIdLst>
   <p:notesMasterIdLst>
-    <p:notesMasterId r:id="rId24"/>
+    <p:notesMasterId r:id="rId26"/>
   </p:notesMasterIdLst>
   <p:sldIdLst>
     <p:sldId id="771" r:id="rId2"/>
@@ -30,6 +30,8 @@
     <p:sldId id="773" r:id="rId21"/>
     <p:sldId id="774" r:id="rId22"/>
     <p:sldId id="775" r:id="rId23"/>
+    <p:sldId id="797" r:id="rId24"/>
+    <p:sldId id="798" r:id="rId25"/>
   </p:sldIdLst>
   <p:sldSz cx="12192000" cy="6858000"/>
   <p:notesSz cx="6858000" cy="9144000"/>
@@ -139,7 +141,7 @@
 <file path=ppt/revisionInfo.xml><?xml version="1.0" encoding="utf-8"?>
 <p1510:revInfo xmlns:a="http://schemas.openxmlformats.org/drawingml/2006/main" xmlns:r="http://schemas.openxmlformats.org/officeDocument/2006/relationships" xmlns:p1510="http://schemas.microsoft.com/office/powerpoint/2015/10/main">
   <p1510:revLst>
-    <p1510:client id="{81AC35D5-6BEF-4A15-80CA-88A8229CCE5F}" v="16" dt="2025-06-03T16:02:43.885"/>
+    <p1510:client id="{81AC35D5-6BEF-4A15-80CA-88A8229CCE5F}" v="33" dt="2025-06-05T08:58:37.054"/>
   </p1510:revLst>
 </p1510:revInfo>
 </file>
@@ -317,23 +319,61 @@
   </pc:docChgLst>
   <pc:docChgLst>
     <pc:chgData name="Gerth Stølting Brodal" userId="04ef4784-6591-4f86-a140-f5c3b108582a" providerId="ADAL" clId="{81AC35D5-6BEF-4A15-80CA-88A8229CCE5F}"/>
-    <pc:docChg chg="undo custSel modSld">
-      <pc:chgData name="Gerth Stølting Brodal" userId="04ef4784-6591-4f86-a140-f5c3b108582a" providerId="ADAL" clId="{81AC35D5-6BEF-4A15-80CA-88A8229CCE5F}" dt="2025-06-03T16:03:24.052" v="53" actId="20577"/>
+    <pc:docChg chg="undo redo custSel addSld modSld sldOrd">
+      <pc:chgData name="Gerth Stølting Brodal" userId="04ef4784-6591-4f86-a140-f5c3b108582a" providerId="ADAL" clId="{81AC35D5-6BEF-4A15-80CA-88A8229CCE5F}" dt="2025-06-05T21:30:32.855" v="418" actId="20577"/>
       <pc:docMkLst>
         <pc:docMk/>
       </pc:docMkLst>
       <pc:sldChg chg="modSp mod modNotesTx">
-        <pc:chgData name="Gerth Stølting Brodal" userId="04ef4784-6591-4f86-a140-f5c3b108582a" providerId="ADAL" clId="{81AC35D5-6BEF-4A15-80CA-88A8229CCE5F}" dt="2025-06-03T16:03:24.052" v="53" actId="20577"/>
+        <pc:chgData name="Gerth Stølting Brodal" userId="04ef4784-6591-4f86-a140-f5c3b108582a" providerId="ADAL" clId="{81AC35D5-6BEF-4A15-80CA-88A8229CCE5F}" dt="2025-06-03T17:04:25.811" v="63" actId="6549"/>
         <pc:sldMkLst>
           <pc:docMk/>
           <pc:sldMk cId="3278452034" sldId="772"/>
         </pc:sldMkLst>
         <pc:spChg chg="mod">
-          <ac:chgData name="Gerth Stølting Brodal" userId="04ef4784-6591-4f86-a140-f5c3b108582a" providerId="ADAL" clId="{81AC35D5-6BEF-4A15-80CA-88A8229CCE5F}" dt="2025-06-03T16:02:43.885" v="16" actId="207"/>
+          <ac:chgData name="Gerth Stølting Brodal" userId="04ef4784-6591-4f86-a140-f5c3b108582a" providerId="ADAL" clId="{81AC35D5-6BEF-4A15-80CA-88A8229CCE5F}" dt="2025-06-03T17:04:25.811" v="63" actId="6549"/>
           <ac:spMkLst>
             <pc:docMk/>
             <pc:sldMk cId="3278452034" sldId="772"/>
             <ac:spMk id="4" creationId="{00000000-0000-0000-0000-000000000000}"/>
+          </ac:spMkLst>
+        </pc:spChg>
+      </pc:sldChg>
+      <pc:sldChg chg="modSp add mod ord modShow">
+        <pc:chgData name="Gerth Stølting Brodal" userId="04ef4784-6591-4f86-a140-f5c3b108582a" providerId="ADAL" clId="{81AC35D5-6BEF-4A15-80CA-88A8229CCE5F}" dt="2025-06-05T08:46:33.784" v="90" actId="729"/>
+        <pc:sldMkLst>
+          <pc:docMk/>
+          <pc:sldMk cId="1219500863" sldId="797"/>
+        </pc:sldMkLst>
+        <pc:spChg chg="mod">
+          <ac:chgData name="Gerth Stølting Brodal" userId="04ef4784-6591-4f86-a140-f5c3b108582a" providerId="ADAL" clId="{81AC35D5-6BEF-4A15-80CA-88A8229CCE5F}" dt="2025-06-05T08:44:11.464" v="88" actId="20577"/>
+          <ac:spMkLst>
+            <pc:docMk/>
+            <pc:sldMk cId="1219500863" sldId="797"/>
+            <ac:spMk id="2" creationId="{2EA4A49A-9B82-3940-D8A0-582CCC995050}"/>
+          </ac:spMkLst>
+        </pc:spChg>
+      </pc:sldChg>
+      <pc:sldChg chg="modSp new mod modShow modNotesTx">
+        <pc:chgData name="Gerth Stølting Brodal" userId="04ef4784-6591-4f86-a140-f5c3b108582a" providerId="ADAL" clId="{81AC35D5-6BEF-4A15-80CA-88A8229CCE5F}" dt="2025-06-05T21:30:32.855" v="418" actId="20577"/>
+        <pc:sldMkLst>
+          <pc:docMk/>
+          <pc:sldMk cId="3577428823" sldId="798"/>
+        </pc:sldMkLst>
+        <pc:spChg chg="mod">
+          <ac:chgData name="Gerth Stølting Brodal" userId="04ef4784-6591-4f86-a140-f5c3b108582a" providerId="ADAL" clId="{81AC35D5-6BEF-4A15-80CA-88A8229CCE5F}" dt="2025-06-05T08:53:43.961" v="206" actId="20577"/>
+          <ac:spMkLst>
+            <pc:docMk/>
+            <pc:sldMk cId="3577428823" sldId="798"/>
+            <ac:spMk id="2" creationId="{775E5416-EB0F-ACA7-0B19-9C9A618A9C90}"/>
+          </ac:spMkLst>
+        </pc:spChg>
+        <pc:spChg chg="mod">
+          <ac:chgData name="Gerth Stølting Brodal" userId="04ef4784-6591-4f86-a140-f5c3b108582a" providerId="ADAL" clId="{81AC35D5-6BEF-4A15-80CA-88A8229CCE5F}" dt="2025-06-05T21:30:32.855" v="418" actId="20577"/>
+          <ac:spMkLst>
+            <pc:docMk/>
+            <pc:sldMk cId="3577428823" sldId="798"/>
+            <ac:spMk id="3" creationId="{9CCE2252-3B47-3250-9646-75C4448A3E02}"/>
           </ac:spMkLst>
         </pc:spChg>
       </pc:sldChg>
@@ -424,7 +464,7 @@
           <a:p>
             <a:fld id="{FB1A172F-81D4-4DC4-9113-1DBD56EC3646}" type="datetimeFigureOut">
               <a:rPr lang="en-US" smtClean="0"/>
-              <a:t>6/3/2025</a:t>
+              <a:t>6/6/2025</a:t>
             </a:fld>
             <a:endParaRPr lang="en-US"/>
           </a:p>
@@ -1403,15 +1443,37 @@
           <a:p>
             <a:r>
               <a:rPr lang="en-US" dirty="0" err="1"/>
+              <a:t>Cplex</a:t>
+            </a:r>
+            <a:r>
+              <a:rPr lang="en-US" dirty="0"/>
+              <a:t> and </a:t>
+            </a:r>
+            <a:r>
+              <a:rPr lang="en-US" dirty="0" err="1"/>
               <a:t>Gurobi</a:t>
             </a:r>
             <a:r>
               <a:rPr lang="en-US" dirty="0"/>
-              <a:t> has free </a:t>
-            </a:r>
-            <a:r>
-              <a:rPr lang="en-US"/>
-              <a:t>academic licenses.</a:t>
+              <a:t> are used throughout many course on the Math-</a:t>
+            </a:r>
+            <a:r>
+              <a:rPr lang="en-US" dirty="0" err="1"/>
+              <a:t>Econics</a:t>
+            </a:r>
+            <a:r>
+              <a:rPr lang="en-US" dirty="0"/>
+              <a:t> education.</a:t>
+            </a:r>
+          </a:p>
+          <a:p>
+            <a:r>
+              <a:rPr lang="en-US" dirty="0" err="1"/>
+              <a:t>Gurobi</a:t>
+            </a:r>
+            <a:r>
+              <a:rPr lang="en-US" dirty="0"/>
+              <a:t> has free academic licenses.</a:t>
             </a:r>
             <a:endParaRPr lang="da-DK" dirty="0"/>
           </a:p>
@@ -1563,6 +1625,165 @@
 </p:notes>
 </file>
 
+<file path=ppt/notesSlides/notesSlide9.xml><?xml version="1.0" encoding="utf-8"?>
+<p:notes xmlns:a="http://schemas.openxmlformats.org/drawingml/2006/main" xmlns:r="http://schemas.openxmlformats.org/officeDocument/2006/relationships" xmlns:p="http://schemas.openxmlformats.org/presentationml/2006/main">
+  <p:cSld>
+    <p:spTree>
+      <p:nvGrpSpPr>
+        <p:cNvPr id="1" name=""/>
+        <p:cNvGrpSpPr/>
+        <p:nvPr/>
+      </p:nvGrpSpPr>
+      <p:grpSpPr>
+        <a:xfrm>
+          <a:off x="0" y="0"/>
+          <a:ext cx="0" cy="0"/>
+          <a:chOff x="0" y="0"/>
+          <a:chExt cx="0" cy="0"/>
+        </a:xfrm>
+      </p:grpSpPr>
+      <p:sp>
+        <p:nvSpPr>
+          <p:cNvPr id="2" name="Slide Image Placeholder 1"/>
+          <p:cNvSpPr>
+            <a:spLocks noGrp="1" noRot="1" noChangeAspect="1"/>
+          </p:cNvSpPr>
+          <p:nvPr>
+            <p:ph type="sldImg"/>
+          </p:nvPr>
+        </p:nvSpPr>
+        <p:spPr/>
+      </p:sp>
+      <p:sp>
+        <p:nvSpPr>
+          <p:cNvPr id="3" name="Notes Placeholder 2"/>
+          <p:cNvSpPr>
+            <a:spLocks noGrp="1"/>
+          </p:cNvSpPr>
+          <p:nvPr>
+            <p:ph type="body" idx="1"/>
+          </p:nvPr>
+        </p:nvSpPr>
+        <p:spPr/>
+        <p:txBody>
+          <a:bodyPr/>
+          <a:lstStyle/>
+          <a:p>
+            <a:r>
+              <a:rPr lang="en-US" b="1" dirty="0" err="1"/>
+              <a:t>Gurobi</a:t>
+            </a:r>
+            <a:endParaRPr lang="en-US" b="1" dirty="0"/>
+          </a:p>
+          <a:p>
+            <a:r>
+              <a:rPr lang="en-US" dirty="0"/>
+              <a:t>1) Create account at gurobi.com</a:t>
+            </a:r>
+          </a:p>
+          <a:p>
+            <a:r>
+              <a:rPr lang="en-US" dirty="0"/>
+              <a:t>2) Get free academic license, https://portal.gurobi.com/iam/licenses/request/?type=academic</a:t>
+            </a:r>
+          </a:p>
+          <a:p>
+            <a:pPr marL="0" marR="0" lvl="0" indent="0" algn="l" defTabSz="914400" rtl="0" eaLnBrk="1" fontAlgn="auto" latinLnBrk="0" hangingPunct="1">
+              <a:lnSpc>
+                <a:spcPct val="100000"/>
+              </a:lnSpc>
+              <a:spcBef>
+                <a:spcPts val="0"/>
+              </a:spcBef>
+              <a:spcAft>
+                <a:spcPts val="0"/>
+              </a:spcAft>
+              <a:buClrTx/>
+              <a:buSzTx/>
+              <a:buFontTx/>
+              <a:buNone/>
+              <a:tabLst/>
+              <a:defRPr/>
+            </a:pPr>
+            <a:r>
+              <a:rPr lang="en-US" dirty="0"/>
+              <a:t>3) Download </a:t>
+            </a:r>
+            <a:r>
+              <a:rPr lang="en-US" dirty="0" err="1"/>
+              <a:t>Gurobi</a:t>
+            </a:r>
+            <a:r>
+              <a:rPr lang="en-US" dirty="0"/>
+              <a:t> (Gurobi-12.0.2-win64.msi)</a:t>
+            </a:r>
+          </a:p>
+          <a:p>
+            <a:r>
+              <a:rPr lang="en-US" dirty="0"/>
+              <a:t>4) </a:t>
+            </a:r>
+            <a:r>
+              <a:rPr lang="en-US" dirty="0" err="1"/>
+              <a:t>grbgetkey</a:t>
+            </a:r>
+            <a:r>
+              <a:rPr lang="en-US" dirty="0"/>
+              <a:t> …</a:t>
+            </a:r>
+          </a:p>
+          <a:p>
+            <a:r>
+              <a:rPr lang="en-US" dirty="0"/>
+              <a:t>5) pip install </a:t>
+            </a:r>
+            <a:r>
+              <a:rPr lang="en-US" dirty="0" err="1"/>
+              <a:t>gurobipy</a:t>
+            </a:r>
+            <a:endParaRPr lang="en-US" dirty="0"/>
+          </a:p>
+          <a:p>
+            <a:endParaRPr lang="en-US" dirty="0"/>
+          </a:p>
+        </p:txBody>
+      </p:sp>
+      <p:sp>
+        <p:nvSpPr>
+          <p:cNvPr id="4" name="Slide Number Placeholder 3"/>
+          <p:cNvSpPr>
+            <a:spLocks noGrp="1"/>
+          </p:cNvSpPr>
+          <p:nvPr>
+            <p:ph type="sldNum" sz="quarter" idx="5"/>
+          </p:nvPr>
+        </p:nvSpPr>
+        <p:spPr/>
+        <p:txBody>
+          <a:bodyPr/>
+          <a:lstStyle/>
+          <a:p>
+            <a:fld id="{CD563DD8-32AB-41BE-B1C6-8EAC45222ACE}" type="slidenum">
+              <a:rPr lang="en-US" smtClean="0"/>
+              <a:t>24</a:t>
+            </a:fld>
+            <a:endParaRPr lang="en-US"/>
+          </a:p>
+        </p:txBody>
+      </p:sp>
+    </p:spTree>
+    <p:extLst>
+      <p:ext uri="{BB962C8B-B14F-4D97-AF65-F5344CB8AC3E}">
+        <p14:creationId xmlns:p14="http://schemas.microsoft.com/office/powerpoint/2010/main" val="3406253195"/>
+      </p:ext>
+    </p:extLst>
+  </p:cSld>
+  <p:clrMapOvr>
+    <a:masterClrMapping/>
+  </p:clrMapOvr>
+</p:notes>
+</file>
+
 <file path=ppt/slideLayouts/slideLayout1.xml><?xml version="1.0" encoding="utf-8"?>
 <p:sldLayout xmlns:a="http://schemas.openxmlformats.org/drawingml/2006/main" xmlns:r="http://schemas.openxmlformats.org/officeDocument/2006/relationships" xmlns:p="http://schemas.openxmlformats.org/presentationml/2006/main" type="title" preserve="1">
   <p:cSld name="Title Slide">
@@ -1700,7 +1921,7 @@
           <a:p>
             <a:fld id="{0560A9CD-0304-4E0B-9E82-E7E0115DE05B}" type="datetimeFigureOut">
               <a:rPr lang="en-US" smtClean="0"/>
-              <a:t>6/3/2025</a:t>
+              <a:t>6/6/2025</a:t>
             </a:fld>
             <a:endParaRPr lang="en-US"/>
           </a:p>
@@ -1868,7 +2089,7 @@
           <a:p>
             <a:fld id="{0560A9CD-0304-4E0B-9E82-E7E0115DE05B}" type="datetimeFigureOut">
               <a:rPr lang="en-US" smtClean="0"/>
-              <a:t>6/3/2025</a:t>
+              <a:t>6/6/2025</a:t>
             </a:fld>
             <a:endParaRPr lang="en-US"/>
           </a:p>
@@ -2046,7 +2267,7 @@
           <a:p>
             <a:fld id="{0560A9CD-0304-4E0B-9E82-E7E0115DE05B}" type="datetimeFigureOut">
               <a:rPr lang="en-US" smtClean="0"/>
-              <a:t>6/3/2025</a:t>
+              <a:t>6/6/2025</a:t>
             </a:fld>
             <a:endParaRPr lang="en-US"/>
           </a:p>
@@ -2229,7 +2450,7 @@
           <a:p>
             <a:fld id="{0560A9CD-0304-4E0B-9E82-E7E0115DE05B}" type="datetimeFigureOut">
               <a:rPr lang="en-US" smtClean="0"/>
-              <a:t>6/3/2025</a:t>
+              <a:t>6/6/2025</a:t>
             </a:fld>
             <a:endParaRPr lang="en-US"/>
           </a:p>
@@ -2474,7 +2695,7 @@
           <a:p>
             <a:fld id="{0560A9CD-0304-4E0B-9E82-E7E0115DE05B}" type="datetimeFigureOut">
               <a:rPr lang="en-US" smtClean="0"/>
-              <a:t>6/3/2025</a:t>
+              <a:t>6/6/2025</a:t>
             </a:fld>
             <a:endParaRPr lang="en-US"/>
           </a:p>
@@ -2703,7 +2924,7 @@
           <a:p>
             <a:fld id="{0560A9CD-0304-4E0B-9E82-E7E0115DE05B}" type="datetimeFigureOut">
               <a:rPr lang="en-US" smtClean="0"/>
-              <a:t>6/3/2025</a:t>
+              <a:t>6/6/2025</a:t>
             </a:fld>
             <a:endParaRPr lang="en-US"/>
           </a:p>
@@ -3067,7 +3288,7 @@
           <a:p>
             <a:fld id="{0560A9CD-0304-4E0B-9E82-E7E0115DE05B}" type="datetimeFigureOut">
               <a:rPr lang="en-US" smtClean="0"/>
-              <a:t>6/3/2025</a:t>
+              <a:t>6/6/2025</a:t>
             </a:fld>
             <a:endParaRPr lang="en-US"/>
           </a:p>
@@ -3184,7 +3405,7 @@
           <a:p>
             <a:fld id="{0560A9CD-0304-4E0B-9E82-E7E0115DE05B}" type="datetimeFigureOut">
               <a:rPr lang="en-US" smtClean="0"/>
-              <a:t>6/3/2025</a:t>
+              <a:t>6/6/2025</a:t>
             </a:fld>
             <a:endParaRPr lang="en-US"/>
           </a:p>
@@ -3279,7 +3500,7 @@
           <a:p>
             <a:fld id="{0560A9CD-0304-4E0B-9E82-E7E0115DE05B}" type="datetimeFigureOut">
               <a:rPr lang="en-US" smtClean="0"/>
-              <a:t>6/3/2025</a:t>
+              <a:t>6/6/2025</a:t>
             </a:fld>
             <a:endParaRPr lang="en-US"/>
           </a:p>
@@ -3554,7 +3775,7 @@
           <a:p>
             <a:fld id="{0560A9CD-0304-4E0B-9E82-E7E0115DE05B}" type="datetimeFigureOut">
               <a:rPr lang="en-US" smtClean="0"/>
-              <a:t>6/3/2025</a:t>
+              <a:t>6/6/2025</a:t>
             </a:fld>
             <a:endParaRPr lang="en-US"/>
           </a:p>
@@ -3806,7 +4027,7 @@
           <a:p>
             <a:fld id="{0560A9CD-0304-4E0B-9E82-E7E0115DE05B}" type="datetimeFigureOut">
               <a:rPr lang="en-US" smtClean="0"/>
-              <a:t>6/3/2025</a:t>
+              <a:t>6/6/2025</a:t>
             </a:fld>
             <a:endParaRPr lang="en-US"/>
           </a:p>
@@ -4017,7 +4238,7 @@
           <a:p>
             <a:fld id="{0560A9CD-0304-4E0B-9E82-E7E0115DE05B}" type="datetimeFigureOut">
               <a:rPr lang="en-US" smtClean="0"/>
-              <a:t>6/3/2025</a:t>
+              <a:t>6/6/2025</a:t>
             </a:fld>
             <a:endParaRPr lang="en-US"/>
           </a:p>
@@ -11802,7 +12023,27 @@
                   </a:schemeClr>
                 </a:solidFill>
               </a:rPr>
-              <a:t> (Mixed-Integer Linear Programs) </a:t>
+              <a:t> (mixed-integer </a:t>
+            </a:r>
+            <a:r>
+              <a:rPr lang="en-US">
+                <a:solidFill>
+                  <a:schemeClr val="bg1">
+                    <a:lumMod val="50000"/>
+                  </a:schemeClr>
+                </a:solidFill>
+              </a:rPr>
+              <a:t>linear programs</a:t>
+            </a:r>
+            <a:r>
+              <a:rPr lang="en-US" dirty="0">
+                <a:solidFill>
+                  <a:schemeClr val="bg1">
+                    <a:lumMod val="50000"/>
+                  </a:schemeClr>
+                </a:solidFill>
+              </a:rPr>
+              <a:t>) </a:t>
             </a:r>
           </a:p>
         </p:txBody>
@@ -21266,6 +21507,282 @@
     <p:extLst>
       <p:ext uri="{BB962C8B-B14F-4D97-AF65-F5344CB8AC3E}">
         <p14:creationId xmlns:p14="http://schemas.microsoft.com/office/powerpoint/2010/main" val="4011126068"/>
+      </p:ext>
+    </p:extLst>
+  </p:cSld>
+  <p:clrMapOvr>
+    <a:masterClrMapping/>
+  </p:clrMapOvr>
+</p:sld>
+</file>
+
+<file path=ppt/slides/slide23.xml><?xml version="1.0" encoding="utf-8"?>
+<p:sld xmlns:a="http://schemas.openxmlformats.org/drawingml/2006/main" xmlns:r="http://schemas.openxmlformats.org/officeDocument/2006/relationships" xmlns:p="http://schemas.openxmlformats.org/presentationml/2006/main" show="0">
+  <p:cSld>
+    <p:spTree>
+      <p:nvGrpSpPr>
+        <p:cNvPr id="1" name="">
+          <a:extLst>
+            <a:ext uri="{FF2B5EF4-FFF2-40B4-BE49-F238E27FC236}">
+              <a16:creationId xmlns:a16="http://schemas.microsoft.com/office/drawing/2014/main" id="{2DC89645-4390-F9F5-1C4E-FD74EB187DC7}"/>
+            </a:ext>
+          </a:extLst>
+        </p:cNvPr>
+        <p:cNvGrpSpPr/>
+        <p:nvPr/>
+      </p:nvGrpSpPr>
+      <p:grpSpPr>
+        <a:xfrm>
+          <a:off x="0" y="0"/>
+          <a:ext cx="0" cy="0"/>
+          <a:chOff x="0" y="0"/>
+          <a:chExt cx="0" cy="0"/>
+        </a:xfrm>
+      </p:grpSpPr>
+      <p:sp>
+        <p:nvSpPr>
+          <p:cNvPr id="2" name="Title 1">
+            <a:extLst>
+              <a:ext uri="{FF2B5EF4-FFF2-40B4-BE49-F238E27FC236}">
+                <a16:creationId xmlns:a16="http://schemas.microsoft.com/office/drawing/2014/main" id="{2EA4A49A-9B82-3940-D8A0-582CCC995050}"/>
+              </a:ext>
+            </a:extLst>
+          </p:cNvPr>
+          <p:cNvSpPr>
+            <a:spLocks noGrp="1"/>
+          </p:cNvSpPr>
+          <p:nvPr>
+            <p:ph type="title"/>
+          </p:nvPr>
+        </p:nvSpPr>
+        <p:spPr>
+          <a:xfrm>
+            <a:off x="791901" y="2668487"/>
+            <a:ext cx="10515600" cy="1325563"/>
+          </a:xfrm>
+        </p:spPr>
+        <p:txBody>
+          <a:bodyPr/>
+          <a:lstStyle/>
+          <a:p>
+            <a:pPr algn="ctr"/>
+            <a:r>
+              <a:rPr lang="da-DK" dirty="0"/>
+              <a:t>Mixed </a:t>
+            </a:r>
+            <a:r>
+              <a:rPr lang="da-DK" dirty="0" err="1"/>
+              <a:t>Integer</a:t>
+            </a:r>
+            <a:r>
+              <a:rPr lang="da-DK" dirty="0"/>
+              <a:t> </a:t>
+            </a:r>
+            <a:r>
+              <a:rPr lang="da-DK" dirty="0" err="1"/>
+              <a:t>Linear</a:t>
+            </a:r>
+            <a:r>
+              <a:rPr lang="da-DK" dirty="0"/>
+              <a:t> </a:t>
+            </a:r>
+            <a:r>
+              <a:rPr lang="da-DK" dirty="0" err="1"/>
+              <a:t>programming</a:t>
+            </a:r>
+            <a:endParaRPr lang="en-US" dirty="0"/>
+          </a:p>
+        </p:txBody>
+      </p:sp>
+    </p:spTree>
+    <p:extLst>
+      <p:ext uri="{BB962C8B-B14F-4D97-AF65-F5344CB8AC3E}">
+        <p14:creationId xmlns:p14="http://schemas.microsoft.com/office/powerpoint/2010/main" val="1219500863"/>
+      </p:ext>
+    </p:extLst>
+  </p:cSld>
+  <p:clrMapOvr>
+    <a:masterClrMapping/>
+  </p:clrMapOvr>
+</p:sld>
+</file>
+
+<file path=ppt/slides/slide24.xml><?xml version="1.0" encoding="utf-8"?>
+<p:sld xmlns:a="http://schemas.openxmlformats.org/drawingml/2006/main" xmlns:r="http://schemas.openxmlformats.org/officeDocument/2006/relationships" xmlns:p="http://schemas.openxmlformats.org/presentationml/2006/main" show="0">
+  <p:cSld>
+    <p:spTree>
+      <p:nvGrpSpPr>
+        <p:cNvPr id="1" name=""/>
+        <p:cNvGrpSpPr/>
+        <p:nvPr/>
+      </p:nvGrpSpPr>
+      <p:grpSpPr>
+        <a:xfrm>
+          <a:off x="0" y="0"/>
+          <a:ext cx="0" cy="0"/>
+          <a:chOff x="0" y="0"/>
+          <a:chExt cx="0" cy="0"/>
+        </a:xfrm>
+      </p:grpSpPr>
+      <p:sp>
+        <p:nvSpPr>
+          <p:cNvPr id="2" name="Title 1">
+            <a:extLst>
+              <a:ext uri="{FF2B5EF4-FFF2-40B4-BE49-F238E27FC236}">
+                <a16:creationId xmlns:a16="http://schemas.microsoft.com/office/drawing/2014/main" id="{775E5416-EB0F-ACA7-0B19-9C9A618A9C90}"/>
+              </a:ext>
+            </a:extLst>
+          </p:cNvPr>
+          <p:cNvSpPr>
+            <a:spLocks noGrp="1"/>
+          </p:cNvSpPr>
+          <p:nvPr>
+            <p:ph type="title"/>
+          </p:nvPr>
+        </p:nvSpPr>
+        <p:spPr>
+          <a:xfrm>
+            <a:off x="838200" y="339725"/>
+            <a:ext cx="10515600" cy="1325563"/>
+          </a:xfrm>
+        </p:spPr>
+        <p:txBody>
+          <a:bodyPr/>
+          <a:lstStyle/>
+          <a:p>
+            <a:r>
+              <a:rPr lang="da-DK" dirty="0"/>
+              <a:t>Mixed </a:t>
+            </a:r>
+            <a:r>
+              <a:rPr lang="da-DK" dirty="0" err="1"/>
+              <a:t>integer</a:t>
+            </a:r>
+            <a:r>
+              <a:rPr lang="da-DK" dirty="0"/>
+              <a:t> </a:t>
+            </a:r>
+            <a:r>
+              <a:rPr lang="da-DK" dirty="0" err="1"/>
+              <a:t>linear</a:t>
+            </a:r>
+            <a:r>
+              <a:rPr lang="da-DK" dirty="0"/>
+              <a:t> </a:t>
+            </a:r>
+            <a:r>
+              <a:rPr lang="da-DK" dirty="0" err="1"/>
+              <a:t>programming</a:t>
+            </a:r>
+            <a:r>
+              <a:rPr lang="da-DK" dirty="0"/>
+              <a:t> (MILP)</a:t>
+            </a:r>
+            <a:endParaRPr lang="en-US" dirty="0"/>
+          </a:p>
+        </p:txBody>
+      </p:sp>
+      <p:sp>
+        <p:nvSpPr>
+          <p:cNvPr id="3" name="Content Placeholder 2">
+            <a:extLst>
+              <a:ext uri="{FF2B5EF4-FFF2-40B4-BE49-F238E27FC236}">
+                <a16:creationId xmlns:a16="http://schemas.microsoft.com/office/drawing/2014/main" id="{9CCE2252-3B47-3250-9646-75C4448A3E02}"/>
+              </a:ext>
+            </a:extLst>
+          </p:cNvPr>
+          <p:cNvSpPr>
+            <a:spLocks noGrp="1"/>
+          </p:cNvSpPr>
+          <p:nvPr>
+            <p:ph idx="1"/>
+          </p:nvPr>
+        </p:nvSpPr>
+        <p:spPr/>
+        <p:txBody>
+          <a:bodyPr/>
+          <a:lstStyle/>
+          <a:p>
+            <a:r>
+              <a:rPr lang="da-DK" dirty="0" err="1"/>
+              <a:t>Combines</a:t>
+            </a:r>
+            <a:r>
+              <a:rPr lang="da-DK" dirty="0"/>
+              <a:t> </a:t>
+            </a:r>
+            <a:r>
+              <a:rPr lang="da-DK" dirty="0" err="1"/>
+              <a:t>arithmetic</a:t>
+            </a:r>
+            <a:r>
+              <a:rPr lang="da-DK" dirty="0"/>
+              <a:t> with </a:t>
+            </a:r>
+            <a:r>
+              <a:rPr lang="da-DK" dirty="0" err="1"/>
+              <a:t>logic</a:t>
+            </a:r>
+            <a:endParaRPr lang="da-DK" dirty="0"/>
+          </a:p>
+          <a:p>
+            <a:r>
+              <a:rPr lang="en-US" dirty="0">
+                <a:latin typeface="Courier New" panose="02070309020205020404" pitchFamily="49" charset="0"/>
+                <a:cs typeface="Courier New" panose="02070309020205020404" pitchFamily="49" charset="0"/>
+              </a:rPr>
+              <a:t>python -m pip install </a:t>
+            </a:r>
+            <a:r>
+              <a:rPr lang="en-US" dirty="0" err="1">
+                <a:latin typeface="Courier New" panose="02070309020205020404" pitchFamily="49" charset="0"/>
+                <a:cs typeface="Courier New" panose="02070309020205020404" pitchFamily="49" charset="0"/>
+              </a:rPr>
+              <a:t>gurobipy</a:t>
+            </a:r>
+            <a:endParaRPr lang="en-US" dirty="0">
+              <a:latin typeface="Courier New" panose="02070309020205020404" pitchFamily="49" charset="0"/>
+              <a:cs typeface="Courier New" panose="02070309020205020404" pitchFamily="49" charset="0"/>
+            </a:endParaRPr>
+          </a:p>
+          <a:p>
+            <a:r>
+              <a:rPr lang="en-US" dirty="0" err="1"/>
+              <a:t>Gurobi</a:t>
+            </a:r>
+            <a:r>
+              <a:rPr lang="en-US" dirty="0"/>
+              <a:t>, state the of art commercial MILP solver, free </a:t>
+            </a:r>
+            <a:r>
+              <a:rPr lang="en-US" dirty="0" err="1">
+                <a:hlinkClick r:id="rId3"/>
+              </a:rPr>
+              <a:t>acdemic</a:t>
+            </a:r>
+            <a:r>
+              <a:rPr lang="en-US" dirty="0">
+                <a:hlinkClick r:id="rId3"/>
+              </a:rPr>
+              <a:t> license</a:t>
+            </a:r>
+            <a:endParaRPr lang="en-US" dirty="0"/>
+          </a:p>
+          <a:p>
+            <a:pPr marL="0" indent="0">
+              <a:buNone/>
+            </a:pPr>
+            <a:endParaRPr lang="en-US" dirty="0"/>
+          </a:p>
+          <a:p>
+            <a:endParaRPr lang="en-US" dirty="0"/>
+          </a:p>
+        </p:txBody>
+      </p:sp>
+    </p:spTree>
+    <p:extLst>
+      <p:ext uri="{BB962C8B-B14F-4D97-AF65-F5344CB8AC3E}">
+        <p14:creationId xmlns:p14="http://schemas.microsoft.com/office/powerpoint/2010/main" val="3577428823"/>
       </p:ext>
     </p:extLst>
   </p:cSld>
